--- a/Understanding Bias Via Interpretability.pptx
+++ b/Understanding Bias Via Interpretability.pptx
@@ -23,31 +23,33 @@
     <p:sldId id="280" r:id="rId17"/>
     <p:sldId id="271" r:id="rId18"/>
     <p:sldId id="279" r:id="rId19"/>
-    <p:sldId id="265" r:id="rId20"/>
-    <p:sldId id="281" r:id="rId21"/>
-    <p:sldId id="283" r:id="rId22"/>
-    <p:sldId id="284" r:id="rId23"/>
-    <p:sldId id="287" r:id="rId24"/>
-    <p:sldId id="288" r:id="rId25"/>
-    <p:sldId id="289" r:id="rId26"/>
-    <p:sldId id="290" r:id="rId27"/>
-    <p:sldId id="285" r:id="rId28"/>
-    <p:sldId id="291" r:id="rId29"/>
-    <p:sldId id="293" r:id="rId30"/>
-    <p:sldId id="294" r:id="rId31"/>
-    <p:sldId id="292" r:id="rId32"/>
-    <p:sldId id="295" r:id="rId33"/>
-    <p:sldId id="296" r:id="rId34"/>
-    <p:sldId id="286" r:id="rId35"/>
-    <p:sldId id="297" r:id="rId36"/>
-    <p:sldId id="298" r:id="rId37"/>
-    <p:sldId id="299" r:id="rId38"/>
-    <p:sldId id="266" r:id="rId39"/>
-    <p:sldId id="264" r:id="rId40"/>
-    <p:sldId id="257" r:id="rId41"/>
-    <p:sldId id="259" r:id="rId42"/>
-    <p:sldId id="260" r:id="rId43"/>
-    <p:sldId id="282" r:id="rId44"/>
+    <p:sldId id="301" r:id="rId20"/>
+    <p:sldId id="265" r:id="rId21"/>
+    <p:sldId id="281" r:id="rId22"/>
+    <p:sldId id="283" r:id="rId23"/>
+    <p:sldId id="284" r:id="rId24"/>
+    <p:sldId id="287" r:id="rId25"/>
+    <p:sldId id="288" r:id="rId26"/>
+    <p:sldId id="289" r:id="rId27"/>
+    <p:sldId id="290" r:id="rId28"/>
+    <p:sldId id="285" r:id="rId29"/>
+    <p:sldId id="291" r:id="rId30"/>
+    <p:sldId id="293" r:id="rId31"/>
+    <p:sldId id="294" r:id="rId32"/>
+    <p:sldId id="292" r:id="rId33"/>
+    <p:sldId id="295" r:id="rId34"/>
+    <p:sldId id="296" r:id="rId35"/>
+    <p:sldId id="286" r:id="rId36"/>
+    <p:sldId id="297" r:id="rId37"/>
+    <p:sldId id="298" r:id="rId38"/>
+    <p:sldId id="299" r:id="rId39"/>
+    <p:sldId id="266" r:id="rId40"/>
+    <p:sldId id="264" r:id="rId41"/>
+    <p:sldId id="257" r:id="rId42"/>
+    <p:sldId id="259" r:id="rId43"/>
+    <p:sldId id="260" r:id="rId44"/>
+    <p:sldId id="282" r:id="rId45"/>
+    <p:sldId id="300" r:id="rId46"/>
   </p:sldIdLst>
   <p:sldSz cx="12192000" cy="6858000"/>
   <p:notesSz cx="6858000" cy="9144000"/>
@@ -6456,7 +6458,7 @@
           <p:cNvPr id="2" name="Title 1">
             <a:extLst>
               <a:ext uri="{FF2B5EF4-FFF2-40B4-BE49-F238E27FC236}">
-                <a16:creationId xmlns:a16="http://schemas.microsoft.com/office/drawing/2014/main" id="{CD220691-ACF8-420F-B800-8E213BFBC56C}"/>
+                <a16:creationId xmlns:a16="http://schemas.microsoft.com/office/drawing/2014/main" id="{7476C8CF-FAAA-45DA-BF73-90DB906636B8}"/>
               </a:ext>
             </a:extLst>
           </p:cNvPr>
@@ -6474,7 +6476,7 @@
           <a:p>
             <a:r>
               <a:rPr lang="en-US" dirty="0"/>
-              <a:t>Tree Based Models</a:t>
+              <a:t>Multivariate Model - Mixed Effects Model </a:t>
             </a:r>
           </a:p>
         </p:txBody>
@@ -6484,7 +6486,7 @@
           <p:cNvPr id="3" name="Content Placeholder 2">
             <a:extLst>
               <a:ext uri="{FF2B5EF4-FFF2-40B4-BE49-F238E27FC236}">
-                <a16:creationId xmlns:a16="http://schemas.microsoft.com/office/drawing/2014/main" id="{2481800E-333E-4583-8BA7-172902B9D5BE}"/>
+                <a16:creationId xmlns:a16="http://schemas.microsoft.com/office/drawing/2014/main" id="{FDB0E63D-6766-40F0-A6D3-57F4FCF2FC83}"/>
               </a:ext>
             </a:extLst>
           </p:cNvPr>
@@ -6497,89 +6499,35 @@
         </p:nvSpPr>
         <p:spPr/>
         <p:txBody>
-          <a:bodyPr>
-            <a:normAutofit lnSpcReduction="10000"/>
-          </a:bodyPr>
-          <a:lstStyle/>
-          <a:p>
-            <a:r>
-              <a:rPr lang="en-US" dirty="0"/>
-              <a:t>A Review of the Model</a:t>
-            </a:r>
-          </a:p>
-          <a:p>
-            <a:pPr lvl="1"/>
-            <a:r>
-              <a:rPr lang="en-US" dirty="0"/>
-              <a:t>Mathematical Specification</a:t>
-            </a:r>
-          </a:p>
-          <a:p>
-            <a:pPr lvl="1"/>
-            <a:r>
-              <a:rPr lang="en-US" dirty="0"/>
-              <a:t>Model Intuition</a:t>
-            </a:r>
-          </a:p>
-          <a:p>
-            <a:r>
-              <a:rPr lang="en-US" dirty="0"/>
-              <a:t>Interpreting the Model</a:t>
-            </a:r>
-          </a:p>
-          <a:p>
-            <a:pPr lvl="1"/>
-            <a:r>
-              <a:rPr lang="en-US" dirty="0"/>
-              <a:t>Basic Model</a:t>
-            </a:r>
-          </a:p>
-          <a:p>
-            <a:pPr lvl="1"/>
-            <a:r>
-              <a:rPr lang="en-US" dirty="0"/>
-              <a:t>Goodness of Fit Measures</a:t>
-            </a:r>
-          </a:p>
-          <a:p>
-            <a:pPr lvl="1"/>
-            <a:r>
-              <a:rPr lang="en-US" dirty="0"/>
-              <a:t>Feature </a:t>
-            </a:r>
-            <a:r>
-              <a:rPr lang="en-US" dirty="0" err="1"/>
-              <a:t>Importances</a:t>
-            </a:r>
+          <a:bodyPr/>
+          <a:lstStyle/>
+          <a:p>
+            <a:r>
+              <a:rPr lang="en-US" dirty="0"/>
+              <a:t>Code</a:t>
+            </a:r>
+          </a:p>
+          <a:p>
+            <a:pPr marL="0" indent="0">
+              <a:buNone/>
+            </a:pPr>
             <a:endParaRPr lang="en-US" dirty="0"/>
           </a:p>
           <a:p>
-            <a:pPr lvl="1"/>
-            <a:r>
-              <a:rPr lang="en-US" dirty="0"/>
-              <a:t>Tree Interpreter</a:t>
-            </a:r>
-          </a:p>
-          <a:p>
-            <a:pPr lvl="1"/>
-            <a:r>
-              <a:rPr lang="en-US" dirty="0"/>
-              <a:t>Tests (Potentially)</a:t>
-            </a:r>
-          </a:p>
-          <a:p>
-            <a:pPr lvl="1"/>
-            <a:r>
-              <a:rPr lang="en-US" dirty="0"/>
-              <a:t>Interpreting Feature Transforms</a:t>
-            </a:r>
+            <a:r>
+              <a:rPr lang="en-US" dirty="0"/>
+              <a:t>Interpretation</a:t>
+            </a:r>
+          </a:p>
+          <a:p>
+            <a:endParaRPr lang="en-US" dirty="0"/>
           </a:p>
         </p:txBody>
       </p:sp>
     </p:spTree>
     <p:extLst>
       <p:ext uri="{BB962C8B-B14F-4D97-AF65-F5344CB8AC3E}">
-        <p14:creationId xmlns:p14="http://schemas.microsoft.com/office/powerpoint/2010/main" val="2896609944"/>
+        <p14:creationId xmlns:p14="http://schemas.microsoft.com/office/powerpoint/2010/main" val="298607589"/>
       </p:ext>
     </p:extLst>
   </p:cSld>
@@ -6688,6 +6636,161 @@
 </file>
 
 <file path=ppt/slides/slide20.xml><?xml version="1.0" encoding="utf-8"?>
+<p:sld xmlns:a="http://schemas.openxmlformats.org/drawingml/2006/main" xmlns:r="http://schemas.openxmlformats.org/officeDocument/2006/relationships" xmlns:p="http://schemas.openxmlformats.org/presentationml/2006/main">
+  <p:cSld>
+    <p:spTree>
+      <p:nvGrpSpPr>
+        <p:cNvPr id="1" name=""/>
+        <p:cNvGrpSpPr/>
+        <p:nvPr/>
+      </p:nvGrpSpPr>
+      <p:grpSpPr>
+        <a:xfrm>
+          <a:off x="0" y="0"/>
+          <a:ext cx="0" cy="0"/>
+          <a:chOff x="0" y="0"/>
+          <a:chExt cx="0" cy="0"/>
+        </a:xfrm>
+      </p:grpSpPr>
+      <p:sp>
+        <p:nvSpPr>
+          <p:cNvPr id="2" name="Title 1">
+            <a:extLst>
+              <a:ext uri="{FF2B5EF4-FFF2-40B4-BE49-F238E27FC236}">
+                <a16:creationId xmlns:a16="http://schemas.microsoft.com/office/drawing/2014/main" id="{CD220691-ACF8-420F-B800-8E213BFBC56C}"/>
+              </a:ext>
+            </a:extLst>
+          </p:cNvPr>
+          <p:cNvSpPr>
+            <a:spLocks noGrp="1"/>
+          </p:cNvSpPr>
+          <p:nvPr>
+            <p:ph type="title"/>
+          </p:nvPr>
+        </p:nvSpPr>
+        <p:spPr/>
+        <p:txBody>
+          <a:bodyPr/>
+          <a:lstStyle/>
+          <a:p>
+            <a:r>
+              <a:rPr lang="en-US" dirty="0"/>
+              <a:t>Tree Based Models</a:t>
+            </a:r>
+          </a:p>
+        </p:txBody>
+      </p:sp>
+      <p:sp>
+        <p:nvSpPr>
+          <p:cNvPr id="3" name="Content Placeholder 2">
+            <a:extLst>
+              <a:ext uri="{FF2B5EF4-FFF2-40B4-BE49-F238E27FC236}">
+                <a16:creationId xmlns:a16="http://schemas.microsoft.com/office/drawing/2014/main" id="{2481800E-333E-4583-8BA7-172902B9D5BE}"/>
+              </a:ext>
+            </a:extLst>
+          </p:cNvPr>
+          <p:cNvSpPr>
+            <a:spLocks noGrp="1"/>
+          </p:cNvSpPr>
+          <p:nvPr>
+            <p:ph idx="1"/>
+          </p:nvPr>
+        </p:nvSpPr>
+        <p:spPr/>
+        <p:txBody>
+          <a:bodyPr>
+            <a:normAutofit lnSpcReduction="10000"/>
+          </a:bodyPr>
+          <a:lstStyle/>
+          <a:p>
+            <a:r>
+              <a:rPr lang="en-US" dirty="0"/>
+              <a:t>A Review of the Model</a:t>
+            </a:r>
+          </a:p>
+          <a:p>
+            <a:pPr lvl="1"/>
+            <a:r>
+              <a:rPr lang="en-US" dirty="0"/>
+              <a:t>Mathematical Specification</a:t>
+            </a:r>
+          </a:p>
+          <a:p>
+            <a:pPr lvl="1"/>
+            <a:r>
+              <a:rPr lang="en-US" dirty="0"/>
+              <a:t>Model Intuition</a:t>
+            </a:r>
+          </a:p>
+          <a:p>
+            <a:r>
+              <a:rPr lang="en-US" dirty="0"/>
+              <a:t>Interpreting the Model</a:t>
+            </a:r>
+          </a:p>
+          <a:p>
+            <a:pPr lvl="1"/>
+            <a:r>
+              <a:rPr lang="en-US" dirty="0"/>
+              <a:t>Basic Model</a:t>
+            </a:r>
+          </a:p>
+          <a:p>
+            <a:pPr lvl="1"/>
+            <a:r>
+              <a:rPr lang="en-US" dirty="0"/>
+              <a:t>Goodness of Fit Measures</a:t>
+            </a:r>
+          </a:p>
+          <a:p>
+            <a:pPr lvl="1"/>
+            <a:r>
+              <a:rPr lang="en-US" dirty="0"/>
+              <a:t>Feature </a:t>
+            </a:r>
+            <a:r>
+              <a:rPr lang="en-US" dirty="0" err="1"/>
+              <a:t>Importances</a:t>
+            </a:r>
+            <a:endParaRPr lang="en-US" dirty="0"/>
+          </a:p>
+          <a:p>
+            <a:pPr lvl="1"/>
+            <a:r>
+              <a:rPr lang="en-US" dirty="0"/>
+              <a:t>Tree Interpreter</a:t>
+            </a:r>
+          </a:p>
+          <a:p>
+            <a:pPr lvl="1"/>
+            <a:r>
+              <a:rPr lang="en-US" dirty="0"/>
+              <a:t>Tests (Potentially)</a:t>
+            </a:r>
+          </a:p>
+          <a:p>
+            <a:pPr lvl="1"/>
+            <a:r>
+              <a:rPr lang="en-US" dirty="0"/>
+              <a:t>Interpreting Feature Transforms</a:t>
+            </a:r>
+          </a:p>
+        </p:txBody>
+      </p:sp>
+    </p:spTree>
+    <p:extLst>
+      <p:ext uri="{BB962C8B-B14F-4D97-AF65-F5344CB8AC3E}">
+        <p14:creationId xmlns:p14="http://schemas.microsoft.com/office/powerpoint/2010/main" val="2896609944"/>
+      </p:ext>
+    </p:extLst>
+  </p:cSld>
+  <p:clrMapOvr>
+    <a:masterClrMapping/>
+  </p:clrMapOvr>
+</p:sld>
+</file>
+
+<file path=ppt/slides/slide21.xml><?xml version="1.0" encoding="utf-8"?>
 <p:sld xmlns:a="http://schemas.openxmlformats.org/drawingml/2006/main" xmlns:r="http://schemas.openxmlformats.org/officeDocument/2006/relationships" xmlns:p="http://schemas.openxmlformats.org/presentationml/2006/main">
   <p:cSld>
     <p:spTree>
@@ -6804,110 +6907,6 @@
 </p:sld>
 </file>
 
-<file path=ppt/slides/slide21.xml><?xml version="1.0" encoding="utf-8"?>
-<p:sld xmlns:a="http://schemas.openxmlformats.org/drawingml/2006/main" xmlns:r="http://schemas.openxmlformats.org/officeDocument/2006/relationships" xmlns:p="http://schemas.openxmlformats.org/presentationml/2006/main">
-  <p:cSld>
-    <p:spTree>
-      <p:nvGrpSpPr>
-        <p:cNvPr id="1" name=""/>
-        <p:cNvGrpSpPr/>
-        <p:nvPr/>
-      </p:nvGrpSpPr>
-      <p:grpSpPr>
-        <a:xfrm>
-          <a:off x="0" y="0"/>
-          <a:ext cx="0" cy="0"/>
-          <a:chOff x="0" y="0"/>
-          <a:chExt cx="0" cy="0"/>
-        </a:xfrm>
-      </p:grpSpPr>
-      <p:sp>
-        <p:nvSpPr>
-          <p:cNvPr id="2" name="Title 1">
-            <a:extLst>
-              <a:ext uri="{FF2B5EF4-FFF2-40B4-BE49-F238E27FC236}">
-                <a16:creationId xmlns:a16="http://schemas.microsoft.com/office/drawing/2014/main" id="{C1EA7C55-249D-4E4E-8B00-230058BF9731}"/>
-              </a:ext>
-            </a:extLst>
-          </p:cNvPr>
-          <p:cNvSpPr>
-            <a:spLocks noGrp="1"/>
-          </p:cNvSpPr>
-          <p:nvPr>
-            <p:ph type="title"/>
-          </p:nvPr>
-        </p:nvSpPr>
-        <p:spPr/>
-        <p:txBody>
-          <a:bodyPr/>
-          <a:lstStyle/>
-          <a:p>
-            <a:r>
-              <a:rPr lang="en-US" dirty="0"/>
-              <a:t>Model Intuition</a:t>
-            </a:r>
-          </a:p>
-        </p:txBody>
-      </p:sp>
-      <p:sp>
-        <p:nvSpPr>
-          <p:cNvPr id="3" name="Content Placeholder 2">
-            <a:extLst>
-              <a:ext uri="{FF2B5EF4-FFF2-40B4-BE49-F238E27FC236}">
-                <a16:creationId xmlns:a16="http://schemas.microsoft.com/office/drawing/2014/main" id="{AC93669C-6539-4A56-B172-FCB086CC9BE3}"/>
-              </a:ext>
-            </a:extLst>
-          </p:cNvPr>
-          <p:cNvSpPr>
-            <a:spLocks noGrp="1"/>
-          </p:cNvSpPr>
-          <p:nvPr>
-            <p:ph idx="1"/>
-          </p:nvPr>
-        </p:nvSpPr>
-        <p:spPr/>
-        <p:txBody>
-          <a:bodyPr/>
-          <a:lstStyle/>
-          <a:p>
-            <a:r>
-              <a:rPr lang="en-US" dirty="0"/>
-              <a:t>In theory Decision Trees are universal approximators – they can fit any data, regardless of underlying distribution</a:t>
-            </a:r>
-          </a:p>
-          <a:p>
-            <a:r>
-              <a:rPr lang="en-US" dirty="0"/>
-              <a:t>Splits in the tree are decided by which variable reduces entropy (also known as surprise) the most</a:t>
-            </a:r>
-          </a:p>
-          <a:p>
-            <a:r>
-              <a:rPr lang="en-US" dirty="0"/>
-              <a:t>Looking at the path of splits that lead to why an example ends up in a specific leaf node gives a sense of how the model “thinks” about the data (fix this)</a:t>
-            </a:r>
-          </a:p>
-          <a:p>
-            <a:r>
-              <a:rPr lang="en-US" dirty="0"/>
-              <a:t>Trees are only really good in the multivariate case, they don’t have much predictive power in the single variate case, because there isn’t much information to split on</a:t>
-            </a:r>
-          </a:p>
-        </p:txBody>
-      </p:sp>
-    </p:spTree>
-    <p:extLst>
-      <p:ext uri="{BB962C8B-B14F-4D97-AF65-F5344CB8AC3E}">
-        <p14:creationId xmlns:p14="http://schemas.microsoft.com/office/powerpoint/2010/main" val="3941241187"/>
-      </p:ext>
-    </p:extLst>
-  </p:cSld>
-  <p:clrMapOvr>
-    <a:masterClrMapping/>
-  </p:clrMapOvr>
-</p:sld>
-</file>
-
 <file path=ppt/slides/slide22.xml><?xml version="1.0" encoding="utf-8"?>
 <p:sld xmlns:a="http://schemas.openxmlformats.org/drawingml/2006/main" xmlns:r="http://schemas.openxmlformats.org/officeDocument/2006/relationships" xmlns:p="http://schemas.openxmlformats.org/presentationml/2006/main">
   <p:cSld>
@@ -6930,7 +6929,7 @@
           <p:cNvPr id="2" name="Title 1">
             <a:extLst>
               <a:ext uri="{FF2B5EF4-FFF2-40B4-BE49-F238E27FC236}">
-                <a16:creationId xmlns:a16="http://schemas.microsoft.com/office/drawing/2014/main" id="{BCCD2A6D-C7FA-43A5-8758-C610F68918F4}"/>
+                <a16:creationId xmlns:a16="http://schemas.microsoft.com/office/drawing/2014/main" id="{C1EA7C55-249D-4E4E-8B00-230058BF9731}"/>
               </a:ext>
             </a:extLst>
           </p:cNvPr>
@@ -6948,7 +6947,7 @@
           <a:p>
             <a:r>
               <a:rPr lang="en-US" dirty="0"/>
-              <a:t>Trees for Regression</a:t>
+              <a:t>Model Intuition</a:t>
             </a:r>
           </a:p>
         </p:txBody>
@@ -6958,7 +6957,7 @@
           <p:cNvPr id="3" name="Content Placeholder 2">
             <a:extLst>
               <a:ext uri="{FF2B5EF4-FFF2-40B4-BE49-F238E27FC236}">
-                <a16:creationId xmlns:a16="http://schemas.microsoft.com/office/drawing/2014/main" id="{E60B47DD-9BBC-405E-9A55-6221E420A944}"/>
+                <a16:creationId xmlns:a16="http://schemas.microsoft.com/office/drawing/2014/main" id="{AC93669C-6539-4A56-B172-FCB086CC9BE3}"/>
               </a:ext>
             </a:extLst>
           </p:cNvPr>
@@ -6974,14 +6973,35 @@
           <a:bodyPr/>
           <a:lstStyle/>
           <a:p>
-            <a:endParaRPr lang="en-US"/>
+            <a:r>
+              <a:rPr lang="en-US" dirty="0"/>
+              <a:t>In theory Decision Trees are universal approximators – they can fit any data, regardless of underlying distribution</a:t>
+            </a:r>
+          </a:p>
+          <a:p>
+            <a:r>
+              <a:rPr lang="en-US" dirty="0"/>
+              <a:t>Splits in the tree are decided by which variable reduces entropy (also known as surprise) the most</a:t>
+            </a:r>
+          </a:p>
+          <a:p>
+            <a:r>
+              <a:rPr lang="en-US" dirty="0"/>
+              <a:t>Looking at the path of splits that lead to why an example ends up in a specific leaf node gives a sense of how the model “thinks” about the data (fix this)</a:t>
+            </a:r>
+          </a:p>
+          <a:p>
+            <a:r>
+              <a:rPr lang="en-US" dirty="0"/>
+              <a:t>Trees are only really good in the multivariate case, they don’t have much predictive power in the single variate case, because there isn’t much information to split on</a:t>
+            </a:r>
           </a:p>
         </p:txBody>
       </p:sp>
     </p:spTree>
     <p:extLst>
       <p:ext uri="{BB962C8B-B14F-4D97-AF65-F5344CB8AC3E}">
-        <p14:creationId xmlns:p14="http://schemas.microsoft.com/office/powerpoint/2010/main" val="351199081"/>
+        <p14:creationId xmlns:p14="http://schemas.microsoft.com/office/powerpoint/2010/main" val="3941241187"/>
       </p:ext>
     </p:extLst>
   </p:cSld>
@@ -7013,7 +7033,7 @@
           <p:cNvPr id="2" name="Title 1">
             <a:extLst>
               <a:ext uri="{FF2B5EF4-FFF2-40B4-BE49-F238E27FC236}">
-                <a16:creationId xmlns:a16="http://schemas.microsoft.com/office/drawing/2014/main" id="{47E94358-8DDF-4273-80E8-DF72F16DC361}"/>
+                <a16:creationId xmlns:a16="http://schemas.microsoft.com/office/drawing/2014/main" id="{BCCD2A6D-C7FA-43A5-8758-C610F68918F4}"/>
               </a:ext>
             </a:extLst>
           </p:cNvPr>
@@ -7031,7 +7051,7 @@
           <a:p>
             <a:r>
               <a:rPr lang="en-US" dirty="0"/>
-              <a:t>Basic Model</a:t>
+              <a:t>Trees for Regression</a:t>
             </a:r>
           </a:p>
         </p:txBody>
@@ -7041,7 +7061,7 @@
           <p:cNvPr id="3" name="Content Placeholder 2">
             <a:extLst>
               <a:ext uri="{FF2B5EF4-FFF2-40B4-BE49-F238E27FC236}">
-                <a16:creationId xmlns:a16="http://schemas.microsoft.com/office/drawing/2014/main" id="{2AA2F724-E9AC-4460-8539-79D554AC5628}"/>
+                <a16:creationId xmlns:a16="http://schemas.microsoft.com/office/drawing/2014/main" id="{E60B47DD-9BBC-405E-9A55-6221E420A944}"/>
               </a:ext>
             </a:extLst>
           </p:cNvPr>
@@ -7064,7 +7084,7 @@
     </p:spTree>
     <p:extLst>
       <p:ext uri="{BB962C8B-B14F-4D97-AF65-F5344CB8AC3E}">
-        <p14:creationId xmlns:p14="http://schemas.microsoft.com/office/powerpoint/2010/main" val="3872872228"/>
+        <p14:creationId xmlns:p14="http://schemas.microsoft.com/office/powerpoint/2010/main" val="351199081"/>
       </p:ext>
     </p:extLst>
   </p:cSld>
@@ -7096,7 +7116,7 @@
           <p:cNvPr id="2" name="Title 1">
             <a:extLst>
               <a:ext uri="{FF2B5EF4-FFF2-40B4-BE49-F238E27FC236}">
-                <a16:creationId xmlns:a16="http://schemas.microsoft.com/office/drawing/2014/main" id="{F7BD59E8-356F-408C-AEC4-66CAF693A6D9}"/>
+                <a16:creationId xmlns:a16="http://schemas.microsoft.com/office/drawing/2014/main" id="{47E94358-8DDF-4273-80E8-DF72F16DC361}"/>
               </a:ext>
             </a:extLst>
           </p:cNvPr>
@@ -7114,7 +7134,7 @@
           <a:p>
             <a:r>
               <a:rPr lang="en-US" dirty="0"/>
-              <a:t>Mean Squared Error</a:t>
+              <a:t>Basic Model</a:t>
             </a:r>
           </a:p>
         </p:txBody>
@@ -7124,7 +7144,7 @@
           <p:cNvPr id="3" name="Content Placeholder 2">
             <a:extLst>
               <a:ext uri="{FF2B5EF4-FFF2-40B4-BE49-F238E27FC236}">
-                <a16:creationId xmlns:a16="http://schemas.microsoft.com/office/drawing/2014/main" id="{A657E96C-0150-45F5-B2E0-D3F383379954}"/>
+                <a16:creationId xmlns:a16="http://schemas.microsoft.com/office/drawing/2014/main" id="{2AA2F724-E9AC-4460-8539-79D554AC5628}"/>
               </a:ext>
             </a:extLst>
           </p:cNvPr>
@@ -7147,7 +7167,7 @@
     </p:spTree>
     <p:extLst>
       <p:ext uri="{BB962C8B-B14F-4D97-AF65-F5344CB8AC3E}">
-        <p14:creationId xmlns:p14="http://schemas.microsoft.com/office/powerpoint/2010/main" val="2389570269"/>
+        <p14:creationId xmlns:p14="http://schemas.microsoft.com/office/powerpoint/2010/main" val="3872872228"/>
       </p:ext>
     </p:extLst>
   </p:cSld>
@@ -7179,7 +7199,7 @@
           <p:cNvPr id="2" name="Title 1">
             <a:extLst>
               <a:ext uri="{FF2B5EF4-FFF2-40B4-BE49-F238E27FC236}">
-                <a16:creationId xmlns:a16="http://schemas.microsoft.com/office/drawing/2014/main" id="{3A2689D7-A3B9-4A23-B779-2C082440ED6A}"/>
+                <a16:creationId xmlns:a16="http://schemas.microsoft.com/office/drawing/2014/main" id="{F7BD59E8-356F-408C-AEC4-66CAF693A6D9}"/>
               </a:ext>
             </a:extLst>
           </p:cNvPr>
@@ -7197,7 +7217,7 @@
           <a:p>
             <a:r>
               <a:rPr lang="en-US" dirty="0"/>
-              <a:t>Feature Importance</a:t>
+              <a:t>Mean Squared Error</a:t>
             </a:r>
           </a:p>
         </p:txBody>
@@ -7207,7 +7227,7 @@
           <p:cNvPr id="3" name="Content Placeholder 2">
             <a:extLst>
               <a:ext uri="{FF2B5EF4-FFF2-40B4-BE49-F238E27FC236}">
-                <a16:creationId xmlns:a16="http://schemas.microsoft.com/office/drawing/2014/main" id="{9C3CAFD6-9315-41FE-959B-688F4C197B46}"/>
+                <a16:creationId xmlns:a16="http://schemas.microsoft.com/office/drawing/2014/main" id="{A657E96C-0150-45F5-B2E0-D3F383379954}"/>
               </a:ext>
             </a:extLst>
           </p:cNvPr>
@@ -7230,7 +7250,7 @@
     </p:spTree>
     <p:extLst>
       <p:ext uri="{BB962C8B-B14F-4D97-AF65-F5344CB8AC3E}">
-        <p14:creationId xmlns:p14="http://schemas.microsoft.com/office/powerpoint/2010/main" val="1594186091"/>
+        <p14:creationId xmlns:p14="http://schemas.microsoft.com/office/powerpoint/2010/main" val="2389570269"/>
       </p:ext>
     </p:extLst>
   </p:cSld>
@@ -7262,7 +7282,7 @@
           <p:cNvPr id="2" name="Title 1">
             <a:extLst>
               <a:ext uri="{FF2B5EF4-FFF2-40B4-BE49-F238E27FC236}">
-                <a16:creationId xmlns:a16="http://schemas.microsoft.com/office/drawing/2014/main" id="{48798A0C-98DF-4080-8C61-C15AB77886D0}"/>
+                <a16:creationId xmlns:a16="http://schemas.microsoft.com/office/drawing/2014/main" id="{3A2689D7-A3B9-4A23-B779-2C082440ED6A}"/>
               </a:ext>
             </a:extLst>
           </p:cNvPr>
@@ -7280,7 +7300,7 @@
           <a:p>
             <a:r>
               <a:rPr lang="en-US" dirty="0"/>
-              <a:t>Feature Importance Problems</a:t>
+              <a:t>Feature Importance</a:t>
             </a:r>
           </a:p>
         </p:txBody>
@@ -7290,7 +7310,7 @@
           <p:cNvPr id="3" name="Content Placeholder 2">
             <a:extLst>
               <a:ext uri="{FF2B5EF4-FFF2-40B4-BE49-F238E27FC236}">
-                <a16:creationId xmlns:a16="http://schemas.microsoft.com/office/drawing/2014/main" id="{ADC796C9-3023-4FE6-B8A5-E5C479D0517D}"/>
+                <a16:creationId xmlns:a16="http://schemas.microsoft.com/office/drawing/2014/main" id="{9C3CAFD6-9315-41FE-959B-688F4C197B46}"/>
               </a:ext>
             </a:extLst>
           </p:cNvPr>
@@ -7313,7 +7333,7 @@
     </p:spTree>
     <p:extLst>
       <p:ext uri="{BB962C8B-B14F-4D97-AF65-F5344CB8AC3E}">
-        <p14:creationId xmlns:p14="http://schemas.microsoft.com/office/powerpoint/2010/main" val="2417562097"/>
+        <p14:creationId xmlns:p14="http://schemas.microsoft.com/office/powerpoint/2010/main" val="1594186091"/>
       </p:ext>
     </p:extLst>
   </p:cSld>
@@ -7345,7 +7365,7 @@
           <p:cNvPr id="2" name="Title 1">
             <a:extLst>
               <a:ext uri="{FF2B5EF4-FFF2-40B4-BE49-F238E27FC236}">
-                <a16:creationId xmlns:a16="http://schemas.microsoft.com/office/drawing/2014/main" id="{C4F9268A-C5A4-46AE-A564-9B6C23333759}"/>
+                <a16:creationId xmlns:a16="http://schemas.microsoft.com/office/drawing/2014/main" id="{48798A0C-98DF-4080-8C61-C15AB77886D0}"/>
               </a:ext>
             </a:extLst>
           </p:cNvPr>
@@ -7363,7 +7383,7 @@
           <a:p>
             <a:r>
               <a:rPr lang="en-US" dirty="0"/>
-              <a:t>Trees for Classification</a:t>
+              <a:t>Feature Importance Problems</a:t>
             </a:r>
           </a:p>
         </p:txBody>
@@ -7373,7 +7393,7 @@
           <p:cNvPr id="3" name="Content Placeholder 2">
             <a:extLst>
               <a:ext uri="{FF2B5EF4-FFF2-40B4-BE49-F238E27FC236}">
-                <a16:creationId xmlns:a16="http://schemas.microsoft.com/office/drawing/2014/main" id="{252BA0FE-2D5B-4858-967B-8370272688B5}"/>
+                <a16:creationId xmlns:a16="http://schemas.microsoft.com/office/drawing/2014/main" id="{ADC796C9-3023-4FE6-B8A5-E5C479D0517D}"/>
               </a:ext>
             </a:extLst>
           </p:cNvPr>
@@ -7396,7 +7416,7 @@
     </p:spTree>
     <p:extLst>
       <p:ext uri="{BB962C8B-B14F-4D97-AF65-F5344CB8AC3E}">
-        <p14:creationId xmlns:p14="http://schemas.microsoft.com/office/powerpoint/2010/main" val="3950391572"/>
+        <p14:creationId xmlns:p14="http://schemas.microsoft.com/office/powerpoint/2010/main" val="2417562097"/>
       </p:ext>
     </p:extLst>
   </p:cSld>
@@ -7428,7 +7448,7 @@
           <p:cNvPr id="2" name="Title 1">
             <a:extLst>
               <a:ext uri="{FF2B5EF4-FFF2-40B4-BE49-F238E27FC236}">
-                <a16:creationId xmlns:a16="http://schemas.microsoft.com/office/drawing/2014/main" id="{C1BCAA41-2940-45BE-8304-42246E73C95C}"/>
+                <a16:creationId xmlns:a16="http://schemas.microsoft.com/office/drawing/2014/main" id="{C4F9268A-C5A4-46AE-A564-9B6C23333759}"/>
               </a:ext>
             </a:extLst>
           </p:cNvPr>
@@ -7446,7 +7466,7 @@
           <a:p>
             <a:r>
               <a:rPr lang="en-US" dirty="0"/>
-              <a:t>Basic Model</a:t>
+              <a:t>Trees for Classification</a:t>
             </a:r>
           </a:p>
         </p:txBody>
@@ -7456,7 +7476,7 @@
           <p:cNvPr id="3" name="Content Placeholder 2">
             <a:extLst>
               <a:ext uri="{FF2B5EF4-FFF2-40B4-BE49-F238E27FC236}">
-                <a16:creationId xmlns:a16="http://schemas.microsoft.com/office/drawing/2014/main" id="{C1A1DFFC-304E-470A-B504-7778A1A845F5}"/>
+                <a16:creationId xmlns:a16="http://schemas.microsoft.com/office/drawing/2014/main" id="{252BA0FE-2D5B-4858-967B-8370272688B5}"/>
               </a:ext>
             </a:extLst>
           </p:cNvPr>
@@ -7479,7 +7499,7 @@
     </p:spTree>
     <p:extLst>
       <p:ext uri="{BB962C8B-B14F-4D97-AF65-F5344CB8AC3E}">
-        <p14:creationId xmlns:p14="http://schemas.microsoft.com/office/powerpoint/2010/main" val="2511998187"/>
+        <p14:creationId xmlns:p14="http://schemas.microsoft.com/office/powerpoint/2010/main" val="3950391572"/>
       </p:ext>
     </p:extLst>
   </p:cSld>
@@ -7511,7 +7531,7 @@
           <p:cNvPr id="2" name="Title 1">
             <a:extLst>
               <a:ext uri="{FF2B5EF4-FFF2-40B4-BE49-F238E27FC236}">
-                <a16:creationId xmlns:a16="http://schemas.microsoft.com/office/drawing/2014/main" id="{66E116DA-B8F1-473D-A205-D3259C29AF17}"/>
+                <a16:creationId xmlns:a16="http://schemas.microsoft.com/office/drawing/2014/main" id="{C1BCAA41-2940-45BE-8304-42246E73C95C}"/>
               </a:ext>
             </a:extLst>
           </p:cNvPr>
@@ -7529,7 +7549,7 @@
           <a:p>
             <a:r>
               <a:rPr lang="en-US" dirty="0"/>
-              <a:t>Precision</a:t>
+              <a:t>Basic Model</a:t>
             </a:r>
           </a:p>
         </p:txBody>
@@ -7539,7 +7559,7 @@
           <p:cNvPr id="3" name="Content Placeholder 2">
             <a:extLst>
               <a:ext uri="{FF2B5EF4-FFF2-40B4-BE49-F238E27FC236}">
-                <a16:creationId xmlns:a16="http://schemas.microsoft.com/office/drawing/2014/main" id="{3E366292-AB9D-4F04-9CD5-1DA824F5D0A9}"/>
+                <a16:creationId xmlns:a16="http://schemas.microsoft.com/office/drawing/2014/main" id="{C1A1DFFC-304E-470A-B504-7778A1A845F5}"/>
               </a:ext>
             </a:extLst>
           </p:cNvPr>
@@ -7562,7 +7582,7 @@
     </p:spTree>
     <p:extLst>
       <p:ext uri="{BB962C8B-B14F-4D97-AF65-F5344CB8AC3E}">
-        <p14:creationId xmlns:p14="http://schemas.microsoft.com/office/powerpoint/2010/main" val="1125430881"/>
+        <p14:creationId xmlns:p14="http://schemas.microsoft.com/office/powerpoint/2010/main" val="2511998187"/>
       </p:ext>
     </p:extLst>
   </p:cSld>
@@ -7832,7 +7852,7 @@
           <p:cNvPr id="2" name="Title 1">
             <a:extLst>
               <a:ext uri="{FF2B5EF4-FFF2-40B4-BE49-F238E27FC236}">
-                <a16:creationId xmlns:a16="http://schemas.microsoft.com/office/drawing/2014/main" id="{5BA44E0C-7DD2-43CD-BB0B-BD0CE2622452}"/>
+                <a16:creationId xmlns:a16="http://schemas.microsoft.com/office/drawing/2014/main" id="{66E116DA-B8F1-473D-A205-D3259C29AF17}"/>
               </a:ext>
             </a:extLst>
           </p:cNvPr>
@@ -7850,7 +7870,7 @@
           <a:p>
             <a:r>
               <a:rPr lang="en-US" dirty="0"/>
-              <a:t>Recall</a:t>
+              <a:t>Precision</a:t>
             </a:r>
           </a:p>
         </p:txBody>
@@ -7860,7 +7880,7 @@
           <p:cNvPr id="3" name="Content Placeholder 2">
             <a:extLst>
               <a:ext uri="{FF2B5EF4-FFF2-40B4-BE49-F238E27FC236}">
-                <a16:creationId xmlns:a16="http://schemas.microsoft.com/office/drawing/2014/main" id="{17C706BE-0B1B-4B34-BF0C-7B436149094C}"/>
+                <a16:creationId xmlns:a16="http://schemas.microsoft.com/office/drawing/2014/main" id="{3E366292-AB9D-4F04-9CD5-1DA824F5D0A9}"/>
               </a:ext>
             </a:extLst>
           </p:cNvPr>
@@ -7883,7 +7903,7 @@
     </p:spTree>
     <p:extLst>
       <p:ext uri="{BB962C8B-B14F-4D97-AF65-F5344CB8AC3E}">
-        <p14:creationId xmlns:p14="http://schemas.microsoft.com/office/powerpoint/2010/main" val="4277301707"/>
+        <p14:creationId xmlns:p14="http://schemas.microsoft.com/office/powerpoint/2010/main" val="1125430881"/>
       </p:ext>
     </p:extLst>
   </p:cSld>
@@ -7915,7 +7935,7 @@
           <p:cNvPr id="2" name="Title 1">
             <a:extLst>
               <a:ext uri="{FF2B5EF4-FFF2-40B4-BE49-F238E27FC236}">
-                <a16:creationId xmlns:a16="http://schemas.microsoft.com/office/drawing/2014/main" id="{335B6612-5D29-4E87-869C-5532D22519B0}"/>
+                <a16:creationId xmlns:a16="http://schemas.microsoft.com/office/drawing/2014/main" id="{5BA44E0C-7DD2-43CD-BB0B-BD0CE2622452}"/>
               </a:ext>
             </a:extLst>
           </p:cNvPr>
@@ -7933,7 +7953,7 @@
           <a:p>
             <a:r>
               <a:rPr lang="en-US" dirty="0"/>
-              <a:t>F1 score</a:t>
+              <a:t>Recall</a:t>
             </a:r>
           </a:p>
         </p:txBody>
@@ -7943,7 +7963,7 @@
           <p:cNvPr id="3" name="Content Placeholder 2">
             <a:extLst>
               <a:ext uri="{FF2B5EF4-FFF2-40B4-BE49-F238E27FC236}">
-                <a16:creationId xmlns:a16="http://schemas.microsoft.com/office/drawing/2014/main" id="{FE0653F5-5370-4861-B147-D2C132F10588}"/>
+                <a16:creationId xmlns:a16="http://schemas.microsoft.com/office/drawing/2014/main" id="{17C706BE-0B1B-4B34-BF0C-7B436149094C}"/>
               </a:ext>
             </a:extLst>
           </p:cNvPr>
@@ -7966,7 +7986,7 @@
     </p:spTree>
     <p:extLst>
       <p:ext uri="{BB962C8B-B14F-4D97-AF65-F5344CB8AC3E}">
-        <p14:creationId xmlns:p14="http://schemas.microsoft.com/office/powerpoint/2010/main" val="1887139174"/>
+        <p14:creationId xmlns:p14="http://schemas.microsoft.com/office/powerpoint/2010/main" val="4277301707"/>
       </p:ext>
     </p:extLst>
   </p:cSld>
@@ -7998,7 +8018,7 @@
           <p:cNvPr id="2" name="Title 1">
             <a:extLst>
               <a:ext uri="{FF2B5EF4-FFF2-40B4-BE49-F238E27FC236}">
-                <a16:creationId xmlns:a16="http://schemas.microsoft.com/office/drawing/2014/main" id="{17B0AD80-4188-43AB-9A7E-FAD9D8420FF6}"/>
+                <a16:creationId xmlns:a16="http://schemas.microsoft.com/office/drawing/2014/main" id="{335B6612-5D29-4E87-869C-5532D22519B0}"/>
               </a:ext>
             </a:extLst>
           </p:cNvPr>
@@ -8016,7 +8036,7 @@
           <a:p>
             <a:r>
               <a:rPr lang="en-US" dirty="0"/>
-              <a:t>ROC AUC</a:t>
+              <a:t>F1 score</a:t>
             </a:r>
           </a:p>
         </p:txBody>
@@ -8026,7 +8046,7 @@
           <p:cNvPr id="3" name="Content Placeholder 2">
             <a:extLst>
               <a:ext uri="{FF2B5EF4-FFF2-40B4-BE49-F238E27FC236}">
-                <a16:creationId xmlns:a16="http://schemas.microsoft.com/office/drawing/2014/main" id="{04C97169-332D-4DF4-8ED3-EFE0C414048D}"/>
+                <a16:creationId xmlns:a16="http://schemas.microsoft.com/office/drawing/2014/main" id="{FE0653F5-5370-4861-B147-D2C132F10588}"/>
               </a:ext>
             </a:extLst>
           </p:cNvPr>
@@ -8049,7 +8069,7 @@
     </p:spTree>
     <p:extLst>
       <p:ext uri="{BB962C8B-B14F-4D97-AF65-F5344CB8AC3E}">
-        <p14:creationId xmlns:p14="http://schemas.microsoft.com/office/powerpoint/2010/main" val="16364788"/>
+        <p14:creationId xmlns:p14="http://schemas.microsoft.com/office/powerpoint/2010/main" val="1887139174"/>
       </p:ext>
     </p:extLst>
   </p:cSld>
@@ -8081,7 +8101,7 @@
           <p:cNvPr id="2" name="Title 1">
             <a:extLst>
               <a:ext uri="{FF2B5EF4-FFF2-40B4-BE49-F238E27FC236}">
-                <a16:creationId xmlns:a16="http://schemas.microsoft.com/office/drawing/2014/main" id="{E00C4D77-AA63-4593-82E8-BFD5462B4735}"/>
+                <a16:creationId xmlns:a16="http://schemas.microsoft.com/office/drawing/2014/main" id="{17B0AD80-4188-43AB-9A7E-FAD9D8420FF6}"/>
               </a:ext>
             </a:extLst>
           </p:cNvPr>
@@ -8099,7 +8119,7 @@
           <a:p>
             <a:r>
               <a:rPr lang="en-US" dirty="0"/>
-              <a:t>Negative Log Loss</a:t>
+              <a:t>ROC AUC</a:t>
             </a:r>
           </a:p>
         </p:txBody>
@@ -8109,7 +8129,7 @@
           <p:cNvPr id="3" name="Content Placeholder 2">
             <a:extLst>
               <a:ext uri="{FF2B5EF4-FFF2-40B4-BE49-F238E27FC236}">
-                <a16:creationId xmlns:a16="http://schemas.microsoft.com/office/drawing/2014/main" id="{683B719F-2B5A-4033-9A76-56943758CDD3}"/>
+                <a16:creationId xmlns:a16="http://schemas.microsoft.com/office/drawing/2014/main" id="{04C97169-332D-4DF4-8ED3-EFE0C414048D}"/>
               </a:ext>
             </a:extLst>
           </p:cNvPr>
@@ -8132,7 +8152,7 @@
     </p:spTree>
     <p:extLst>
       <p:ext uri="{BB962C8B-B14F-4D97-AF65-F5344CB8AC3E}">
-        <p14:creationId xmlns:p14="http://schemas.microsoft.com/office/powerpoint/2010/main" val="1431493478"/>
+        <p14:creationId xmlns:p14="http://schemas.microsoft.com/office/powerpoint/2010/main" val="16364788"/>
       </p:ext>
     </p:extLst>
   </p:cSld>
@@ -8164,7 +8184,7 @@
           <p:cNvPr id="2" name="Title 1">
             <a:extLst>
               <a:ext uri="{FF2B5EF4-FFF2-40B4-BE49-F238E27FC236}">
-                <a16:creationId xmlns:a16="http://schemas.microsoft.com/office/drawing/2014/main" id="{DB3B254B-9850-4721-BA6D-A83AC23BD805}"/>
+                <a16:creationId xmlns:a16="http://schemas.microsoft.com/office/drawing/2014/main" id="{E00C4D77-AA63-4593-82E8-BFD5462B4735}"/>
               </a:ext>
             </a:extLst>
           </p:cNvPr>
@@ -8182,7 +8202,7 @@
           <a:p>
             <a:r>
               <a:rPr lang="en-US" dirty="0"/>
-              <a:t>Feature Importance</a:t>
+              <a:t>Negative Log Loss</a:t>
             </a:r>
           </a:p>
         </p:txBody>
@@ -8192,7 +8212,7 @@
           <p:cNvPr id="3" name="Content Placeholder 2">
             <a:extLst>
               <a:ext uri="{FF2B5EF4-FFF2-40B4-BE49-F238E27FC236}">
-                <a16:creationId xmlns:a16="http://schemas.microsoft.com/office/drawing/2014/main" id="{E9023057-9DDE-4593-AE60-927B9ACEAE5A}"/>
+                <a16:creationId xmlns:a16="http://schemas.microsoft.com/office/drawing/2014/main" id="{683B719F-2B5A-4033-9A76-56943758CDD3}"/>
               </a:ext>
             </a:extLst>
           </p:cNvPr>
@@ -8215,7 +8235,7 @@
     </p:spTree>
     <p:extLst>
       <p:ext uri="{BB962C8B-B14F-4D97-AF65-F5344CB8AC3E}">
-        <p14:creationId xmlns:p14="http://schemas.microsoft.com/office/powerpoint/2010/main" val="239470663"/>
+        <p14:creationId xmlns:p14="http://schemas.microsoft.com/office/powerpoint/2010/main" val="1431493478"/>
       </p:ext>
     </p:extLst>
   </p:cSld>
@@ -8247,7 +8267,7 @@
           <p:cNvPr id="2" name="Title 1">
             <a:extLst>
               <a:ext uri="{FF2B5EF4-FFF2-40B4-BE49-F238E27FC236}">
-                <a16:creationId xmlns:a16="http://schemas.microsoft.com/office/drawing/2014/main" id="{A171E28A-6D3B-4336-9FAD-72B745A645D3}"/>
+                <a16:creationId xmlns:a16="http://schemas.microsoft.com/office/drawing/2014/main" id="{DB3B254B-9850-4721-BA6D-A83AC23BD805}"/>
               </a:ext>
             </a:extLst>
           </p:cNvPr>
@@ -8265,7 +8285,7 @@
           <a:p>
             <a:r>
               <a:rPr lang="en-US" dirty="0"/>
-              <a:t>Tree Interpreter</a:t>
+              <a:t>Feature Importance</a:t>
             </a:r>
           </a:p>
         </p:txBody>
@@ -8275,7 +8295,7 @@
           <p:cNvPr id="3" name="Content Placeholder 2">
             <a:extLst>
               <a:ext uri="{FF2B5EF4-FFF2-40B4-BE49-F238E27FC236}">
-                <a16:creationId xmlns:a16="http://schemas.microsoft.com/office/drawing/2014/main" id="{BA0552DD-61AA-488C-B41B-C14AC62F8FF5}"/>
+                <a16:creationId xmlns:a16="http://schemas.microsoft.com/office/drawing/2014/main" id="{E9023057-9DDE-4593-AE60-927B9ACEAE5A}"/>
               </a:ext>
             </a:extLst>
           </p:cNvPr>
@@ -8298,7 +8318,7 @@
     </p:spTree>
     <p:extLst>
       <p:ext uri="{BB962C8B-B14F-4D97-AF65-F5344CB8AC3E}">
-        <p14:creationId xmlns:p14="http://schemas.microsoft.com/office/powerpoint/2010/main" val="2644090478"/>
+        <p14:creationId xmlns:p14="http://schemas.microsoft.com/office/powerpoint/2010/main" val="239470663"/>
       </p:ext>
     </p:extLst>
   </p:cSld>
@@ -8330,7 +8350,7 @@
           <p:cNvPr id="2" name="Title 1">
             <a:extLst>
               <a:ext uri="{FF2B5EF4-FFF2-40B4-BE49-F238E27FC236}">
-                <a16:creationId xmlns:a16="http://schemas.microsoft.com/office/drawing/2014/main" id="{C80E39AA-41E6-49E7-9094-26646440908C}"/>
+                <a16:creationId xmlns:a16="http://schemas.microsoft.com/office/drawing/2014/main" id="{A171E28A-6D3B-4336-9FAD-72B745A645D3}"/>
               </a:ext>
             </a:extLst>
           </p:cNvPr>
@@ -8348,7 +8368,7 @@
           <a:p>
             <a:r>
               <a:rPr lang="en-US" dirty="0"/>
-              <a:t>Statistical Tests</a:t>
+              <a:t>Tree Interpreter</a:t>
             </a:r>
           </a:p>
         </p:txBody>
@@ -8358,7 +8378,7 @@
           <p:cNvPr id="3" name="Content Placeholder 2">
             <a:extLst>
               <a:ext uri="{FF2B5EF4-FFF2-40B4-BE49-F238E27FC236}">
-                <a16:creationId xmlns:a16="http://schemas.microsoft.com/office/drawing/2014/main" id="{56D68F04-3E66-45B8-82B5-A01756C00AB3}"/>
+                <a16:creationId xmlns:a16="http://schemas.microsoft.com/office/drawing/2014/main" id="{BA0552DD-61AA-488C-B41B-C14AC62F8FF5}"/>
               </a:ext>
             </a:extLst>
           </p:cNvPr>
@@ -8381,7 +8401,7 @@
     </p:spTree>
     <p:extLst>
       <p:ext uri="{BB962C8B-B14F-4D97-AF65-F5344CB8AC3E}">
-        <p14:creationId xmlns:p14="http://schemas.microsoft.com/office/powerpoint/2010/main" val="2386806985"/>
+        <p14:creationId xmlns:p14="http://schemas.microsoft.com/office/powerpoint/2010/main" val="2644090478"/>
       </p:ext>
     </p:extLst>
   </p:cSld>
@@ -8413,7 +8433,7 @@
           <p:cNvPr id="2" name="Title 1">
             <a:extLst>
               <a:ext uri="{FF2B5EF4-FFF2-40B4-BE49-F238E27FC236}">
-                <a16:creationId xmlns:a16="http://schemas.microsoft.com/office/drawing/2014/main" id="{5DDBE812-FCD4-4DA6-A3DB-63CF2BE5FCDB}"/>
+                <a16:creationId xmlns:a16="http://schemas.microsoft.com/office/drawing/2014/main" id="{C80E39AA-41E6-49E7-9094-26646440908C}"/>
               </a:ext>
             </a:extLst>
           </p:cNvPr>
@@ -8431,11 +8451,7 @@
           <a:p>
             <a:r>
               <a:rPr lang="en-US" dirty="0"/>
-              <a:t>Interpreting </a:t>
-            </a:r>
-            <a:r>
-              <a:rPr lang="en-US"/>
-              <a:t>feature importance</a:t>
+              <a:t>Statistical Tests</a:t>
             </a:r>
           </a:p>
         </p:txBody>
@@ -8445,7 +8461,7 @@
           <p:cNvPr id="3" name="Content Placeholder 2">
             <a:extLst>
               <a:ext uri="{FF2B5EF4-FFF2-40B4-BE49-F238E27FC236}">
-                <a16:creationId xmlns:a16="http://schemas.microsoft.com/office/drawing/2014/main" id="{2208116E-5067-4E59-AF69-163D6E14AB29}"/>
+                <a16:creationId xmlns:a16="http://schemas.microsoft.com/office/drawing/2014/main" id="{56D68F04-3E66-45B8-82B5-A01756C00AB3}"/>
               </a:ext>
             </a:extLst>
           </p:cNvPr>
@@ -8468,7 +8484,7 @@
     </p:spTree>
     <p:extLst>
       <p:ext uri="{BB962C8B-B14F-4D97-AF65-F5344CB8AC3E}">
-        <p14:creationId xmlns:p14="http://schemas.microsoft.com/office/powerpoint/2010/main" val="1313707430"/>
+        <p14:creationId xmlns:p14="http://schemas.microsoft.com/office/powerpoint/2010/main" val="2386806985"/>
       </p:ext>
     </p:extLst>
   </p:cSld>
@@ -8500,7 +8516,7 @@
           <p:cNvPr id="2" name="Title 1">
             <a:extLst>
               <a:ext uri="{FF2B5EF4-FFF2-40B4-BE49-F238E27FC236}">
-                <a16:creationId xmlns:a16="http://schemas.microsoft.com/office/drawing/2014/main" id="{CD220691-ACF8-420F-B800-8E213BFBC56C}"/>
+                <a16:creationId xmlns:a16="http://schemas.microsoft.com/office/drawing/2014/main" id="{5DDBE812-FCD4-4DA6-A3DB-63CF2BE5FCDB}"/>
               </a:ext>
             </a:extLst>
           </p:cNvPr>
@@ -8518,7 +8534,7 @@
           <a:p>
             <a:r>
               <a:rPr lang="en-US" dirty="0"/>
-              <a:t>Neural Networks</a:t>
+              <a:t>Interpreting feature importance</a:t>
             </a:r>
           </a:p>
         </p:txBody>
@@ -8528,7 +8544,7 @@
           <p:cNvPr id="3" name="Content Placeholder 2">
             <a:extLst>
               <a:ext uri="{FF2B5EF4-FFF2-40B4-BE49-F238E27FC236}">
-                <a16:creationId xmlns:a16="http://schemas.microsoft.com/office/drawing/2014/main" id="{2481800E-333E-4583-8BA7-172902B9D5BE}"/>
+                <a16:creationId xmlns:a16="http://schemas.microsoft.com/office/drawing/2014/main" id="{2208116E-5067-4E59-AF69-163D6E14AB29}"/>
               </a:ext>
             </a:extLst>
           </p:cNvPr>
@@ -8541,88 +8557,17 @@
         </p:nvSpPr>
         <p:spPr/>
         <p:txBody>
-          <a:bodyPr>
-            <a:normAutofit/>
-          </a:bodyPr>
-          <a:lstStyle/>
-          <a:p>
-            <a:r>
-              <a:rPr lang="en-US" dirty="0"/>
-              <a:t>A Review of the Model</a:t>
-            </a:r>
-          </a:p>
-          <a:p>
-            <a:pPr lvl="1"/>
-            <a:r>
-              <a:rPr lang="en-US" dirty="0"/>
-              <a:t>Mathematical Specification</a:t>
-            </a:r>
-          </a:p>
-          <a:p>
-            <a:pPr lvl="1"/>
-            <a:r>
-              <a:rPr lang="en-US" dirty="0"/>
-              <a:t>Model Intuition</a:t>
-            </a:r>
-          </a:p>
-          <a:p>
-            <a:r>
-              <a:rPr lang="en-US" dirty="0"/>
-              <a:t>Interpreting the Model</a:t>
-            </a:r>
-          </a:p>
-          <a:p>
-            <a:pPr lvl="1"/>
-            <a:r>
-              <a:rPr lang="en-US" dirty="0"/>
-              <a:t>Basic Neural Network</a:t>
-            </a:r>
-          </a:p>
-          <a:p>
-            <a:pPr lvl="1"/>
-            <a:r>
-              <a:rPr lang="en-US" dirty="0"/>
-              <a:t>Goodness of Fit Measures</a:t>
-            </a:r>
-          </a:p>
-          <a:p>
-            <a:pPr lvl="1"/>
-            <a:r>
-              <a:rPr lang="en-US" dirty="0"/>
-              <a:t>Understanding the Structure of the model via Trees</a:t>
-            </a:r>
-          </a:p>
-          <a:p>
-            <a:pPr lvl="1"/>
-            <a:r>
-              <a:rPr lang="en-US" dirty="0"/>
-              <a:t>Feature </a:t>
-            </a:r>
-            <a:r>
-              <a:rPr lang="en-US" dirty="0" err="1"/>
-              <a:t>Importances</a:t>
-            </a:r>
-            <a:endParaRPr lang="en-US" dirty="0"/>
-          </a:p>
-          <a:p>
-            <a:pPr lvl="1"/>
-            <a:r>
-              <a:rPr lang="en-US" dirty="0"/>
-              <a:t>Visual Interpretation of Features</a:t>
-            </a:r>
-          </a:p>
-          <a:p>
-            <a:pPr marL="457200" lvl="1" indent="0">
-              <a:buNone/>
-            </a:pPr>
-            <a:endParaRPr lang="en-US" dirty="0"/>
+          <a:bodyPr/>
+          <a:lstStyle/>
+          <a:p>
+            <a:endParaRPr lang="en-US"/>
           </a:p>
         </p:txBody>
       </p:sp>
     </p:spTree>
     <p:extLst>
       <p:ext uri="{BB962C8B-B14F-4D97-AF65-F5344CB8AC3E}">
-        <p14:creationId xmlns:p14="http://schemas.microsoft.com/office/powerpoint/2010/main" val="2236272509"/>
+        <p14:creationId xmlns:p14="http://schemas.microsoft.com/office/powerpoint/2010/main" val="1313707430"/>
       </p:ext>
     </p:extLst>
   </p:cSld>
@@ -8654,7 +8599,7 @@
           <p:cNvPr id="2" name="Title 1">
             <a:extLst>
               <a:ext uri="{FF2B5EF4-FFF2-40B4-BE49-F238E27FC236}">
-                <a16:creationId xmlns:a16="http://schemas.microsoft.com/office/drawing/2014/main" id="{4BB25B35-7D3E-49EF-8CCF-A7C8FD99EEB3}"/>
+                <a16:creationId xmlns:a16="http://schemas.microsoft.com/office/drawing/2014/main" id="{CD220691-ACF8-420F-B800-8E213BFBC56C}"/>
               </a:ext>
             </a:extLst>
           </p:cNvPr>
@@ -8671,10 +8616,9 @@
           <a:lstStyle/>
           <a:p>
             <a:r>
-              <a:rPr lang="en-US" dirty="0" err="1"/>
-              <a:t>Shap</a:t>
-            </a:r>
-            <a:endParaRPr lang="en-US" dirty="0"/>
+              <a:rPr lang="en-US" dirty="0"/>
+              <a:t>Neural Networks</a:t>
+            </a:r>
           </a:p>
         </p:txBody>
       </p:sp>
@@ -8683,7 +8627,7 @@
           <p:cNvPr id="3" name="Content Placeholder 2">
             <a:extLst>
               <a:ext uri="{FF2B5EF4-FFF2-40B4-BE49-F238E27FC236}">
-                <a16:creationId xmlns:a16="http://schemas.microsoft.com/office/drawing/2014/main" id="{937F4A35-EC79-4F1C-955C-38C883452BE4}"/>
+                <a16:creationId xmlns:a16="http://schemas.microsoft.com/office/drawing/2014/main" id="{2481800E-333E-4583-8BA7-172902B9D5BE}"/>
               </a:ext>
             </a:extLst>
           </p:cNvPr>
@@ -8696,34 +8640,88 @@
         </p:nvSpPr>
         <p:spPr/>
         <p:txBody>
-          <a:bodyPr/>
-          <a:lstStyle/>
-          <a:p>
-            <a:r>
-              <a:rPr lang="en-US" dirty="0">
-                <a:hlinkClick r:id="rId2"/>
-              </a:rPr>
-              <a:t>https://medium.com/@gabrieltseng/interpreting-complex-models-with-shap-values-1c187db6ec83</a:t>
-            </a:r>
-            <a:r>
-              <a:rPr lang="en-US" dirty="0"/>
-              <a:t> - </a:t>
+          <a:bodyPr>
+            <a:normAutofit/>
+          </a:bodyPr>
+          <a:lstStyle/>
+          <a:p>
+            <a:r>
+              <a:rPr lang="en-US" dirty="0"/>
+              <a:t>A Review of the Model</a:t>
+            </a:r>
+          </a:p>
+          <a:p>
+            <a:pPr lvl="1"/>
+            <a:r>
+              <a:rPr lang="en-US" dirty="0"/>
+              <a:t>Mathematical Specification</a:t>
+            </a:r>
+          </a:p>
+          <a:p>
+            <a:pPr lvl="1"/>
+            <a:r>
+              <a:rPr lang="en-US" dirty="0"/>
+              <a:t>Model Intuition</a:t>
+            </a:r>
+          </a:p>
+          <a:p>
+            <a:r>
+              <a:rPr lang="en-US" dirty="0"/>
+              <a:t>Interpreting the Model</a:t>
+            </a:r>
+          </a:p>
+          <a:p>
+            <a:pPr lvl="1"/>
+            <a:r>
+              <a:rPr lang="en-US" dirty="0"/>
+              <a:t>Basic Neural Network</a:t>
+            </a:r>
+          </a:p>
+          <a:p>
+            <a:pPr lvl="1"/>
+            <a:r>
+              <a:rPr lang="en-US" dirty="0"/>
+              <a:t>Goodness of Fit Measures</a:t>
+            </a:r>
+          </a:p>
+          <a:p>
+            <a:pPr lvl="1"/>
+            <a:r>
+              <a:rPr lang="en-US" dirty="0"/>
+              <a:t>Understanding the Structure of the model via Trees</a:t>
+            </a:r>
+          </a:p>
+          <a:p>
+            <a:pPr lvl="1"/>
+            <a:r>
+              <a:rPr lang="en-US" dirty="0"/>
+              <a:t>Feature </a:t>
             </a:r>
             <a:r>
               <a:rPr lang="en-US" dirty="0" err="1"/>
-              <a:t>shapley</a:t>
-            </a:r>
-            <a:r>
-              <a:rPr lang="en-US" dirty="0"/>
-              <a:t> scores explained</a:t>
-            </a:r>
+              <a:t>Importances</a:t>
+            </a:r>
+            <a:endParaRPr lang="en-US" dirty="0"/>
+          </a:p>
+          <a:p>
+            <a:pPr lvl="1"/>
+            <a:r>
+              <a:rPr lang="en-US" dirty="0"/>
+              <a:t>Visual Interpretation of Features</a:t>
+            </a:r>
+          </a:p>
+          <a:p>
+            <a:pPr marL="457200" lvl="1" indent="0">
+              <a:buNone/>
+            </a:pPr>
+            <a:endParaRPr lang="en-US" dirty="0"/>
           </a:p>
         </p:txBody>
       </p:sp>
     </p:spTree>
     <p:extLst>
       <p:ext uri="{BB962C8B-B14F-4D97-AF65-F5344CB8AC3E}">
-        <p14:creationId xmlns:p14="http://schemas.microsoft.com/office/powerpoint/2010/main" val="4080665717"/>
+        <p14:creationId xmlns:p14="http://schemas.microsoft.com/office/powerpoint/2010/main" val="2236272509"/>
       </p:ext>
     </p:extLst>
   </p:cSld>
@@ -8889,7 +8887,7 @@
           <p:cNvPr id="2" name="Title 1">
             <a:extLst>
               <a:ext uri="{FF2B5EF4-FFF2-40B4-BE49-F238E27FC236}">
-                <a16:creationId xmlns:a16="http://schemas.microsoft.com/office/drawing/2014/main" id="{2AE0FCDC-A53C-4A3B-95DF-E4D73770D464}"/>
+                <a16:creationId xmlns:a16="http://schemas.microsoft.com/office/drawing/2014/main" id="{4BB25B35-7D3E-49EF-8CCF-A7C8FD99EEB3}"/>
               </a:ext>
             </a:extLst>
           </p:cNvPr>
@@ -8906,9 +8904,10 @@
           <a:lstStyle/>
           <a:p>
             <a:r>
-              <a:rPr lang="en-US" dirty="0"/>
-              <a:t>Claim</a:t>
-            </a:r>
+              <a:rPr lang="en-US" dirty="0" err="1"/>
+              <a:t>Shap</a:t>
+            </a:r>
+            <a:endParaRPr lang="en-US" dirty="0"/>
           </a:p>
         </p:txBody>
       </p:sp>
@@ -8917,7 +8916,7 @@
           <p:cNvPr id="3" name="Content Placeholder 2">
             <a:extLst>
               <a:ext uri="{FF2B5EF4-FFF2-40B4-BE49-F238E27FC236}">
-                <a16:creationId xmlns:a16="http://schemas.microsoft.com/office/drawing/2014/main" id="{4302E0AF-1822-41CF-8773-7E8F4223197C}"/>
+                <a16:creationId xmlns:a16="http://schemas.microsoft.com/office/drawing/2014/main" id="{937F4A35-EC79-4F1C-955C-38C883452BE4}"/>
               </a:ext>
             </a:extLst>
           </p:cNvPr>
@@ -8934,20 +8933,22 @@
           <a:lstStyle/>
           <a:p>
             <a:r>
-              <a:rPr lang="en-US" dirty="0"/>
-              <a:t>Machine Learning is about introducing bias into a system</a:t>
-            </a:r>
-          </a:p>
-          <a:p>
-            <a:r>
-              <a:rPr lang="en-US" dirty="0"/>
-              <a:t>Therefore bias is necessary in some cases, but some bias is “bad”</a:t>
-            </a:r>
-          </a:p>
-          <a:p>
-            <a:r>
-              <a:rPr lang="en-US" dirty="0"/>
-              <a:t>It depends on the specifics of the system</a:t>
+              <a:rPr lang="en-US" dirty="0">
+                <a:hlinkClick r:id="rId2"/>
+              </a:rPr>
+              <a:t>https://medium.com/@gabrieltseng/interpreting-complex-models-with-shap-values-1c187db6ec83</a:t>
+            </a:r>
+            <a:r>
+              <a:rPr lang="en-US" dirty="0"/>
+              <a:t> - </a:t>
+            </a:r>
+            <a:r>
+              <a:rPr lang="en-US" dirty="0" err="1"/>
+              <a:t>shapley</a:t>
+            </a:r>
+            <a:r>
+              <a:rPr lang="en-US" dirty="0"/>
+              <a:t> scores explained</a:t>
             </a:r>
           </a:p>
         </p:txBody>
@@ -8955,7 +8956,7 @@
     </p:spTree>
     <p:extLst>
       <p:ext uri="{BB962C8B-B14F-4D97-AF65-F5344CB8AC3E}">
-        <p14:creationId xmlns:p14="http://schemas.microsoft.com/office/powerpoint/2010/main" val="1487136551"/>
+        <p14:creationId xmlns:p14="http://schemas.microsoft.com/office/powerpoint/2010/main" val="4080665717"/>
       </p:ext>
     </p:extLst>
   </p:cSld>
@@ -8987,7 +8988,7 @@
           <p:cNvPr id="2" name="Title 1">
             <a:extLst>
               <a:ext uri="{FF2B5EF4-FFF2-40B4-BE49-F238E27FC236}">
-                <a16:creationId xmlns:a16="http://schemas.microsoft.com/office/drawing/2014/main" id="{C08D19DC-0E10-4E5E-9B66-0D69A261FA9C}"/>
+                <a16:creationId xmlns:a16="http://schemas.microsoft.com/office/drawing/2014/main" id="{2AE0FCDC-A53C-4A3B-95DF-E4D73770D464}"/>
               </a:ext>
             </a:extLst>
           </p:cNvPr>
@@ -9005,7 +9006,7 @@
           <a:p>
             <a:r>
               <a:rPr lang="en-US" dirty="0"/>
-              <a:t>Example – “Good” Bias</a:t>
+              <a:t>Claim</a:t>
             </a:r>
           </a:p>
         </p:txBody>
@@ -9015,7 +9016,7 @@
           <p:cNvPr id="3" name="Content Placeholder 2">
             <a:extLst>
               <a:ext uri="{FF2B5EF4-FFF2-40B4-BE49-F238E27FC236}">
-                <a16:creationId xmlns:a16="http://schemas.microsoft.com/office/drawing/2014/main" id="{BB5CC0DF-AA30-4E62-843F-2A606EC57345}"/>
+                <a16:creationId xmlns:a16="http://schemas.microsoft.com/office/drawing/2014/main" id="{4302E0AF-1822-41CF-8773-7E8F4223197C}"/>
               </a:ext>
             </a:extLst>
           </p:cNvPr>
@@ -9028,68 +9029,24 @@
         </p:nvSpPr>
         <p:spPr/>
         <p:txBody>
-          <a:bodyPr>
-            <a:normAutofit/>
-          </a:bodyPr>
-          <a:lstStyle/>
-          <a:p>
-            <a:r>
-              <a:rPr lang="en-US" dirty="0"/>
-              <a:t>A marketing campaign for a vitamin specifically for biological women</a:t>
-            </a:r>
-          </a:p>
-          <a:p>
-            <a:r>
-              <a:rPr lang="en-US" dirty="0"/>
-              <a:t>How the machine learning works in this case:</a:t>
-            </a:r>
-          </a:p>
-          <a:p>
-            <a:pPr lvl="1"/>
-            <a:r>
-              <a:rPr lang="en-US" dirty="0"/>
-              <a:t>Get a bunch of demographic data from social media platforms, census, search engines</a:t>
-            </a:r>
-          </a:p>
-          <a:p>
-            <a:pPr lvl="1"/>
-            <a:r>
-              <a:rPr lang="en-US" dirty="0"/>
-              <a:t>Build a model from demographic information and market research to understand who is likely to buy said product</a:t>
-            </a:r>
-          </a:p>
-          <a:p>
-            <a:pPr lvl="1"/>
-            <a:r>
-              <a:rPr lang="en-US" dirty="0"/>
-              <a:t>Target that demographic with ads so they know about the product</a:t>
-            </a:r>
-          </a:p>
-          <a:p>
-            <a:pPr lvl="1"/>
-            <a:r>
-              <a:rPr lang="en-US" dirty="0"/>
-              <a:t>Introduce coupons to likely early users of said vitamin</a:t>
-            </a:r>
-          </a:p>
-          <a:p>
-            <a:pPr lvl="1"/>
-            <a:r>
-              <a:rPr lang="en-US" dirty="0"/>
-              <a:t>Chart effectiveness of marketing over time</a:t>
-            </a:r>
-          </a:p>
-          <a:p>
-            <a:r>
-              <a:rPr lang="en-US" dirty="0"/>
-              <a:t>Conclusion: </a:t>
-            </a:r>
-          </a:p>
-          <a:p>
-            <a:pPr lvl="1"/>
-            <a:r>
-              <a:rPr lang="en-US" dirty="0"/>
-              <a:t>We want to bias our campaign based on gender.  </a:t>
+          <a:bodyPr/>
+          <a:lstStyle/>
+          <a:p>
+            <a:r>
+              <a:rPr lang="en-US" dirty="0"/>
+              <a:t>Machine Learning is about introducing bias into a system</a:t>
+            </a:r>
+          </a:p>
+          <a:p>
+            <a:r>
+              <a:rPr lang="en-US" dirty="0"/>
+              <a:t>Therefore bias is necessary in some cases, but some bias is “bad”</a:t>
+            </a:r>
+          </a:p>
+          <a:p>
+            <a:r>
+              <a:rPr lang="en-US" dirty="0"/>
+              <a:t>It depends on the specifics of the system</a:t>
             </a:r>
           </a:p>
         </p:txBody>
@@ -9097,7 +9054,7 @@
     </p:spTree>
     <p:extLst>
       <p:ext uri="{BB962C8B-B14F-4D97-AF65-F5344CB8AC3E}">
-        <p14:creationId xmlns:p14="http://schemas.microsoft.com/office/powerpoint/2010/main" val="3896795189"/>
+        <p14:creationId xmlns:p14="http://schemas.microsoft.com/office/powerpoint/2010/main" val="1487136551"/>
       </p:ext>
     </p:extLst>
   </p:cSld>
@@ -9129,7 +9086,7 @@
           <p:cNvPr id="2" name="Title 1">
             <a:extLst>
               <a:ext uri="{FF2B5EF4-FFF2-40B4-BE49-F238E27FC236}">
-                <a16:creationId xmlns:a16="http://schemas.microsoft.com/office/drawing/2014/main" id="{2DADA576-2C36-4A13-97C6-BD5F62C4D5F4}"/>
+                <a16:creationId xmlns:a16="http://schemas.microsoft.com/office/drawing/2014/main" id="{C08D19DC-0E10-4E5E-9B66-0D69A261FA9C}"/>
               </a:ext>
             </a:extLst>
           </p:cNvPr>
@@ -9147,7 +9104,7 @@
           <a:p>
             <a:r>
               <a:rPr lang="en-US" dirty="0"/>
-              <a:t>Example – “Bad” Bias</a:t>
+              <a:t>Example – “Good” Bias</a:t>
             </a:r>
           </a:p>
         </p:txBody>
@@ -9157,7 +9114,7 @@
           <p:cNvPr id="3" name="Content Placeholder 2">
             <a:extLst>
               <a:ext uri="{FF2B5EF4-FFF2-40B4-BE49-F238E27FC236}">
-                <a16:creationId xmlns:a16="http://schemas.microsoft.com/office/drawing/2014/main" id="{AFF42118-EA71-40B7-B3A1-3071FEEEB9F4}"/>
+                <a16:creationId xmlns:a16="http://schemas.microsoft.com/office/drawing/2014/main" id="{BB5CC0DF-AA30-4E62-843F-2A606EC57345}"/>
               </a:ext>
             </a:extLst>
           </p:cNvPr>
@@ -9171,82 +9128,67 @@
         <p:spPr/>
         <p:txBody>
           <a:bodyPr>
-            <a:normAutofit fontScale="85000" lnSpcReduction="20000"/>
+            <a:normAutofit/>
           </a:bodyPr>
           <a:lstStyle/>
           <a:p>
             <a:r>
               <a:rPr lang="en-US" dirty="0"/>
-              <a:t>A bank is trying to decide who gets loaned money for college and at what interest rate to loan said money</a:t>
-            </a:r>
-          </a:p>
-          <a:p>
-            <a:r>
-              <a:rPr lang="en-US" dirty="0"/>
-              <a:t>How the machine learning might work:</a:t>
+              <a:t>A marketing campaign for a vitamin specifically for biological women</a:t>
+            </a:r>
+          </a:p>
+          <a:p>
+            <a:r>
+              <a:rPr lang="en-US" dirty="0"/>
+              <a:t>How the machine learning works in this case:</a:t>
             </a:r>
           </a:p>
           <a:p>
             <a:pPr lvl="1"/>
             <a:r>
               <a:rPr lang="en-US" dirty="0"/>
-              <a:t>Classification of who gets a loan:</a:t>
-            </a:r>
-          </a:p>
-          <a:p>
-            <a:pPr lvl="2"/>
-            <a:r>
-              <a:rPr lang="en-US" dirty="0"/>
-              <a:t>Collect information like </a:t>
-            </a:r>
-            <a:r>
-              <a:rPr lang="en-US" dirty="0" err="1"/>
-              <a:t>zipcode</a:t>
-            </a:r>
-            <a:r>
-              <a:rPr lang="en-US" dirty="0"/>
-              <a:t>, parents income, whether parents went to college, GPA, overall cost of college student is attending, is student in state, is it a private or public school, is it a 2 or 4 year school</a:t>
+              <a:t>Get a bunch of demographic data from social media platforms, census, search engines</a:t>
             </a:r>
           </a:p>
           <a:p>
             <a:pPr lvl="1"/>
             <a:r>
               <a:rPr lang="en-US" dirty="0"/>
-              <a:t>Regression of what interest rate to charge:</a:t>
-            </a:r>
-          </a:p>
-          <a:p>
-            <a:pPr lvl="2"/>
-            <a:r>
-              <a:rPr lang="en-US" dirty="0"/>
-              <a:t>Collect information on passed borrowers, including default rate, repayment rate per year, and overall value of the loan to the bank</a:t>
-            </a:r>
-          </a:p>
-          <a:p>
-            <a:r>
-              <a:rPr lang="en-US" dirty="0"/>
-              <a:t>Conclusion:</a:t>
+              <a:t>Build a model from demographic information and market research to understand who is likely to buy said product</a:t>
             </a:r>
           </a:p>
           <a:p>
             <a:pPr lvl="1"/>
             <a:r>
               <a:rPr lang="en-US" dirty="0"/>
-              <a:t>Because of redlining, the overall disparity in wages, and the lack of access to college in the past people in color are much less likely to receive loans</a:t>
+              <a:t>Target that demographic with ads so they know about the product</a:t>
             </a:r>
           </a:p>
           <a:p>
             <a:pPr lvl="1"/>
             <a:r>
               <a:rPr lang="en-US" dirty="0"/>
-              <a:t>If they do receive loans, the interest rate is likely to be much worse</a:t>
+              <a:t>Introduce coupons to likely early users of said vitamin</a:t>
             </a:r>
           </a:p>
           <a:p>
             <a:pPr lvl="1"/>
             <a:r>
               <a:rPr lang="en-US" dirty="0"/>
-              <a:t>This limits the ability for People of Color to achieve the same level of wealth.  And overall creates disadvantage based on skin color and background.</a:t>
+              <a:t>Chart effectiveness of marketing over time</a:t>
+            </a:r>
+          </a:p>
+          <a:p>
+            <a:r>
+              <a:rPr lang="en-US" dirty="0"/>
+              <a:t>Conclusion: </a:t>
+            </a:r>
+          </a:p>
+          <a:p>
+            <a:pPr lvl="1"/>
+            <a:r>
+              <a:rPr lang="en-US" dirty="0"/>
+              <a:t>We want to bias our campaign based on gender.  </a:t>
             </a:r>
           </a:p>
         </p:txBody>
@@ -9254,7 +9196,7 @@
     </p:spTree>
     <p:extLst>
       <p:ext uri="{BB962C8B-B14F-4D97-AF65-F5344CB8AC3E}">
-        <p14:creationId xmlns:p14="http://schemas.microsoft.com/office/powerpoint/2010/main" val="1093675172"/>
+        <p14:creationId xmlns:p14="http://schemas.microsoft.com/office/powerpoint/2010/main" val="3896795189"/>
       </p:ext>
     </p:extLst>
   </p:cSld>
@@ -9286,6 +9228,163 @@
           <p:cNvPr id="2" name="Title 1">
             <a:extLst>
               <a:ext uri="{FF2B5EF4-FFF2-40B4-BE49-F238E27FC236}">
+                <a16:creationId xmlns:a16="http://schemas.microsoft.com/office/drawing/2014/main" id="{2DADA576-2C36-4A13-97C6-BD5F62C4D5F4}"/>
+              </a:ext>
+            </a:extLst>
+          </p:cNvPr>
+          <p:cNvSpPr>
+            <a:spLocks noGrp="1"/>
+          </p:cNvSpPr>
+          <p:nvPr>
+            <p:ph type="title"/>
+          </p:nvPr>
+        </p:nvSpPr>
+        <p:spPr/>
+        <p:txBody>
+          <a:bodyPr/>
+          <a:lstStyle/>
+          <a:p>
+            <a:r>
+              <a:rPr lang="en-US" dirty="0"/>
+              <a:t>Example – “Bad” Bias</a:t>
+            </a:r>
+          </a:p>
+        </p:txBody>
+      </p:sp>
+      <p:sp>
+        <p:nvSpPr>
+          <p:cNvPr id="3" name="Content Placeholder 2">
+            <a:extLst>
+              <a:ext uri="{FF2B5EF4-FFF2-40B4-BE49-F238E27FC236}">
+                <a16:creationId xmlns:a16="http://schemas.microsoft.com/office/drawing/2014/main" id="{AFF42118-EA71-40B7-B3A1-3071FEEEB9F4}"/>
+              </a:ext>
+            </a:extLst>
+          </p:cNvPr>
+          <p:cNvSpPr>
+            <a:spLocks noGrp="1"/>
+          </p:cNvSpPr>
+          <p:nvPr>
+            <p:ph idx="1"/>
+          </p:nvPr>
+        </p:nvSpPr>
+        <p:spPr/>
+        <p:txBody>
+          <a:bodyPr>
+            <a:normAutofit fontScale="85000" lnSpcReduction="20000"/>
+          </a:bodyPr>
+          <a:lstStyle/>
+          <a:p>
+            <a:r>
+              <a:rPr lang="en-US" dirty="0"/>
+              <a:t>A bank is trying to decide who gets loaned money for college and at what interest rate to loan said money</a:t>
+            </a:r>
+          </a:p>
+          <a:p>
+            <a:r>
+              <a:rPr lang="en-US" dirty="0"/>
+              <a:t>How the machine learning might work:</a:t>
+            </a:r>
+          </a:p>
+          <a:p>
+            <a:pPr lvl="1"/>
+            <a:r>
+              <a:rPr lang="en-US" dirty="0"/>
+              <a:t>Classification of who gets a loan:</a:t>
+            </a:r>
+          </a:p>
+          <a:p>
+            <a:pPr lvl="2"/>
+            <a:r>
+              <a:rPr lang="en-US" dirty="0"/>
+              <a:t>Collect information like </a:t>
+            </a:r>
+            <a:r>
+              <a:rPr lang="en-US" dirty="0" err="1"/>
+              <a:t>zipcode</a:t>
+            </a:r>
+            <a:r>
+              <a:rPr lang="en-US" dirty="0"/>
+              <a:t>, parents income, whether parents went to college, GPA, overall cost of college student is attending, is student in state, is it a private or public school, is it a 2 or 4 year school</a:t>
+            </a:r>
+          </a:p>
+          <a:p>
+            <a:pPr lvl="1"/>
+            <a:r>
+              <a:rPr lang="en-US" dirty="0"/>
+              <a:t>Regression of what interest rate to charge:</a:t>
+            </a:r>
+          </a:p>
+          <a:p>
+            <a:pPr lvl="2"/>
+            <a:r>
+              <a:rPr lang="en-US" dirty="0"/>
+              <a:t>Collect information on passed borrowers, including default rate, repayment rate per year, and overall value of the loan to the bank</a:t>
+            </a:r>
+          </a:p>
+          <a:p>
+            <a:r>
+              <a:rPr lang="en-US" dirty="0"/>
+              <a:t>Conclusion:</a:t>
+            </a:r>
+          </a:p>
+          <a:p>
+            <a:pPr lvl="1"/>
+            <a:r>
+              <a:rPr lang="en-US" dirty="0"/>
+              <a:t>Because of redlining, the overall disparity in wages, and the lack of access to college in the past people in color are much less likely to receive loans</a:t>
+            </a:r>
+          </a:p>
+          <a:p>
+            <a:pPr lvl="1"/>
+            <a:r>
+              <a:rPr lang="en-US" dirty="0"/>
+              <a:t>If they do receive loans, the interest rate is likely to be much worse</a:t>
+            </a:r>
+          </a:p>
+          <a:p>
+            <a:pPr lvl="1"/>
+            <a:r>
+              <a:rPr lang="en-US" dirty="0"/>
+              <a:t>This limits the ability for People of Color to achieve the same level of wealth.  And overall creates disadvantage based on skin color and background.</a:t>
+            </a:r>
+          </a:p>
+        </p:txBody>
+      </p:sp>
+    </p:spTree>
+    <p:extLst>
+      <p:ext uri="{BB962C8B-B14F-4D97-AF65-F5344CB8AC3E}">
+        <p14:creationId xmlns:p14="http://schemas.microsoft.com/office/powerpoint/2010/main" val="1093675172"/>
+      </p:ext>
+    </p:extLst>
+  </p:cSld>
+  <p:clrMapOvr>
+    <a:masterClrMapping/>
+  </p:clrMapOvr>
+</p:sld>
+</file>
+
+<file path=ppt/slides/slide44.xml><?xml version="1.0" encoding="utf-8"?>
+<p:sld xmlns:a="http://schemas.openxmlformats.org/drawingml/2006/main" xmlns:r="http://schemas.openxmlformats.org/officeDocument/2006/relationships" xmlns:p="http://schemas.openxmlformats.org/presentationml/2006/main">
+  <p:cSld>
+    <p:spTree>
+      <p:nvGrpSpPr>
+        <p:cNvPr id="1" name=""/>
+        <p:cNvGrpSpPr/>
+        <p:nvPr/>
+      </p:nvGrpSpPr>
+      <p:grpSpPr>
+        <a:xfrm>
+          <a:off x="0" y="0"/>
+          <a:ext cx="0" cy="0"/>
+          <a:chOff x="0" y="0"/>
+          <a:chExt cx="0" cy="0"/>
+        </a:xfrm>
+      </p:grpSpPr>
+      <p:sp>
+        <p:nvSpPr>
+          <p:cNvPr id="2" name="Title 1">
+            <a:extLst>
+              <a:ext uri="{FF2B5EF4-FFF2-40B4-BE49-F238E27FC236}">
                 <a16:creationId xmlns:a16="http://schemas.microsoft.com/office/drawing/2014/main" id="{E1E63240-3818-46FE-8B7F-3A24B070E3CF}"/>
               </a:ext>
             </a:extLst>
@@ -9405,6 +9504,132 @@
     <p:extLst>
       <p:ext uri="{BB962C8B-B14F-4D97-AF65-F5344CB8AC3E}">
         <p14:creationId xmlns:p14="http://schemas.microsoft.com/office/powerpoint/2010/main" val="1678398893"/>
+      </p:ext>
+    </p:extLst>
+  </p:cSld>
+  <p:clrMapOvr>
+    <a:masterClrMapping/>
+  </p:clrMapOvr>
+</p:sld>
+</file>
+
+<file path=ppt/slides/slide45.xml><?xml version="1.0" encoding="utf-8"?>
+<p:sld xmlns:a="http://schemas.openxmlformats.org/drawingml/2006/main" xmlns:r="http://schemas.openxmlformats.org/officeDocument/2006/relationships" xmlns:p="http://schemas.openxmlformats.org/presentationml/2006/main">
+  <p:cSld>
+    <p:spTree>
+      <p:nvGrpSpPr>
+        <p:cNvPr id="1" name=""/>
+        <p:cNvGrpSpPr/>
+        <p:nvPr/>
+      </p:nvGrpSpPr>
+      <p:grpSpPr>
+        <a:xfrm>
+          <a:off x="0" y="0"/>
+          <a:ext cx="0" cy="0"/>
+          <a:chOff x="0" y="0"/>
+          <a:chExt cx="0" cy="0"/>
+        </a:xfrm>
+      </p:grpSpPr>
+      <p:sp>
+        <p:nvSpPr>
+          <p:cNvPr id="2" name="Title 1">
+            <a:extLst>
+              <a:ext uri="{FF2B5EF4-FFF2-40B4-BE49-F238E27FC236}">
+                <a16:creationId xmlns:a16="http://schemas.microsoft.com/office/drawing/2014/main" id="{D106C52D-D05D-43C8-8208-74BE7DE83B3A}"/>
+              </a:ext>
+            </a:extLst>
+          </p:cNvPr>
+          <p:cNvSpPr>
+            <a:spLocks noGrp="1"/>
+          </p:cNvSpPr>
+          <p:nvPr>
+            <p:ph type="title"/>
+          </p:nvPr>
+        </p:nvSpPr>
+        <p:spPr/>
+        <p:txBody>
+          <a:bodyPr/>
+          <a:lstStyle/>
+          <a:p>
+            <a:r>
+              <a:rPr lang="en-US" dirty="0"/>
+              <a:t>Data Set</a:t>
+            </a:r>
+          </a:p>
+        </p:txBody>
+      </p:sp>
+      <p:sp>
+        <p:nvSpPr>
+          <p:cNvPr id="3" name="Content Placeholder 2">
+            <a:extLst>
+              <a:ext uri="{FF2B5EF4-FFF2-40B4-BE49-F238E27FC236}">
+                <a16:creationId xmlns:a16="http://schemas.microsoft.com/office/drawing/2014/main" id="{82616642-4B4C-4BF4-BA88-95A3B49769E9}"/>
+              </a:ext>
+            </a:extLst>
+          </p:cNvPr>
+          <p:cNvSpPr>
+            <a:spLocks noGrp="1"/>
+          </p:cNvSpPr>
+          <p:nvPr>
+            <p:ph idx="1"/>
+          </p:nvPr>
+        </p:nvSpPr>
+        <p:spPr/>
+        <p:txBody>
+          <a:bodyPr/>
+          <a:lstStyle/>
+          <a:p>
+            <a:r>
+              <a:rPr lang="en-US" dirty="0"/>
+              <a:t>Loan data - </a:t>
+            </a:r>
+            <a:r>
+              <a:rPr lang="en-US" dirty="0">
+                <a:hlinkClick r:id="rId2"/>
+              </a:rPr>
+              <a:t>https://www.kaggle.com/zhijinzhai/loandata</a:t>
+            </a:r>
+            <a:endParaRPr lang="en-US" dirty="0"/>
+          </a:p>
+          <a:p>
+            <a:pPr lvl="1"/>
+            <a:r>
+              <a:rPr lang="en-US" dirty="0"/>
+              <a:t>Because loan data was missing crucial columns, some of the data is simulated to show how one *might* do the analysis.</a:t>
+            </a:r>
+          </a:p>
+          <a:p>
+            <a:r>
+              <a:rPr lang="en-US" dirty="0"/>
+              <a:t>College Acceptance Data - </a:t>
+            </a:r>
+            <a:r>
+              <a:rPr lang="en-US" dirty="0">
+                <a:hlinkClick r:id="rId3"/>
+              </a:rPr>
+              <a:t>https://collegescorecard.ed.gov/data/documentation/</a:t>
+            </a:r>
+            <a:endParaRPr lang="en-US" dirty="0"/>
+          </a:p>
+          <a:p>
+            <a:r>
+              <a:rPr lang="en-US" dirty="0"/>
+              <a:t>Police Data - </a:t>
+            </a:r>
+            <a:r>
+              <a:rPr lang="en-US" dirty="0">
+                <a:hlinkClick r:id="rId4"/>
+              </a:rPr>
+              <a:t>https://www.policedatainitiative.org/datasets/</a:t>
+            </a:r>
+            <a:endParaRPr lang="en-US" dirty="0"/>
+          </a:p>
+        </p:txBody>
+      </p:sp>
+    </p:spTree>
+    <p:extLst>
+      <p:ext uri="{BB962C8B-B14F-4D97-AF65-F5344CB8AC3E}">
+        <p14:creationId xmlns:p14="http://schemas.microsoft.com/office/powerpoint/2010/main" val="4070695895"/>
       </p:ext>
     </p:extLst>
   </p:cSld>
@@ -9952,10 +10177,49 @@
         </p:nvSpPr>
         <p:spPr/>
         <p:txBody>
-          <a:bodyPr/>
-          <a:lstStyle/>
-          <a:p>
-            <a:endParaRPr lang="en-US" dirty="0"/>
+          <a:bodyPr>
+            <a:normAutofit/>
+          </a:bodyPr>
+          <a:lstStyle/>
+          <a:p>
+            <a:r>
+              <a:rPr lang="en-US" dirty="0"/>
+              <a:t>The goal of this analysis is to determine if loans are racially biased.  We will assess this question in two ways:</a:t>
+            </a:r>
+          </a:p>
+          <a:p>
+            <a:pPr lvl="1"/>
+            <a:r>
+              <a:rPr lang="en-US" dirty="0"/>
+              <a:t>As a regression problem – Is the amount of money given to a typical man the same as a typical woman? </a:t>
+            </a:r>
+          </a:p>
+          <a:p>
+            <a:pPr lvl="1"/>
+            <a:r>
+              <a:rPr lang="en-US" dirty="0"/>
+              <a:t>As a classification problem – who is more likely to get a loan?  A woman or a man?</a:t>
+            </a:r>
+          </a:p>
+          <a:p>
+            <a:r>
+              <a:rPr lang="en-US" dirty="0"/>
+              <a:t>These problems appear to be simple, however as we will see it can be complicated to answer even simple questions like this statistically.  One of the hard to account for phenomena – How much of the bias is due to salary differences caused by the gender wage gap? It’s possible that sexism happening elsewhere in the economy is having downstream effects.  So we can’t just say loan lenders are sexist.</a:t>
+            </a:r>
+          </a:p>
+          <a:p>
+            <a:r>
+              <a:rPr lang="en-US" dirty="0"/>
+              <a:t>We need to be </a:t>
+            </a:r>
+            <a:r>
+              <a:rPr lang="en-US" dirty="0" err="1"/>
+              <a:t>rigorious</a:t>
+            </a:r>
+            <a:r>
+              <a:rPr lang="en-US" dirty="0"/>
+              <a:t>.</a:t>
+            </a:r>
           </a:p>
         </p:txBody>
       </p:sp>

--- a/Understanding Bias Via Interpretability.pptx
+++ b/Understanding Bias Via Interpretability.pptx
@@ -23,33 +23,46 @@
     <p:sldId id="280" r:id="rId17"/>
     <p:sldId id="271" r:id="rId18"/>
     <p:sldId id="279" r:id="rId19"/>
-    <p:sldId id="301" r:id="rId20"/>
-    <p:sldId id="265" r:id="rId21"/>
-    <p:sldId id="281" r:id="rId22"/>
-    <p:sldId id="283" r:id="rId23"/>
-    <p:sldId id="284" r:id="rId24"/>
-    <p:sldId id="287" r:id="rId25"/>
-    <p:sldId id="288" r:id="rId26"/>
-    <p:sldId id="289" r:id="rId27"/>
-    <p:sldId id="290" r:id="rId28"/>
-    <p:sldId id="285" r:id="rId29"/>
-    <p:sldId id="291" r:id="rId30"/>
-    <p:sldId id="293" r:id="rId31"/>
-    <p:sldId id="294" r:id="rId32"/>
-    <p:sldId id="292" r:id="rId33"/>
-    <p:sldId id="295" r:id="rId34"/>
-    <p:sldId id="296" r:id="rId35"/>
-    <p:sldId id="286" r:id="rId36"/>
-    <p:sldId id="297" r:id="rId37"/>
-    <p:sldId id="298" r:id="rId38"/>
-    <p:sldId id="299" r:id="rId39"/>
-    <p:sldId id="266" r:id="rId40"/>
-    <p:sldId id="264" r:id="rId41"/>
-    <p:sldId id="257" r:id="rId42"/>
-    <p:sldId id="259" r:id="rId43"/>
-    <p:sldId id="260" r:id="rId44"/>
-    <p:sldId id="282" r:id="rId45"/>
-    <p:sldId id="300" r:id="rId46"/>
+    <p:sldId id="302" r:id="rId20"/>
+    <p:sldId id="303" r:id="rId21"/>
+    <p:sldId id="301" r:id="rId22"/>
+    <p:sldId id="304" r:id="rId23"/>
+    <p:sldId id="265" r:id="rId24"/>
+    <p:sldId id="281" r:id="rId25"/>
+    <p:sldId id="283" r:id="rId26"/>
+    <p:sldId id="284" r:id="rId27"/>
+    <p:sldId id="287" r:id="rId28"/>
+    <p:sldId id="288" r:id="rId29"/>
+    <p:sldId id="306" r:id="rId30"/>
+    <p:sldId id="307" r:id="rId31"/>
+    <p:sldId id="289" r:id="rId32"/>
+    <p:sldId id="285" r:id="rId33"/>
+    <p:sldId id="291" r:id="rId34"/>
+    <p:sldId id="293" r:id="rId35"/>
+    <p:sldId id="294" r:id="rId36"/>
+    <p:sldId id="292" r:id="rId37"/>
+    <p:sldId id="286" r:id="rId38"/>
+    <p:sldId id="324" r:id="rId39"/>
+    <p:sldId id="317" r:id="rId40"/>
+    <p:sldId id="328" r:id="rId41"/>
+    <p:sldId id="325" r:id="rId42"/>
+    <p:sldId id="326" r:id="rId43"/>
+    <p:sldId id="327" r:id="rId44"/>
+    <p:sldId id="314" r:id="rId45"/>
+    <p:sldId id="318" r:id="rId46"/>
+    <p:sldId id="320" r:id="rId47"/>
+    <p:sldId id="319" r:id="rId48"/>
+    <p:sldId id="264" r:id="rId49"/>
+    <p:sldId id="321" r:id="rId50"/>
+    <p:sldId id="322" r:id="rId51"/>
+    <p:sldId id="323" r:id="rId52"/>
+    <p:sldId id="257" r:id="rId53"/>
+    <p:sldId id="259" r:id="rId54"/>
+    <p:sldId id="260" r:id="rId55"/>
+    <p:sldId id="282" r:id="rId56"/>
+    <p:sldId id="300" r:id="rId57"/>
+    <p:sldId id="316" r:id="rId58"/>
+    <p:sldId id="329" r:id="rId59"/>
   </p:sldIdLst>
   <p:sldSz cx="12192000" cy="6858000"/>
   <p:notesSz cx="6858000" cy="9144000"/>
@@ -277,7 +290,7 @@
           <a:effectLst/>
           <a:extLst>
             <a:ext uri="{91240B29-F687-4f45-9708-019B960494DF}">
-              <a14:hiddenLine xmlns:a14="http://schemas.microsoft.com/office/drawing/2010/main" xmlns="" w="9525">
+              <a14:hiddenLine xmlns="" xmlns:a14="http://schemas.microsoft.com/office/drawing/2010/main" w="9525">
                 <a:solidFill>
                   <a:srgbClr val="000000"/>
                 </a:solidFill>
@@ -470,7 +483,7 @@
             <a:fld id="{08B9EBBA-996F-894A-B54A-D6246ED52CEA}" type="datetimeFigureOut">
               <a:rPr lang="en-US" dirty="0"/>
               <a:pPr/>
-              <a:t>11/10/2018</a:t>
+              <a:t>11/16/2018</a:t>
             </a:fld>
             <a:endParaRPr lang="en-US" dirty="0"/>
           </a:p>
@@ -785,7 +798,7 @@
             <a:fld id="{18C79C5D-2A6F-F04D-97DA-BEF2467B64E4}" type="datetimeFigureOut">
               <a:rPr lang="en-US" dirty="0"/>
               <a:pPr/>
-              <a:t>11/10/2018</a:t>
+              <a:t>11/16/2018</a:t>
             </a:fld>
             <a:endParaRPr lang="en-US" dirty="0"/>
           </a:p>
@@ -1270,7 +1283,7 @@
             <a:fld id="{8DFA1846-DA80-1C48-A609-854EA85C59AD}" type="datetimeFigureOut">
               <a:rPr lang="en-US" dirty="0"/>
               <a:pPr/>
-              <a:t>11/10/2018</a:t>
+              <a:t>11/16/2018</a:t>
             </a:fld>
             <a:endParaRPr lang="en-US" dirty="0"/>
           </a:p>
@@ -1636,7 +1649,7 @@
             <a:fld id="{FBF54567-0DE4-3F47-BF90-CB84690072F9}" type="datetimeFigureOut">
               <a:rPr lang="en-US" dirty="0"/>
               <a:pPr/>
-              <a:t>11/10/2018</a:t>
+              <a:t>11/16/2018</a:t>
             </a:fld>
             <a:endParaRPr lang="en-US" dirty="0"/>
           </a:p>
@@ -1787,7 +1800,7 @@
           <a:ln/>
           <a:extLst>
             <a:ext uri="{91240B29-F687-4f45-9708-019B960494DF}">
-              <a14:hiddenLine xmlns:a14="http://schemas.microsoft.com/office/drawing/2010/main" xmlns="" w="9525">
+              <a14:hiddenLine xmlns="" xmlns:a14="http://schemas.microsoft.com/office/drawing/2010/main" w="9525">
                 <a:solidFill>
                   <a:srgbClr val="000000"/>
                 </a:solidFill>
@@ -1906,7 +1919,7 @@
             <a:fld id="{C6C52C72-DE31-F449-A4ED-4C594FD91407}" type="datetimeFigureOut">
               <a:rPr lang="en-US" dirty="0"/>
               <a:pPr/>
-              <a:t>11/10/2018</a:t>
+              <a:t>11/16/2018</a:t>
             </a:fld>
             <a:endParaRPr lang="en-US" dirty="0"/>
           </a:p>
@@ -2059,7 +2072,7 @@
           <a:ln/>
           <a:extLst>
             <a:ext uri="{91240B29-F687-4f45-9708-019B960494DF}">
-              <a14:hiddenLine xmlns:a14="http://schemas.microsoft.com/office/drawing/2010/main" xmlns="" w="9525">
+              <a14:hiddenLine xmlns="" xmlns:a14="http://schemas.microsoft.com/office/drawing/2010/main" w="9525">
                 <a:solidFill>
                   <a:srgbClr val="000000"/>
                 </a:solidFill>
@@ -2188,7 +2201,7 @@
             <a:fld id="{ED62726E-379B-B349-9EED-81ED093FA806}" type="datetimeFigureOut">
               <a:rPr lang="en-US" dirty="0"/>
               <a:pPr/>
-              <a:t>11/10/2018</a:t>
+              <a:t>11/16/2018</a:t>
             </a:fld>
             <a:endParaRPr lang="en-US" dirty="0"/>
           </a:p>
@@ -2339,7 +2352,7 @@
           <a:ln/>
           <a:extLst>
             <a:ext uri="{91240B29-F687-4f45-9708-019B960494DF}">
-              <a14:hiddenLine xmlns:a14="http://schemas.microsoft.com/office/drawing/2010/main" xmlns="" w="9525">
+              <a14:hiddenLine xmlns="" xmlns:a14="http://schemas.microsoft.com/office/drawing/2010/main" w="9525">
                 <a:solidFill>
                   <a:srgbClr val="000000"/>
                 </a:solidFill>
@@ -2468,7 +2481,7 @@
             <a:fld id="{9B3A1323-8D79-1946-B0D7-40001CF92E9D}" type="datetimeFigureOut">
               <a:rPr lang="en-US" dirty="0"/>
               <a:pPr/>
-              <a:t>11/10/2018</a:t>
+              <a:t>11/16/2018</a:t>
             </a:fld>
             <a:endParaRPr lang="en-US" dirty="0"/>
           </a:p>
@@ -2808,7 +2821,7 @@
             <a:fld id="{8DFA1846-DA80-1C48-A609-854EA85C59AD}" type="datetimeFigureOut">
               <a:rPr lang="en-US" dirty="0"/>
               <a:pPr/>
-              <a:t>11/10/2018</a:t>
+              <a:t>11/16/2018</a:t>
             </a:fld>
             <a:endParaRPr lang="en-US" dirty="0"/>
           </a:p>
@@ -2959,7 +2972,7 @@
           <a:ln/>
           <a:extLst>
             <a:ext uri="{91240B29-F687-4f45-9708-019B960494DF}">
-              <a14:hiddenLine xmlns:a14="http://schemas.microsoft.com/office/drawing/2010/main" xmlns="" w="9525">
+              <a14:hiddenLine xmlns="" xmlns:a14="http://schemas.microsoft.com/office/drawing/2010/main" w="9525">
                 <a:solidFill>
                   <a:srgbClr val="000000"/>
                 </a:solidFill>
@@ -3144,7 +3157,7 @@
             <a:fld id="{57302355-E14B-8545-A8F8-0FE83CC9D524}" type="datetimeFigureOut">
               <a:rPr lang="en-US" dirty="0"/>
               <a:pPr/>
-              <a:t>11/10/2018</a:t>
+              <a:t>11/16/2018</a:t>
             </a:fld>
             <a:endParaRPr lang="en-US" dirty="0"/>
           </a:p>
@@ -3295,7 +3308,7 @@
           <a:ln/>
           <a:extLst>
             <a:ext uri="{91240B29-F687-4f45-9708-019B960494DF}">
-              <a14:hiddenLine xmlns:a14="http://schemas.microsoft.com/office/drawing/2010/main" xmlns="" w="9525">
+              <a14:hiddenLine xmlns="" xmlns:a14="http://schemas.microsoft.com/office/drawing/2010/main" w="9525">
                 <a:solidFill>
                   <a:srgbClr val="000000"/>
                 </a:solidFill>
@@ -3618,7 +3631,7 @@
             <a:fld id="{02640F58-564D-2B4F-AE67-E407BA4FCF45}" type="datetimeFigureOut">
               <a:rPr lang="en-US" dirty="0"/>
               <a:pPr/>
-              <a:t>11/10/2018</a:t>
+              <a:t>11/16/2018</a:t>
             </a:fld>
             <a:endParaRPr lang="en-US" dirty="0"/>
           </a:p>
@@ -3769,7 +3782,7 @@
           <a:ln/>
           <a:extLst>
             <a:ext uri="{91240B29-F687-4f45-9708-019B960494DF}">
-              <a14:hiddenLine xmlns:a14="http://schemas.microsoft.com/office/drawing/2010/main" xmlns="" w="9525">
+              <a14:hiddenLine xmlns="" xmlns:a14="http://schemas.microsoft.com/office/drawing/2010/main" w="9525">
                 <a:solidFill>
                   <a:srgbClr val="000000"/>
                 </a:solidFill>
@@ -3836,7 +3849,7 @@
             <a:fld id="{F13A34C8-038E-2045-AF43-DF7DBB8E0E9E}" type="datetimeFigureOut">
               <a:rPr lang="en-US" dirty="0"/>
               <a:pPr/>
-              <a:t>11/10/2018</a:t>
+              <a:t>11/16/2018</a:t>
             </a:fld>
             <a:endParaRPr lang="en-US" dirty="0"/>
           </a:p>
@@ -3928,7 +3941,7 @@
             <a:fld id="{8818C68F-D26B-8F47-958C-23B49CF8A634}" type="datetimeFigureOut">
               <a:rPr lang="en-US" dirty="0"/>
               <a:pPr/>
-              <a:t>11/10/2018</a:t>
+              <a:t>11/16/2018</a:t>
             </a:fld>
             <a:endParaRPr lang="en-US" dirty="0"/>
           </a:p>
@@ -4192,7 +4205,7 @@
           <a:ln/>
           <a:extLst>
             <a:ext uri="{91240B29-F687-4f45-9708-019B960494DF}">
-              <a14:hiddenLine xmlns:a14="http://schemas.microsoft.com/office/drawing/2010/main" xmlns="" w="9525">
+              <a14:hiddenLine xmlns="" xmlns:a14="http://schemas.microsoft.com/office/drawing/2010/main" w="9525">
                 <a:solidFill>
                   <a:srgbClr val="000000"/>
                 </a:solidFill>
@@ -4392,7 +4405,7 @@
             <a:fld id="{D0DF5E60-9974-AC48-9591-99C2BB44B7CF}" type="datetimeFigureOut">
               <a:rPr lang="en-US" dirty="0"/>
               <a:pPr/>
-              <a:t>11/10/2018</a:t>
+              <a:t>11/16/2018</a:t>
             </a:fld>
             <a:endParaRPr lang="en-US" dirty="0"/>
           </a:p>
@@ -4702,7 +4715,7 @@
             <a:fld id="{18C79C5D-2A6F-F04D-97DA-BEF2467B64E4}" type="datetimeFigureOut">
               <a:rPr lang="en-US" dirty="0"/>
               <a:pPr/>
-              <a:t>11/10/2018</a:t>
+              <a:t>11/16/2018</a:t>
             </a:fld>
             <a:endParaRPr lang="en-US" dirty="0"/>
           </a:p>
@@ -4969,7 +4982,7 @@
             <a:fld id="{09B482E8-6E0E-1B4F-B1FD-C69DB9E858D9}" type="datetimeFigureOut">
               <a:rPr lang="en-US" dirty="0"/>
               <a:pPr/>
-              <a:t>11/10/2018</a:t>
+              <a:t>11/16/2018</a:t>
             </a:fld>
             <a:endParaRPr lang="en-US" dirty="0"/>
           </a:p>
@@ -5886,8 +5899,8 @@
           <a:chExt cx="0" cy="0"/>
         </a:xfrm>
       </p:grpSpPr>
-      <mc:AlternateContent xmlns:mc="http://schemas.openxmlformats.org/markup-compatibility/2006">
-        <mc:Choice xmlns:a14="http://schemas.microsoft.com/office/drawing/2010/main" Requires="a14">
+      <mc:AlternateContent xmlns:mc="http://schemas.openxmlformats.org/markup-compatibility/2006" xmlns:a14="http://schemas.microsoft.com/office/drawing/2010/main">
+        <mc:Choice Requires="a14">
           <p:sp>
             <p:nvSpPr>
               <p:cNvPr id="2" name="Title 1">
@@ -5918,7 +5931,7 @@
                     <m:sSup>
                       <m:sSupPr>
                         <m:ctrlPr>
-                          <a:rPr lang="en-US" smtClean="0">
+                          <a:rPr lang="en-US" i="1" smtClean="0">
                             <a:latin typeface="Cambria Math" panose="02040503050406030204" pitchFamily="18" charset="0"/>
                           </a:rPr>
                         </m:ctrlPr>
@@ -5947,7 +5960,7 @@
             </p:txBody>
           </p:sp>
         </mc:Choice>
-        <mc:Fallback>
+        <mc:Fallback xmlns="">
           <p:sp>
             <p:nvSpPr>
               <p:cNvPr id="2" name="Title 1">
@@ -6228,8 +6241,13 @@
             <a:pPr lvl="1"/>
             <a:r>
               <a:rPr lang="en-US" dirty="0"/>
-              <a:t>Typically higher goodness of fit measures (a practical matter) </a:t>
-            </a:r>
+              <a:t>Typically higher goodness of fit measures (</a:t>
+            </a:r>
+            <a:r>
+              <a:rPr lang="en-US"/>
+              <a:t>a practical matter) </a:t>
+            </a:r>
+            <a:endParaRPr lang="en-US" dirty="0"/>
           </a:p>
         </p:txBody>
       </p:sp>
@@ -6458,7 +6476,7 @@
           <p:cNvPr id="2" name="Title 1">
             <a:extLst>
               <a:ext uri="{FF2B5EF4-FFF2-40B4-BE49-F238E27FC236}">
-                <a16:creationId xmlns:a16="http://schemas.microsoft.com/office/drawing/2014/main" id="{7476C8CF-FAAA-45DA-BF73-90DB906636B8}"/>
+                <a16:creationId xmlns:a16="http://schemas.microsoft.com/office/drawing/2014/main" id="{C2B48B89-6E52-4AAA-AF22-8F913C250FDF}"/>
               </a:ext>
             </a:extLst>
           </p:cNvPr>
@@ -6476,7 +6494,7 @@
           <a:p>
             <a:r>
               <a:rPr lang="en-US" dirty="0"/>
-              <a:t>Multivariate Model - Mixed Effects Model </a:t>
+              <a:t>Multivariate Linear Regression - Women</a:t>
             </a:r>
           </a:p>
         </p:txBody>
@@ -6486,7 +6504,7 @@
           <p:cNvPr id="3" name="Content Placeholder 2">
             <a:extLst>
               <a:ext uri="{FF2B5EF4-FFF2-40B4-BE49-F238E27FC236}">
-                <a16:creationId xmlns:a16="http://schemas.microsoft.com/office/drawing/2014/main" id="{FDB0E63D-6766-40F0-A6D3-57F4FCF2FC83}"/>
+                <a16:creationId xmlns:a16="http://schemas.microsoft.com/office/drawing/2014/main" id="{76585478-8DD6-4E63-9429-0DF1BE4631E7}"/>
               </a:ext>
             </a:extLst>
           </p:cNvPr>
@@ -6502,32 +6520,14 @@
           <a:bodyPr/>
           <a:lstStyle/>
           <a:p>
-            <a:r>
-              <a:rPr lang="en-US" dirty="0"/>
-              <a:t>Code</a:t>
-            </a:r>
-          </a:p>
-          <a:p>
-            <a:pPr marL="0" indent="0">
-              <a:buNone/>
-            </a:pPr>
-            <a:endParaRPr lang="en-US" dirty="0"/>
-          </a:p>
-          <a:p>
-            <a:r>
-              <a:rPr lang="en-US" dirty="0"/>
-              <a:t>Interpretation</a:t>
-            </a:r>
-          </a:p>
-          <a:p>
-            <a:endParaRPr lang="en-US" dirty="0"/>
+            <a:endParaRPr lang="en-US"/>
           </a:p>
         </p:txBody>
       </p:sp>
     </p:spTree>
     <p:extLst>
       <p:ext uri="{BB962C8B-B14F-4D97-AF65-F5344CB8AC3E}">
-        <p14:creationId xmlns:p14="http://schemas.microsoft.com/office/powerpoint/2010/main" val="298607589"/>
+        <p14:creationId xmlns:p14="http://schemas.microsoft.com/office/powerpoint/2010/main" val="391533307"/>
       </p:ext>
     </p:extLst>
   </p:cSld>
@@ -6657,6 +6657,273 @@
           <p:cNvPr id="2" name="Title 1">
             <a:extLst>
               <a:ext uri="{FF2B5EF4-FFF2-40B4-BE49-F238E27FC236}">
+                <a16:creationId xmlns:a16="http://schemas.microsoft.com/office/drawing/2014/main" id="{14EDA337-4DB1-4555-9EAE-6000B3C82BEE}"/>
+              </a:ext>
+            </a:extLst>
+          </p:cNvPr>
+          <p:cNvSpPr>
+            <a:spLocks noGrp="1"/>
+          </p:cNvSpPr>
+          <p:nvPr>
+            <p:ph type="title"/>
+          </p:nvPr>
+        </p:nvSpPr>
+        <p:spPr/>
+        <p:txBody>
+          <a:bodyPr/>
+          <a:lstStyle/>
+          <a:p>
+            <a:r>
+              <a:rPr lang="en-US" dirty="0"/>
+              <a:t>Multivariate Linear Regression – Men</a:t>
+            </a:r>
+          </a:p>
+        </p:txBody>
+      </p:sp>
+      <p:sp>
+        <p:nvSpPr>
+          <p:cNvPr id="3" name="Content Placeholder 2">
+            <a:extLst>
+              <a:ext uri="{FF2B5EF4-FFF2-40B4-BE49-F238E27FC236}">
+                <a16:creationId xmlns:a16="http://schemas.microsoft.com/office/drawing/2014/main" id="{AE5F61CF-36D0-40C5-89D4-EC18105E3096}"/>
+              </a:ext>
+            </a:extLst>
+          </p:cNvPr>
+          <p:cNvSpPr>
+            <a:spLocks noGrp="1"/>
+          </p:cNvSpPr>
+          <p:nvPr>
+            <p:ph idx="1"/>
+          </p:nvPr>
+        </p:nvSpPr>
+        <p:spPr/>
+        <p:txBody>
+          <a:bodyPr/>
+          <a:lstStyle/>
+          <a:p>
+            <a:endParaRPr lang="en-US"/>
+          </a:p>
+        </p:txBody>
+      </p:sp>
+    </p:spTree>
+    <p:extLst>
+      <p:ext uri="{BB962C8B-B14F-4D97-AF65-F5344CB8AC3E}">
+        <p14:creationId xmlns:p14="http://schemas.microsoft.com/office/powerpoint/2010/main" val="162263098"/>
+      </p:ext>
+    </p:extLst>
+  </p:cSld>
+  <p:clrMapOvr>
+    <a:masterClrMapping/>
+  </p:clrMapOvr>
+</p:sld>
+</file>
+
+<file path=ppt/slides/slide21.xml><?xml version="1.0" encoding="utf-8"?>
+<p:sld xmlns:a="http://schemas.openxmlformats.org/drawingml/2006/main" xmlns:r="http://schemas.openxmlformats.org/officeDocument/2006/relationships" xmlns:p="http://schemas.openxmlformats.org/presentationml/2006/main">
+  <p:cSld>
+    <p:spTree>
+      <p:nvGrpSpPr>
+        <p:cNvPr id="1" name=""/>
+        <p:cNvGrpSpPr/>
+        <p:nvPr/>
+      </p:nvGrpSpPr>
+      <p:grpSpPr>
+        <a:xfrm>
+          <a:off x="0" y="0"/>
+          <a:ext cx="0" cy="0"/>
+          <a:chOff x="0" y="0"/>
+          <a:chExt cx="0" cy="0"/>
+        </a:xfrm>
+      </p:grpSpPr>
+      <p:sp>
+        <p:nvSpPr>
+          <p:cNvPr id="2" name="Title 1">
+            <a:extLst>
+              <a:ext uri="{FF2B5EF4-FFF2-40B4-BE49-F238E27FC236}">
+                <a16:creationId xmlns:a16="http://schemas.microsoft.com/office/drawing/2014/main" id="{7476C8CF-FAAA-45DA-BF73-90DB906636B8}"/>
+              </a:ext>
+            </a:extLst>
+          </p:cNvPr>
+          <p:cNvSpPr>
+            <a:spLocks noGrp="1"/>
+          </p:cNvSpPr>
+          <p:nvPr>
+            <p:ph type="title"/>
+          </p:nvPr>
+        </p:nvSpPr>
+        <p:spPr/>
+        <p:txBody>
+          <a:bodyPr/>
+          <a:lstStyle/>
+          <a:p>
+            <a:r>
+              <a:rPr lang="en-US" dirty="0"/>
+              <a:t>Multivariate Model - Mixed Effects Model </a:t>
+            </a:r>
+          </a:p>
+        </p:txBody>
+      </p:sp>
+      <p:sp>
+        <p:nvSpPr>
+          <p:cNvPr id="3" name="Content Placeholder 2">
+            <a:extLst>
+              <a:ext uri="{FF2B5EF4-FFF2-40B4-BE49-F238E27FC236}">
+                <a16:creationId xmlns:a16="http://schemas.microsoft.com/office/drawing/2014/main" id="{FDB0E63D-6766-40F0-A6D3-57F4FCF2FC83}"/>
+              </a:ext>
+            </a:extLst>
+          </p:cNvPr>
+          <p:cNvSpPr>
+            <a:spLocks noGrp="1"/>
+          </p:cNvSpPr>
+          <p:nvPr>
+            <p:ph idx="1"/>
+          </p:nvPr>
+        </p:nvSpPr>
+        <p:spPr/>
+        <p:txBody>
+          <a:bodyPr/>
+          <a:lstStyle/>
+          <a:p>
+            <a:r>
+              <a:rPr lang="en-US" dirty="0"/>
+              <a:t>Code</a:t>
+            </a:r>
+          </a:p>
+          <a:p>
+            <a:pPr marL="0" indent="0">
+              <a:buNone/>
+            </a:pPr>
+            <a:endParaRPr lang="en-US" dirty="0"/>
+          </a:p>
+          <a:p>
+            <a:r>
+              <a:rPr lang="en-US" dirty="0"/>
+              <a:t>Interpretation</a:t>
+            </a:r>
+          </a:p>
+          <a:p>
+            <a:endParaRPr lang="en-US" dirty="0"/>
+          </a:p>
+        </p:txBody>
+      </p:sp>
+    </p:spTree>
+    <p:extLst>
+      <p:ext uri="{BB962C8B-B14F-4D97-AF65-F5344CB8AC3E}">
+        <p14:creationId xmlns:p14="http://schemas.microsoft.com/office/powerpoint/2010/main" val="298607589"/>
+      </p:ext>
+    </p:extLst>
+  </p:cSld>
+  <p:clrMapOvr>
+    <a:masterClrMapping/>
+  </p:clrMapOvr>
+</p:sld>
+</file>
+
+<file path=ppt/slides/slide22.xml><?xml version="1.0" encoding="utf-8"?>
+<p:sld xmlns:a="http://schemas.openxmlformats.org/drawingml/2006/main" xmlns:r="http://schemas.openxmlformats.org/officeDocument/2006/relationships" xmlns:p="http://schemas.openxmlformats.org/presentationml/2006/main">
+  <p:cSld>
+    <p:spTree>
+      <p:nvGrpSpPr>
+        <p:cNvPr id="1" name=""/>
+        <p:cNvGrpSpPr/>
+        <p:nvPr/>
+      </p:nvGrpSpPr>
+      <p:grpSpPr>
+        <a:xfrm>
+          <a:off x="0" y="0"/>
+          <a:ext cx="0" cy="0"/>
+          <a:chOff x="0" y="0"/>
+          <a:chExt cx="0" cy="0"/>
+        </a:xfrm>
+      </p:grpSpPr>
+      <p:sp>
+        <p:nvSpPr>
+          <p:cNvPr id="2" name="Title 1">
+            <a:extLst>
+              <a:ext uri="{FF2B5EF4-FFF2-40B4-BE49-F238E27FC236}">
+                <a16:creationId xmlns:a16="http://schemas.microsoft.com/office/drawing/2014/main" id="{EB1D9944-B896-444F-B01E-54A508843CF2}"/>
+              </a:ext>
+            </a:extLst>
+          </p:cNvPr>
+          <p:cNvSpPr>
+            <a:spLocks noGrp="1"/>
+          </p:cNvSpPr>
+          <p:nvPr>
+            <p:ph type="title"/>
+          </p:nvPr>
+        </p:nvSpPr>
+        <p:spPr/>
+        <p:txBody>
+          <a:bodyPr/>
+          <a:lstStyle/>
+          <a:p>
+            <a:r>
+              <a:rPr lang="en-US" dirty="0"/>
+              <a:t>Conclusion</a:t>
+            </a:r>
+          </a:p>
+        </p:txBody>
+      </p:sp>
+      <p:sp>
+        <p:nvSpPr>
+          <p:cNvPr id="3" name="Content Placeholder 2">
+            <a:extLst>
+              <a:ext uri="{FF2B5EF4-FFF2-40B4-BE49-F238E27FC236}">
+                <a16:creationId xmlns:a16="http://schemas.microsoft.com/office/drawing/2014/main" id="{778122AD-9E3A-45E3-A34A-95F961EB4103}"/>
+              </a:ext>
+            </a:extLst>
+          </p:cNvPr>
+          <p:cNvSpPr>
+            <a:spLocks noGrp="1"/>
+          </p:cNvSpPr>
+          <p:nvPr>
+            <p:ph idx="1"/>
+          </p:nvPr>
+        </p:nvSpPr>
+        <p:spPr/>
+        <p:txBody>
+          <a:bodyPr/>
+          <a:lstStyle/>
+          <a:p>
+            <a:endParaRPr lang="en-US"/>
+          </a:p>
+        </p:txBody>
+      </p:sp>
+    </p:spTree>
+    <p:extLst>
+      <p:ext uri="{BB962C8B-B14F-4D97-AF65-F5344CB8AC3E}">
+        <p14:creationId xmlns:p14="http://schemas.microsoft.com/office/powerpoint/2010/main" val="1771688870"/>
+      </p:ext>
+    </p:extLst>
+  </p:cSld>
+  <p:clrMapOvr>
+    <a:masterClrMapping/>
+  </p:clrMapOvr>
+</p:sld>
+</file>
+
+<file path=ppt/slides/slide23.xml><?xml version="1.0" encoding="utf-8"?>
+<p:sld xmlns:a="http://schemas.openxmlformats.org/drawingml/2006/main" xmlns:r="http://schemas.openxmlformats.org/officeDocument/2006/relationships" xmlns:p="http://schemas.openxmlformats.org/presentationml/2006/main">
+  <p:cSld>
+    <p:spTree>
+      <p:nvGrpSpPr>
+        <p:cNvPr id="1" name=""/>
+        <p:cNvGrpSpPr/>
+        <p:nvPr/>
+      </p:nvGrpSpPr>
+      <p:grpSpPr>
+        <a:xfrm>
+          <a:off x="0" y="0"/>
+          <a:ext cx="0" cy="0"/>
+          <a:chOff x="0" y="0"/>
+          <a:chExt cx="0" cy="0"/>
+        </a:xfrm>
+      </p:grpSpPr>
+      <p:sp>
+        <p:nvSpPr>
+          <p:cNvPr id="2" name="Title 1">
+            <a:extLst>
+              <a:ext uri="{FF2B5EF4-FFF2-40B4-BE49-F238E27FC236}">
                 <a16:creationId xmlns:a16="http://schemas.microsoft.com/office/drawing/2014/main" id="{CD220691-ACF8-420F-B800-8E213BFBC56C}"/>
               </a:ext>
             </a:extLst>
@@ -6790,7 +7057,7 @@
 </p:sld>
 </file>
 
-<file path=ppt/slides/slide21.xml><?xml version="1.0" encoding="utf-8"?>
+<file path=ppt/slides/slide24.xml><?xml version="1.0" encoding="utf-8"?>
 <p:sld xmlns:a="http://schemas.openxmlformats.org/drawingml/2006/main" xmlns:r="http://schemas.openxmlformats.org/officeDocument/2006/relationships" xmlns:p="http://schemas.openxmlformats.org/presentationml/2006/main">
   <p:cSld>
     <p:spTree>
@@ -6907,276 +7174,6 @@
 </p:sld>
 </file>
 
-<file path=ppt/slides/slide22.xml><?xml version="1.0" encoding="utf-8"?>
-<p:sld xmlns:a="http://schemas.openxmlformats.org/drawingml/2006/main" xmlns:r="http://schemas.openxmlformats.org/officeDocument/2006/relationships" xmlns:p="http://schemas.openxmlformats.org/presentationml/2006/main">
-  <p:cSld>
-    <p:spTree>
-      <p:nvGrpSpPr>
-        <p:cNvPr id="1" name=""/>
-        <p:cNvGrpSpPr/>
-        <p:nvPr/>
-      </p:nvGrpSpPr>
-      <p:grpSpPr>
-        <a:xfrm>
-          <a:off x="0" y="0"/>
-          <a:ext cx="0" cy="0"/>
-          <a:chOff x="0" y="0"/>
-          <a:chExt cx="0" cy="0"/>
-        </a:xfrm>
-      </p:grpSpPr>
-      <p:sp>
-        <p:nvSpPr>
-          <p:cNvPr id="2" name="Title 1">
-            <a:extLst>
-              <a:ext uri="{FF2B5EF4-FFF2-40B4-BE49-F238E27FC236}">
-                <a16:creationId xmlns:a16="http://schemas.microsoft.com/office/drawing/2014/main" id="{C1EA7C55-249D-4E4E-8B00-230058BF9731}"/>
-              </a:ext>
-            </a:extLst>
-          </p:cNvPr>
-          <p:cNvSpPr>
-            <a:spLocks noGrp="1"/>
-          </p:cNvSpPr>
-          <p:nvPr>
-            <p:ph type="title"/>
-          </p:nvPr>
-        </p:nvSpPr>
-        <p:spPr/>
-        <p:txBody>
-          <a:bodyPr/>
-          <a:lstStyle/>
-          <a:p>
-            <a:r>
-              <a:rPr lang="en-US" dirty="0"/>
-              <a:t>Model Intuition</a:t>
-            </a:r>
-          </a:p>
-        </p:txBody>
-      </p:sp>
-      <p:sp>
-        <p:nvSpPr>
-          <p:cNvPr id="3" name="Content Placeholder 2">
-            <a:extLst>
-              <a:ext uri="{FF2B5EF4-FFF2-40B4-BE49-F238E27FC236}">
-                <a16:creationId xmlns:a16="http://schemas.microsoft.com/office/drawing/2014/main" id="{AC93669C-6539-4A56-B172-FCB086CC9BE3}"/>
-              </a:ext>
-            </a:extLst>
-          </p:cNvPr>
-          <p:cNvSpPr>
-            <a:spLocks noGrp="1"/>
-          </p:cNvSpPr>
-          <p:nvPr>
-            <p:ph idx="1"/>
-          </p:nvPr>
-        </p:nvSpPr>
-        <p:spPr/>
-        <p:txBody>
-          <a:bodyPr/>
-          <a:lstStyle/>
-          <a:p>
-            <a:r>
-              <a:rPr lang="en-US" dirty="0"/>
-              <a:t>In theory Decision Trees are universal approximators – they can fit any data, regardless of underlying distribution</a:t>
-            </a:r>
-          </a:p>
-          <a:p>
-            <a:r>
-              <a:rPr lang="en-US" dirty="0"/>
-              <a:t>Splits in the tree are decided by which variable reduces entropy (also known as surprise) the most</a:t>
-            </a:r>
-          </a:p>
-          <a:p>
-            <a:r>
-              <a:rPr lang="en-US" dirty="0"/>
-              <a:t>Looking at the path of splits that lead to why an example ends up in a specific leaf node gives a sense of how the model “thinks” about the data (fix this)</a:t>
-            </a:r>
-          </a:p>
-          <a:p>
-            <a:r>
-              <a:rPr lang="en-US" dirty="0"/>
-              <a:t>Trees are only really good in the multivariate case, they don’t have much predictive power in the single variate case, because there isn’t much information to split on</a:t>
-            </a:r>
-          </a:p>
-        </p:txBody>
-      </p:sp>
-    </p:spTree>
-    <p:extLst>
-      <p:ext uri="{BB962C8B-B14F-4D97-AF65-F5344CB8AC3E}">
-        <p14:creationId xmlns:p14="http://schemas.microsoft.com/office/powerpoint/2010/main" val="3941241187"/>
-      </p:ext>
-    </p:extLst>
-  </p:cSld>
-  <p:clrMapOvr>
-    <a:masterClrMapping/>
-  </p:clrMapOvr>
-</p:sld>
-</file>
-
-<file path=ppt/slides/slide23.xml><?xml version="1.0" encoding="utf-8"?>
-<p:sld xmlns:a="http://schemas.openxmlformats.org/drawingml/2006/main" xmlns:r="http://schemas.openxmlformats.org/officeDocument/2006/relationships" xmlns:p="http://schemas.openxmlformats.org/presentationml/2006/main">
-  <p:cSld>
-    <p:spTree>
-      <p:nvGrpSpPr>
-        <p:cNvPr id="1" name=""/>
-        <p:cNvGrpSpPr/>
-        <p:nvPr/>
-      </p:nvGrpSpPr>
-      <p:grpSpPr>
-        <a:xfrm>
-          <a:off x="0" y="0"/>
-          <a:ext cx="0" cy="0"/>
-          <a:chOff x="0" y="0"/>
-          <a:chExt cx="0" cy="0"/>
-        </a:xfrm>
-      </p:grpSpPr>
-      <p:sp>
-        <p:nvSpPr>
-          <p:cNvPr id="2" name="Title 1">
-            <a:extLst>
-              <a:ext uri="{FF2B5EF4-FFF2-40B4-BE49-F238E27FC236}">
-                <a16:creationId xmlns:a16="http://schemas.microsoft.com/office/drawing/2014/main" id="{BCCD2A6D-C7FA-43A5-8758-C610F68918F4}"/>
-              </a:ext>
-            </a:extLst>
-          </p:cNvPr>
-          <p:cNvSpPr>
-            <a:spLocks noGrp="1"/>
-          </p:cNvSpPr>
-          <p:nvPr>
-            <p:ph type="title"/>
-          </p:nvPr>
-        </p:nvSpPr>
-        <p:spPr/>
-        <p:txBody>
-          <a:bodyPr/>
-          <a:lstStyle/>
-          <a:p>
-            <a:r>
-              <a:rPr lang="en-US" dirty="0"/>
-              <a:t>Trees for Regression</a:t>
-            </a:r>
-          </a:p>
-        </p:txBody>
-      </p:sp>
-      <p:sp>
-        <p:nvSpPr>
-          <p:cNvPr id="3" name="Content Placeholder 2">
-            <a:extLst>
-              <a:ext uri="{FF2B5EF4-FFF2-40B4-BE49-F238E27FC236}">
-                <a16:creationId xmlns:a16="http://schemas.microsoft.com/office/drawing/2014/main" id="{E60B47DD-9BBC-405E-9A55-6221E420A944}"/>
-              </a:ext>
-            </a:extLst>
-          </p:cNvPr>
-          <p:cNvSpPr>
-            <a:spLocks noGrp="1"/>
-          </p:cNvSpPr>
-          <p:nvPr>
-            <p:ph idx="1"/>
-          </p:nvPr>
-        </p:nvSpPr>
-        <p:spPr/>
-        <p:txBody>
-          <a:bodyPr/>
-          <a:lstStyle/>
-          <a:p>
-            <a:endParaRPr lang="en-US"/>
-          </a:p>
-        </p:txBody>
-      </p:sp>
-    </p:spTree>
-    <p:extLst>
-      <p:ext uri="{BB962C8B-B14F-4D97-AF65-F5344CB8AC3E}">
-        <p14:creationId xmlns:p14="http://schemas.microsoft.com/office/powerpoint/2010/main" val="351199081"/>
-      </p:ext>
-    </p:extLst>
-  </p:cSld>
-  <p:clrMapOvr>
-    <a:masterClrMapping/>
-  </p:clrMapOvr>
-</p:sld>
-</file>
-
-<file path=ppt/slides/slide24.xml><?xml version="1.0" encoding="utf-8"?>
-<p:sld xmlns:a="http://schemas.openxmlformats.org/drawingml/2006/main" xmlns:r="http://schemas.openxmlformats.org/officeDocument/2006/relationships" xmlns:p="http://schemas.openxmlformats.org/presentationml/2006/main">
-  <p:cSld>
-    <p:spTree>
-      <p:nvGrpSpPr>
-        <p:cNvPr id="1" name=""/>
-        <p:cNvGrpSpPr/>
-        <p:nvPr/>
-      </p:nvGrpSpPr>
-      <p:grpSpPr>
-        <a:xfrm>
-          <a:off x="0" y="0"/>
-          <a:ext cx="0" cy="0"/>
-          <a:chOff x="0" y="0"/>
-          <a:chExt cx="0" cy="0"/>
-        </a:xfrm>
-      </p:grpSpPr>
-      <p:sp>
-        <p:nvSpPr>
-          <p:cNvPr id="2" name="Title 1">
-            <a:extLst>
-              <a:ext uri="{FF2B5EF4-FFF2-40B4-BE49-F238E27FC236}">
-                <a16:creationId xmlns:a16="http://schemas.microsoft.com/office/drawing/2014/main" id="{47E94358-8DDF-4273-80E8-DF72F16DC361}"/>
-              </a:ext>
-            </a:extLst>
-          </p:cNvPr>
-          <p:cNvSpPr>
-            <a:spLocks noGrp="1"/>
-          </p:cNvSpPr>
-          <p:nvPr>
-            <p:ph type="title"/>
-          </p:nvPr>
-        </p:nvSpPr>
-        <p:spPr/>
-        <p:txBody>
-          <a:bodyPr/>
-          <a:lstStyle/>
-          <a:p>
-            <a:r>
-              <a:rPr lang="en-US" dirty="0"/>
-              <a:t>Basic Model</a:t>
-            </a:r>
-          </a:p>
-        </p:txBody>
-      </p:sp>
-      <p:sp>
-        <p:nvSpPr>
-          <p:cNvPr id="3" name="Content Placeholder 2">
-            <a:extLst>
-              <a:ext uri="{FF2B5EF4-FFF2-40B4-BE49-F238E27FC236}">
-                <a16:creationId xmlns:a16="http://schemas.microsoft.com/office/drawing/2014/main" id="{2AA2F724-E9AC-4460-8539-79D554AC5628}"/>
-              </a:ext>
-            </a:extLst>
-          </p:cNvPr>
-          <p:cNvSpPr>
-            <a:spLocks noGrp="1"/>
-          </p:cNvSpPr>
-          <p:nvPr>
-            <p:ph idx="1"/>
-          </p:nvPr>
-        </p:nvSpPr>
-        <p:spPr/>
-        <p:txBody>
-          <a:bodyPr/>
-          <a:lstStyle/>
-          <a:p>
-            <a:endParaRPr lang="en-US"/>
-          </a:p>
-        </p:txBody>
-      </p:sp>
-    </p:spTree>
-    <p:extLst>
-      <p:ext uri="{BB962C8B-B14F-4D97-AF65-F5344CB8AC3E}">
-        <p14:creationId xmlns:p14="http://schemas.microsoft.com/office/powerpoint/2010/main" val="3872872228"/>
-      </p:ext>
-    </p:extLst>
-  </p:cSld>
-  <p:clrMapOvr>
-    <a:masterClrMapping/>
-  </p:clrMapOvr>
-</p:sld>
-</file>
-
 <file path=ppt/slides/slide25.xml><?xml version="1.0" encoding="utf-8"?>
 <p:sld xmlns:a="http://schemas.openxmlformats.org/drawingml/2006/main" xmlns:r="http://schemas.openxmlformats.org/officeDocument/2006/relationships" xmlns:p="http://schemas.openxmlformats.org/presentationml/2006/main">
   <p:cSld>
@@ -7199,7 +7196,7 @@
           <p:cNvPr id="2" name="Title 1">
             <a:extLst>
               <a:ext uri="{FF2B5EF4-FFF2-40B4-BE49-F238E27FC236}">
-                <a16:creationId xmlns:a16="http://schemas.microsoft.com/office/drawing/2014/main" id="{F7BD59E8-356F-408C-AEC4-66CAF693A6D9}"/>
+                <a16:creationId xmlns:a16="http://schemas.microsoft.com/office/drawing/2014/main" id="{C1EA7C55-249D-4E4E-8B00-230058BF9731}"/>
               </a:ext>
             </a:extLst>
           </p:cNvPr>
@@ -7217,7 +7214,7 @@
           <a:p>
             <a:r>
               <a:rPr lang="en-US" dirty="0"/>
-              <a:t>Mean Squared Error</a:t>
+              <a:t>Model Intuition</a:t>
             </a:r>
           </a:p>
         </p:txBody>
@@ -7227,7 +7224,7 @@
           <p:cNvPr id="3" name="Content Placeholder 2">
             <a:extLst>
               <a:ext uri="{FF2B5EF4-FFF2-40B4-BE49-F238E27FC236}">
-                <a16:creationId xmlns:a16="http://schemas.microsoft.com/office/drawing/2014/main" id="{A657E96C-0150-45F5-B2E0-D3F383379954}"/>
+                <a16:creationId xmlns:a16="http://schemas.microsoft.com/office/drawing/2014/main" id="{AC93669C-6539-4A56-B172-FCB086CC9BE3}"/>
               </a:ext>
             </a:extLst>
           </p:cNvPr>
@@ -7243,14 +7240,35 @@
           <a:bodyPr/>
           <a:lstStyle/>
           <a:p>
-            <a:endParaRPr lang="en-US"/>
+            <a:r>
+              <a:rPr lang="en-US" dirty="0"/>
+              <a:t>In theory Decision Trees are universal approximators – they can fit any data, regardless of underlying distribution</a:t>
+            </a:r>
+          </a:p>
+          <a:p>
+            <a:r>
+              <a:rPr lang="en-US" dirty="0"/>
+              <a:t>Splits in the tree are decided by which variable reduces entropy (also known as surprise) the most</a:t>
+            </a:r>
+          </a:p>
+          <a:p>
+            <a:r>
+              <a:rPr lang="en-US" dirty="0"/>
+              <a:t>Looking at the path of splits that lead to why an example ends up in a specific leaf node gives a sense of how the model “thinks” about the data (fix this)</a:t>
+            </a:r>
+          </a:p>
+          <a:p>
+            <a:r>
+              <a:rPr lang="en-US" dirty="0"/>
+              <a:t>Trees are only really good in the multivariate case, they don’t have much predictive power in the single variate case, because there isn’t much information to split on</a:t>
+            </a:r>
           </a:p>
         </p:txBody>
       </p:sp>
     </p:spTree>
     <p:extLst>
       <p:ext uri="{BB962C8B-B14F-4D97-AF65-F5344CB8AC3E}">
-        <p14:creationId xmlns:p14="http://schemas.microsoft.com/office/powerpoint/2010/main" val="2389570269"/>
+        <p14:creationId xmlns:p14="http://schemas.microsoft.com/office/powerpoint/2010/main" val="3941241187"/>
       </p:ext>
     </p:extLst>
   </p:cSld>
@@ -7282,7 +7300,7 @@
           <p:cNvPr id="2" name="Title 1">
             <a:extLst>
               <a:ext uri="{FF2B5EF4-FFF2-40B4-BE49-F238E27FC236}">
-                <a16:creationId xmlns:a16="http://schemas.microsoft.com/office/drawing/2014/main" id="{3A2689D7-A3B9-4A23-B779-2C082440ED6A}"/>
+                <a16:creationId xmlns:a16="http://schemas.microsoft.com/office/drawing/2014/main" id="{BCCD2A6D-C7FA-43A5-8758-C610F68918F4}"/>
               </a:ext>
             </a:extLst>
           </p:cNvPr>
@@ -7300,7 +7318,7 @@
           <a:p>
             <a:r>
               <a:rPr lang="en-US" dirty="0"/>
-              <a:t>Feature Importance</a:t>
+              <a:t>Trees for Regression</a:t>
             </a:r>
           </a:p>
         </p:txBody>
@@ -7310,7 +7328,7 @@
           <p:cNvPr id="3" name="Content Placeholder 2">
             <a:extLst>
               <a:ext uri="{FF2B5EF4-FFF2-40B4-BE49-F238E27FC236}">
-                <a16:creationId xmlns:a16="http://schemas.microsoft.com/office/drawing/2014/main" id="{9C3CAFD6-9315-41FE-959B-688F4C197B46}"/>
+                <a16:creationId xmlns:a16="http://schemas.microsoft.com/office/drawing/2014/main" id="{E60B47DD-9BBC-405E-9A55-6221E420A944}"/>
               </a:ext>
             </a:extLst>
           </p:cNvPr>
@@ -7333,7 +7351,7 @@
     </p:spTree>
     <p:extLst>
       <p:ext uri="{BB962C8B-B14F-4D97-AF65-F5344CB8AC3E}">
-        <p14:creationId xmlns:p14="http://schemas.microsoft.com/office/powerpoint/2010/main" val="1594186091"/>
+        <p14:creationId xmlns:p14="http://schemas.microsoft.com/office/powerpoint/2010/main" val="351199081"/>
       </p:ext>
     </p:extLst>
   </p:cSld>
@@ -7365,7 +7383,7 @@
           <p:cNvPr id="2" name="Title 1">
             <a:extLst>
               <a:ext uri="{FF2B5EF4-FFF2-40B4-BE49-F238E27FC236}">
-                <a16:creationId xmlns:a16="http://schemas.microsoft.com/office/drawing/2014/main" id="{48798A0C-98DF-4080-8C61-C15AB77886D0}"/>
+                <a16:creationId xmlns:a16="http://schemas.microsoft.com/office/drawing/2014/main" id="{47E94358-8DDF-4273-80E8-DF72F16DC361}"/>
               </a:ext>
             </a:extLst>
           </p:cNvPr>
@@ -7383,7 +7401,7 @@
           <a:p>
             <a:r>
               <a:rPr lang="en-US" dirty="0"/>
-              <a:t>Feature Importance Problems</a:t>
+              <a:t>Basic Model</a:t>
             </a:r>
           </a:p>
         </p:txBody>
@@ -7393,7 +7411,7 @@
           <p:cNvPr id="3" name="Content Placeholder 2">
             <a:extLst>
               <a:ext uri="{FF2B5EF4-FFF2-40B4-BE49-F238E27FC236}">
-                <a16:creationId xmlns:a16="http://schemas.microsoft.com/office/drawing/2014/main" id="{ADC796C9-3023-4FE6-B8A5-E5C479D0517D}"/>
+                <a16:creationId xmlns:a16="http://schemas.microsoft.com/office/drawing/2014/main" id="{2AA2F724-E9AC-4460-8539-79D554AC5628}"/>
               </a:ext>
             </a:extLst>
           </p:cNvPr>
@@ -7416,7 +7434,7 @@
     </p:spTree>
     <p:extLst>
       <p:ext uri="{BB962C8B-B14F-4D97-AF65-F5344CB8AC3E}">
-        <p14:creationId xmlns:p14="http://schemas.microsoft.com/office/powerpoint/2010/main" val="2417562097"/>
+        <p14:creationId xmlns:p14="http://schemas.microsoft.com/office/powerpoint/2010/main" val="3872872228"/>
       </p:ext>
     </p:extLst>
   </p:cSld>
@@ -7448,7 +7466,7 @@
           <p:cNvPr id="2" name="Title 1">
             <a:extLst>
               <a:ext uri="{FF2B5EF4-FFF2-40B4-BE49-F238E27FC236}">
-                <a16:creationId xmlns:a16="http://schemas.microsoft.com/office/drawing/2014/main" id="{C4F9268A-C5A4-46AE-A564-9B6C23333759}"/>
+                <a16:creationId xmlns:a16="http://schemas.microsoft.com/office/drawing/2014/main" id="{F7BD59E8-356F-408C-AEC4-66CAF693A6D9}"/>
               </a:ext>
             </a:extLst>
           </p:cNvPr>
@@ -7466,7 +7484,7 @@
           <a:p>
             <a:r>
               <a:rPr lang="en-US" dirty="0"/>
-              <a:t>Trees for Classification</a:t>
+              <a:t>Mean Squared Error</a:t>
             </a:r>
           </a:p>
         </p:txBody>
@@ -7476,7 +7494,7 @@
           <p:cNvPr id="3" name="Content Placeholder 2">
             <a:extLst>
               <a:ext uri="{FF2B5EF4-FFF2-40B4-BE49-F238E27FC236}">
-                <a16:creationId xmlns:a16="http://schemas.microsoft.com/office/drawing/2014/main" id="{252BA0FE-2D5B-4858-967B-8370272688B5}"/>
+                <a16:creationId xmlns:a16="http://schemas.microsoft.com/office/drawing/2014/main" id="{A657E96C-0150-45F5-B2E0-D3F383379954}"/>
               </a:ext>
             </a:extLst>
           </p:cNvPr>
@@ -7499,7 +7517,7 @@
     </p:spTree>
     <p:extLst>
       <p:ext uri="{BB962C8B-B14F-4D97-AF65-F5344CB8AC3E}">
-        <p14:creationId xmlns:p14="http://schemas.microsoft.com/office/powerpoint/2010/main" val="3950391572"/>
+        <p14:creationId xmlns:p14="http://schemas.microsoft.com/office/powerpoint/2010/main" val="2389570269"/>
       </p:ext>
     </p:extLst>
   </p:cSld>
@@ -7531,7 +7549,7 @@
           <p:cNvPr id="2" name="Title 1">
             <a:extLst>
               <a:ext uri="{FF2B5EF4-FFF2-40B4-BE49-F238E27FC236}">
-                <a16:creationId xmlns:a16="http://schemas.microsoft.com/office/drawing/2014/main" id="{C1BCAA41-2940-45BE-8304-42246E73C95C}"/>
+                <a16:creationId xmlns:a16="http://schemas.microsoft.com/office/drawing/2014/main" id="{E24213ED-0A40-4E71-B594-75C2E119F900}"/>
               </a:ext>
             </a:extLst>
           </p:cNvPr>
@@ -7549,7 +7567,7 @@
           <a:p>
             <a:r>
               <a:rPr lang="en-US" dirty="0"/>
-              <a:t>Basic Model</a:t>
+              <a:t>Feature Importance</a:t>
             </a:r>
           </a:p>
         </p:txBody>
@@ -7559,7 +7577,7 @@
           <p:cNvPr id="3" name="Content Placeholder 2">
             <a:extLst>
               <a:ext uri="{FF2B5EF4-FFF2-40B4-BE49-F238E27FC236}">
-                <a16:creationId xmlns:a16="http://schemas.microsoft.com/office/drawing/2014/main" id="{C1A1DFFC-304E-470A-B504-7778A1A845F5}"/>
+                <a16:creationId xmlns:a16="http://schemas.microsoft.com/office/drawing/2014/main" id="{5D7E35B2-CD9E-4BBF-959D-8724047FD6B4}"/>
               </a:ext>
             </a:extLst>
           </p:cNvPr>
@@ -7575,14 +7593,17 @@
           <a:bodyPr/>
           <a:lstStyle/>
           <a:p>
-            <a:endParaRPr lang="en-US"/>
+            <a:r>
+              <a:rPr lang="en-US" dirty="0"/>
+              <a:t>https://github.com/andosa/treeinterpreter</a:t>
+            </a:r>
           </a:p>
         </p:txBody>
       </p:sp>
     </p:spTree>
     <p:extLst>
       <p:ext uri="{BB962C8B-B14F-4D97-AF65-F5344CB8AC3E}">
-        <p14:creationId xmlns:p14="http://schemas.microsoft.com/office/powerpoint/2010/main" val="2511998187"/>
+        <p14:creationId xmlns:p14="http://schemas.microsoft.com/office/powerpoint/2010/main" val="3153873001"/>
       </p:ext>
     </p:extLst>
   </p:cSld>
@@ -7656,69 +7677,55 @@
         <p:spPr/>
         <p:txBody>
           <a:bodyPr>
-            <a:normAutofit lnSpcReduction="10000"/>
+            <a:normAutofit/>
           </a:bodyPr>
           <a:lstStyle/>
           <a:p>
             <a:r>
               <a:rPr lang="en-US" dirty="0"/>
+              <a:t>Interpretability Models</a:t>
+            </a:r>
+          </a:p>
+          <a:p>
+            <a:pPr lvl="1"/>
+            <a:r>
+              <a:rPr lang="en-US" dirty="0"/>
               <a:t>Linear Regression</a:t>
             </a:r>
           </a:p>
           <a:p>
+            <a:pPr lvl="2"/>
+            <a:r>
+              <a:rPr lang="en-US" dirty="0"/>
+              <a:t>Feature Transforms</a:t>
+            </a:r>
+          </a:p>
+          <a:p>
+            <a:pPr lvl="2"/>
+            <a:r>
+              <a:rPr lang="en-US" dirty="0"/>
+              <a:t>Assessment of Model</a:t>
+            </a:r>
+          </a:p>
+          <a:p>
             <a:pPr lvl="1"/>
             <a:r>
               <a:rPr lang="en-US" dirty="0"/>
-              <a:t>Log-log Features</a:t>
-            </a:r>
-          </a:p>
-          <a:p>
-            <a:pPr lvl="1"/>
-            <a:r>
-              <a:rPr lang="en-US" dirty="0"/>
-              <a:t>Linear-Log Features</a:t>
-            </a:r>
-          </a:p>
-          <a:p>
-            <a:pPr lvl="1"/>
-            <a:r>
-              <a:rPr lang="en-US" dirty="0"/>
-              <a:t>Log-Linear Features	</a:t>
-            </a:r>
-          </a:p>
-          <a:p>
-            <a:pPr lvl="1"/>
-            <a:r>
-              <a:rPr lang="en-US" dirty="0"/>
-              <a:t>Non-linear Features</a:t>
-            </a:r>
-          </a:p>
-          <a:p>
-            <a:pPr lvl="1"/>
-            <a:r>
-              <a:rPr lang="en-US" dirty="0"/>
-              <a:t>T-Test</a:t>
-            </a:r>
-          </a:p>
-          <a:p>
-            <a:pPr lvl="1"/>
-            <a:r>
-              <a:rPr lang="en-US" dirty="0"/>
-              <a:t>F-Test</a:t>
-            </a:r>
-          </a:p>
-          <a:p>
-            <a:pPr lvl="1"/>
-            <a:r>
-              <a:rPr lang="en-US" dirty="0"/>
-              <a:t>MSE</a:t>
-            </a:r>
-          </a:p>
-          <a:p>
-            <a:pPr lvl="1"/>
-            <a:r>
-              <a:rPr lang="en-US" dirty="0"/>
-              <a:t>R^2</a:t>
+              <a:t>Tree Models</a:t>
+            </a:r>
+          </a:p>
+          <a:p>
+            <a:pPr lvl="2"/>
+            <a:r>
+              <a:rPr lang="en-US" dirty="0"/>
+              <a:t>Visualization</a:t>
+            </a:r>
+          </a:p>
+          <a:p>
+            <a:pPr lvl="2"/>
+            <a:r>
+              <a:rPr lang="en-US" dirty="0"/>
+              <a:t>Feature Analysis</a:t>
             </a:r>
           </a:p>
         </p:txBody>
@@ -7742,77 +7749,61 @@
         <p:spPr/>
         <p:txBody>
           <a:bodyPr>
-            <a:normAutofit lnSpcReduction="10000"/>
+            <a:normAutofit/>
           </a:bodyPr>
           <a:lstStyle/>
           <a:p>
-            <a:r>
-              <a:rPr lang="en-US" dirty="0"/>
-              <a:t>Tree Models</a:t>
+            <a:pPr marL="0" indent="0">
+              <a:buNone/>
+            </a:pPr>
+            <a:endParaRPr lang="en-US" dirty="0"/>
+          </a:p>
+          <a:p>
+            <a:r>
+              <a:rPr lang="en-US" dirty="0"/>
+              <a:t>Interpretability For “Black Box” Models</a:t>
             </a:r>
           </a:p>
           <a:p>
             <a:pPr lvl="1"/>
             <a:r>
               <a:rPr lang="en-US" dirty="0"/>
-              <a:t>Feature Importance</a:t>
+              <a:t>LIME</a:t>
             </a:r>
           </a:p>
           <a:p>
             <a:pPr lvl="1"/>
             <a:r>
               <a:rPr lang="en-US" dirty="0"/>
-              <a:t>Tree Interpreter</a:t>
-            </a:r>
-          </a:p>
-          <a:p>
+              <a:t>SHAP</a:t>
+            </a:r>
+          </a:p>
+          <a:p>
+            <a:pPr lvl="1"/>
+            <a:r>
+              <a:rPr lang="en-US" dirty="0"/>
+              <a:t>Example Models</a:t>
+            </a:r>
+          </a:p>
+          <a:p>
+            <a:pPr lvl="2"/>
             <a:r>
               <a:rPr lang="en-US" dirty="0"/>
               <a:t>Neural Networks</a:t>
             </a:r>
           </a:p>
           <a:p>
-            <a:pPr lvl="1"/>
-            <a:r>
-              <a:rPr lang="en-US" dirty="0"/>
-              <a:t>Learning from tree based model results</a:t>
-            </a:r>
-          </a:p>
-          <a:p>
-            <a:pPr lvl="1"/>
-            <a:r>
-              <a:rPr lang="en-US" dirty="0"/>
-              <a:t>Layer-wise Relevance Propagation</a:t>
-            </a:r>
-          </a:p>
-          <a:p>
-            <a:pPr lvl="1"/>
-            <a:r>
-              <a:rPr lang="en-US" dirty="0" err="1"/>
-              <a:t>DeepLift</a:t>
-            </a:r>
-            <a:endParaRPr lang="en-US" dirty="0"/>
-          </a:p>
-          <a:p>
-            <a:pPr lvl="1"/>
-            <a:r>
-              <a:rPr lang="en-US" dirty="0" err="1"/>
-              <a:t>DeepExplain</a:t>
-            </a:r>
-            <a:endParaRPr lang="en-US" dirty="0"/>
-          </a:p>
-          <a:p>
-            <a:pPr lvl="1"/>
-            <a:r>
-              <a:rPr lang="en-US" dirty="0"/>
-              <a:t>LIME</a:t>
-            </a:r>
-          </a:p>
-          <a:p>
-            <a:pPr lvl="1"/>
-            <a:r>
-              <a:rPr lang="en-US" dirty="0"/>
-              <a:t>SHAP</a:t>
+            <a:pPr lvl="2"/>
+            <a:r>
+              <a:rPr lang="en-US" dirty="0"/>
+              <a:t>Random Forests</a:t>
+            </a:r>
+          </a:p>
+          <a:p>
+            <a:pPr lvl="2"/>
+            <a:r>
+              <a:rPr lang="en-US" dirty="0"/>
+              <a:t>Gradient Boosted Trees</a:t>
             </a:r>
           </a:p>
         </p:txBody>
@@ -7852,7 +7843,7 @@
           <p:cNvPr id="2" name="Title 1">
             <a:extLst>
               <a:ext uri="{FF2B5EF4-FFF2-40B4-BE49-F238E27FC236}">
-                <a16:creationId xmlns:a16="http://schemas.microsoft.com/office/drawing/2014/main" id="{66E116DA-B8F1-473D-A205-D3259C29AF17}"/>
+                <a16:creationId xmlns:a16="http://schemas.microsoft.com/office/drawing/2014/main" id="{BF173B4D-C475-423D-A0DB-EB0350B2A14B}"/>
               </a:ext>
             </a:extLst>
           </p:cNvPr>
@@ -7870,7 +7861,7 @@
           <a:p>
             <a:r>
               <a:rPr lang="en-US" dirty="0"/>
-              <a:t>Precision</a:t>
+              <a:t>Feature Importance Issues</a:t>
             </a:r>
           </a:p>
         </p:txBody>
@@ -7880,7 +7871,7 @@
           <p:cNvPr id="3" name="Content Placeholder 2">
             <a:extLst>
               <a:ext uri="{FF2B5EF4-FFF2-40B4-BE49-F238E27FC236}">
-                <a16:creationId xmlns:a16="http://schemas.microsoft.com/office/drawing/2014/main" id="{3E366292-AB9D-4F04-9CD5-1DA824F5D0A9}"/>
+                <a16:creationId xmlns:a16="http://schemas.microsoft.com/office/drawing/2014/main" id="{246CD3F4-4F8A-4F52-896B-6756DE130822}"/>
               </a:ext>
             </a:extLst>
           </p:cNvPr>
@@ -7903,7 +7894,7 @@
     </p:spTree>
     <p:extLst>
       <p:ext uri="{BB962C8B-B14F-4D97-AF65-F5344CB8AC3E}">
-        <p14:creationId xmlns:p14="http://schemas.microsoft.com/office/powerpoint/2010/main" val="1125430881"/>
+        <p14:creationId xmlns:p14="http://schemas.microsoft.com/office/powerpoint/2010/main" val="608554461"/>
       </p:ext>
     </p:extLst>
   </p:cSld>
@@ -7935,7 +7926,7 @@
           <p:cNvPr id="2" name="Title 1">
             <a:extLst>
               <a:ext uri="{FF2B5EF4-FFF2-40B4-BE49-F238E27FC236}">
-                <a16:creationId xmlns:a16="http://schemas.microsoft.com/office/drawing/2014/main" id="{5BA44E0C-7DD2-43CD-BB0B-BD0CE2622452}"/>
+                <a16:creationId xmlns:a16="http://schemas.microsoft.com/office/drawing/2014/main" id="{3A2689D7-A3B9-4A23-B779-2C082440ED6A}"/>
               </a:ext>
             </a:extLst>
           </p:cNvPr>
@@ -7953,7 +7944,7 @@
           <a:p>
             <a:r>
               <a:rPr lang="en-US" dirty="0"/>
-              <a:t>Recall</a:t>
+              <a:t>Tree Visualization</a:t>
             </a:r>
           </a:p>
         </p:txBody>
@@ -7963,7 +7954,7 @@
           <p:cNvPr id="3" name="Content Placeholder 2">
             <a:extLst>
               <a:ext uri="{FF2B5EF4-FFF2-40B4-BE49-F238E27FC236}">
-                <a16:creationId xmlns:a16="http://schemas.microsoft.com/office/drawing/2014/main" id="{17C706BE-0B1B-4B34-BF0C-7B436149094C}"/>
+                <a16:creationId xmlns:a16="http://schemas.microsoft.com/office/drawing/2014/main" id="{9C3CAFD6-9315-41FE-959B-688F4C197B46}"/>
               </a:ext>
             </a:extLst>
           </p:cNvPr>
@@ -7979,14 +7970,17 @@
           <a:bodyPr/>
           <a:lstStyle/>
           <a:p>
-            <a:endParaRPr lang="en-US"/>
+            <a:r>
+              <a:rPr lang="en-US" dirty="0"/>
+              <a:t>https://scikit-learn.org/stable/modules/generated/sklearn.tree.export_graphviz.html</a:t>
+            </a:r>
           </a:p>
         </p:txBody>
       </p:sp>
     </p:spTree>
     <p:extLst>
       <p:ext uri="{BB962C8B-B14F-4D97-AF65-F5344CB8AC3E}">
-        <p14:creationId xmlns:p14="http://schemas.microsoft.com/office/powerpoint/2010/main" val="4277301707"/>
+        <p14:creationId xmlns:p14="http://schemas.microsoft.com/office/powerpoint/2010/main" val="1594186091"/>
       </p:ext>
     </p:extLst>
   </p:cSld>
@@ -8018,7 +8012,7 @@
           <p:cNvPr id="2" name="Title 1">
             <a:extLst>
               <a:ext uri="{FF2B5EF4-FFF2-40B4-BE49-F238E27FC236}">
-                <a16:creationId xmlns:a16="http://schemas.microsoft.com/office/drawing/2014/main" id="{335B6612-5D29-4E87-869C-5532D22519B0}"/>
+                <a16:creationId xmlns:a16="http://schemas.microsoft.com/office/drawing/2014/main" id="{C4F9268A-C5A4-46AE-A564-9B6C23333759}"/>
               </a:ext>
             </a:extLst>
           </p:cNvPr>
@@ -8036,7 +8030,7 @@
           <a:p>
             <a:r>
               <a:rPr lang="en-US" dirty="0"/>
-              <a:t>F1 score</a:t>
+              <a:t>Trees for Classification</a:t>
             </a:r>
           </a:p>
         </p:txBody>
@@ -8046,7 +8040,7 @@
           <p:cNvPr id="3" name="Content Placeholder 2">
             <a:extLst>
               <a:ext uri="{FF2B5EF4-FFF2-40B4-BE49-F238E27FC236}">
-                <a16:creationId xmlns:a16="http://schemas.microsoft.com/office/drawing/2014/main" id="{FE0653F5-5370-4861-B147-D2C132F10588}"/>
+                <a16:creationId xmlns:a16="http://schemas.microsoft.com/office/drawing/2014/main" id="{252BA0FE-2D5B-4858-967B-8370272688B5}"/>
               </a:ext>
             </a:extLst>
           </p:cNvPr>
@@ -8069,7 +8063,7 @@
     </p:spTree>
     <p:extLst>
       <p:ext uri="{BB962C8B-B14F-4D97-AF65-F5344CB8AC3E}">
-        <p14:creationId xmlns:p14="http://schemas.microsoft.com/office/powerpoint/2010/main" val="1887139174"/>
+        <p14:creationId xmlns:p14="http://schemas.microsoft.com/office/powerpoint/2010/main" val="3950391572"/>
       </p:ext>
     </p:extLst>
   </p:cSld>
@@ -8101,7 +8095,7 @@
           <p:cNvPr id="2" name="Title 1">
             <a:extLst>
               <a:ext uri="{FF2B5EF4-FFF2-40B4-BE49-F238E27FC236}">
-                <a16:creationId xmlns:a16="http://schemas.microsoft.com/office/drawing/2014/main" id="{17B0AD80-4188-43AB-9A7E-FAD9D8420FF6}"/>
+                <a16:creationId xmlns:a16="http://schemas.microsoft.com/office/drawing/2014/main" id="{C1BCAA41-2940-45BE-8304-42246E73C95C}"/>
               </a:ext>
             </a:extLst>
           </p:cNvPr>
@@ -8119,7 +8113,7 @@
           <a:p>
             <a:r>
               <a:rPr lang="en-US" dirty="0"/>
-              <a:t>ROC AUC</a:t>
+              <a:t>Basic Model</a:t>
             </a:r>
           </a:p>
         </p:txBody>
@@ -8129,7 +8123,7 @@
           <p:cNvPr id="3" name="Content Placeholder 2">
             <a:extLst>
               <a:ext uri="{FF2B5EF4-FFF2-40B4-BE49-F238E27FC236}">
-                <a16:creationId xmlns:a16="http://schemas.microsoft.com/office/drawing/2014/main" id="{04C97169-332D-4DF4-8ED3-EFE0C414048D}"/>
+                <a16:creationId xmlns:a16="http://schemas.microsoft.com/office/drawing/2014/main" id="{C1A1DFFC-304E-470A-B504-7778A1A845F5}"/>
               </a:ext>
             </a:extLst>
           </p:cNvPr>
@@ -8152,7 +8146,7 @@
     </p:spTree>
     <p:extLst>
       <p:ext uri="{BB962C8B-B14F-4D97-AF65-F5344CB8AC3E}">
-        <p14:creationId xmlns:p14="http://schemas.microsoft.com/office/powerpoint/2010/main" val="16364788"/>
+        <p14:creationId xmlns:p14="http://schemas.microsoft.com/office/powerpoint/2010/main" val="2511998187"/>
       </p:ext>
     </p:extLst>
   </p:cSld>
@@ -8184,7 +8178,7 @@
           <p:cNvPr id="2" name="Title 1">
             <a:extLst>
               <a:ext uri="{FF2B5EF4-FFF2-40B4-BE49-F238E27FC236}">
-                <a16:creationId xmlns:a16="http://schemas.microsoft.com/office/drawing/2014/main" id="{E00C4D77-AA63-4593-82E8-BFD5462B4735}"/>
+                <a16:creationId xmlns:a16="http://schemas.microsoft.com/office/drawing/2014/main" id="{66E116DA-B8F1-473D-A205-D3259C29AF17}"/>
               </a:ext>
             </a:extLst>
           </p:cNvPr>
@@ -8202,7 +8196,7 @@
           <a:p>
             <a:r>
               <a:rPr lang="en-US" dirty="0"/>
-              <a:t>Negative Log Loss</a:t>
+              <a:t>Precision</a:t>
             </a:r>
           </a:p>
         </p:txBody>
@@ -8212,7 +8206,7 @@
           <p:cNvPr id="3" name="Content Placeholder 2">
             <a:extLst>
               <a:ext uri="{FF2B5EF4-FFF2-40B4-BE49-F238E27FC236}">
-                <a16:creationId xmlns:a16="http://schemas.microsoft.com/office/drawing/2014/main" id="{683B719F-2B5A-4033-9A76-56943758CDD3}"/>
+                <a16:creationId xmlns:a16="http://schemas.microsoft.com/office/drawing/2014/main" id="{3E366292-AB9D-4F04-9CD5-1DA824F5D0A9}"/>
               </a:ext>
             </a:extLst>
           </p:cNvPr>
@@ -8235,7 +8229,7 @@
     </p:spTree>
     <p:extLst>
       <p:ext uri="{BB962C8B-B14F-4D97-AF65-F5344CB8AC3E}">
-        <p14:creationId xmlns:p14="http://schemas.microsoft.com/office/powerpoint/2010/main" val="1431493478"/>
+        <p14:creationId xmlns:p14="http://schemas.microsoft.com/office/powerpoint/2010/main" val="1125430881"/>
       </p:ext>
     </p:extLst>
   </p:cSld>
@@ -8267,7 +8261,7 @@
           <p:cNvPr id="2" name="Title 1">
             <a:extLst>
               <a:ext uri="{FF2B5EF4-FFF2-40B4-BE49-F238E27FC236}">
-                <a16:creationId xmlns:a16="http://schemas.microsoft.com/office/drawing/2014/main" id="{DB3B254B-9850-4721-BA6D-A83AC23BD805}"/>
+                <a16:creationId xmlns:a16="http://schemas.microsoft.com/office/drawing/2014/main" id="{5BA44E0C-7DD2-43CD-BB0B-BD0CE2622452}"/>
               </a:ext>
             </a:extLst>
           </p:cNvPr>
@@ -8285,7 +8279,7 @@
           <a:p>
             <a:r>
               <a:rPr lang="en-US" dirty="0"/>
-              <a:t>Feature Importance</a:t>
+              <a:t>Recall</a:t>
             </a:r>
           </a:p>
         </p:txBody>
@@ -8295,7 +8289,7 @@
           <p:cNvPr id="3" name="Content Placeholder 2">
             <a:extLst>
               <a:ext uri="{FF2B5EF4-FFF2-40B4-BE49-F238E27FC236}">
-                <a16:creationId xmlns:a16="http://schemas.microsoft.com/office/drawing/2014/main" id="{E9023057-9DDE-4593-AE60-927B9ACEAE5A}"/>
+                <a16:creationId xmlns:a16="http://schemas.microsoft.com/office/drawing/2014/main" id="{17C706BE-0B1B-4B34-BF0C-7B436149094C}"/>
               </a:ext>
             </a:extLst>
           </p:cNvPr>
@@ -8318,7 +8312,7 @@
     </p:spTree>
     <p:extLst>
       <p:ext uri="{BB962C8B-B14F-4D97-AF65-F5344CB8AC3E}">
-        <p14:creationId xmlns:p14="http://schemas.microsoft.com/office/powerpoint/2010/main" val="239470663"/>
+        <p14:creationId xmlns:p14="http://schemas.microsoft.com/office/powerpoint/2010/main" val="4277301707"/>
       </p:ext>
     </p:extLst>
   </p:cSld>
@@ -8350,7 +8344,7 @@
           <p:cNvPr id="2" name="Title 1">
             <a:extLst>
               <a:ext uri="{FF2B5EF4-FFF2-40B4-BE49-F238E27FC236}">
-                <a16:creationId xmlns:a16="http://schemas.microsoft.com/office/drawing/2014/main" id="{A171E28A-6D3B-4336-9FAD-72B745A645D3}"/>
+                <a16:creationId xmlns:a16="http://schemas.microsoft.com/office/drawing/2014/main" id="{335B6612-5D29-4E87-869C-5532D22519B0}"/>
               </a:ext>
             </a:extLst>
           </p:cNvPr>
@@ -8368,7 +8362,7 @@
           <a:p>
             <a:r>
               <a:rPr lang="en-US" dirty="0"/>
-              <a:t>Tree Interpreter</a:t>
+              <a:t>F1 score</a:t>
             </a:r>
           </a:p>
         </p:txBody>
@@ -8378,7 +8372,7 @@
           <p:cNvPr id="3" name="Content Placeholder 2">
             <a:extLst>
               <a:ext uri="{FF2B5EF4-FFF2-40B4-BE49-F238E27FC236}">
-                <a16:creationId xmlns:a16="http://schemas.microsoft.com/office/drawing/2014/main" id="{BA0552DD-61AA-488C-B41B-C14AC62F8FF5}"/>
+                <a16:creationId xmlns:a16="http://schemas.microsoft.com/office/drawing/2014/main" id="{FE0653F5-5370-4861-B147-D2C132F10588}"/>
               </a:ext>
             </a:extLst>
           </p:cNvPr>
@@ -8401,7 +8395,7 @@
     </p:spTree>
     <p:extLst>
       <p:ext uri="{BB962C8B-B14F-4D97-AF65-F5344CB8AC3E}">
-        <p14:creationId xmlns:p14="http://schemas.microsoft.com/office/powerpoint/2010/main" val="2644090478"/>
+        <p14:creationId xmlns:p14="http://schemas.microsoft.com/office/powerpoint/2010/main" val="1887139174"/>
       </p:ext>
     </p:extLst>
   </p:cSld>
@@ -8433,7 +8427,7 @@
           <p:cNvPr id="2" name="Title 1">
             <a:extLst>
               <a:ext uri="{FF2B5EF4-FFF2-40B4-BE49-F238E27FC236}">
-                <a16:creationId xmlns:a16="http://schemas.microsoft.com/office/drawing/2014/main" id="{C80E39AA-41E6-49E7-9094-26646440908C}"/>
+                <a16:creationId xmlns:a16="http://schemas.microsoft.com/office/drawing/2014/main" id="{DB3B254B-9850-4721-BA6D-A83AC23BD805}"/>
               </a:ext>
             </a:extLst>
           </p:cNvPr>
@@ -8451,7 +8445,7 @@
           <a:p>
             <a:r>
               <a:rPr lang="en-US" dirty="0"/>
-              <a:t>Statistical Tests</a:t>
+              <a:t>Feature Importance</a:t>
             </a:r>
           </a:p>
         </p:txBody>
@@ -8461,7 +8455,7 @@
           <p:cNvPr id="3" name="Content Placeholder 2">
             <a:extLst>
               <a:ext uri="{FF2B5EF4-FFF2-40B4-BE49-F238E27FC236}">
-                <a16:creationId xmlns:a16="http://schemas.microsoft.com/office/drawing/2014/main" id="{56D68F04-3E66-45B8-82B5-A01756C00AB3}"/>
+                <a16:creationId xmlns:a16="http://schemas.microsoft.com/office/drawing/2014/main" id="{E9023057-9DDE-4593-AE60-927B9ACEAE5A}"/>
               </a:ext>
             </a:extLst>
           </p:cNvPr>
@@ -8484,7 +8478,7 @@
     </p:spTree>
     <p:extLst>
       <p:ext uri="{BB962C8B-B14F-4D97-AF65-F5344CB8AC3E}">
-        <p14:creationId xmlns:p14="http://schemas.microsoft.com/office/powerpoint/2010/main" val="2386806985"/>
+        <p14:creationId xmlns:p14="http://schemas.microsoft.com/office/powerpoint/2010/main" val="239470663"/>
       </p:ext>
     </p:extLst>
   </p:cSld>
@@ -8516,7 +8510,7 @@
           <p:cNvPr id="2" name="Title 1">
             <a:extLst>
               <a:ext uri="{FF2B5EF4-FFF2-40B4-BE49-F238E27FC236}">
-                <a16:creationId xmlns:a16="http://schemas.microsoft.com/office/drawing/2014/main" id="{5DDBE812-FCD4-4DA6-A3DB-63CF2BE5FCDB}"/>
+                <a16:creationId xmlns:a16="http://schemas.microsoft.com/office/drawing/2014/main" id="{64FE87CB-0AB0-40C3-9F65-73F4D5F1E219}"/>
               </a:ext>
             </a:extLst>
           </p:cNvPr>
@@ -8534,7 +8528,7 @@
           <a:p>
             <a:r>
               <a:rPr lang="en-US" dirty="0"/>
-              <a:t>Interpreting feature importance</a:t>
+              <a:t>Tree Visualization</a:t>
             </a:r>
           </a:p>
         </p:txBody>
@@ -8544,7 +8538,7 @@
           <p:cNvPr id="3" name="Content Placeholder 2">
             <a:extLst>
               <a:ext uri="{FF2B5EF4-FFF2-40B4-BE49-F238E27FC236}">
-                <a16:creationId xmlns:a16="http://schemas.microsoft.com/office/drawing/2014/main" id="{2208116E-5067-4E59-AF69-163D6E14AB29}"/>
+                <a16:creationId xmlns:a16="http://schemas.microsoft.com/office/drawing/2014/main" id="{258B6779-FC93-43FD-B2F4-292AB6FD91EB}"/>
               </a:ext>
             </a:extLst>
           </p:cNvPr>
@@ -8567,7 +8561,7 @@
     </p:spTree>
     <p:extLst>
       <p:ext uri="{BB962C8B-B14F-4D97-AF65-F5344CB8AC3E}">
-        <p14:creationId xmlns:p14="http://schemas.microsoft.com/office/powerpoint/2010/main" val="1313707430"/>
+        <p14:creationId xmlns:p14="http://schemas.microsoft.com/office/powerpoint/2010/main" val="272220425"/>
       </p:ext>
     </p:extLst>
   </p:cSld>
@@ -8599,7 +8593,7 @@
           <p:cNvPr id="2" name="Title 1">
             <a:extLst>
               <a:ext uri="{FF2B5EF4-FFF2-40B4-BE49-F238E27FC236}">
-                <a16:creationId xmlns:a16="http://schemas.microsoft.com/office/drawing/2014/main" id="{CD220691-ACF8-420F-B800-8E213BFBC56C}"/>
+                <a16:creationId xmlns:a16="http://schemas.microsoft.com/office/drawing/2014/main" id="{C1E419A9-228E-43F8-9E86-DF565E9540F3}"/>
               </a:ext>
             </a:extLst>
           </p:cNvPr>
@@ -8617,7 +8611,7 @@
           <a:p>
             <a:r>
               <a:rPr lang="en-US" dirty="0"/>
-              <a:t>Neural Networks</a:t>
+              <a:t>Interpretability Tools for Complex Models</a:t>
             </a:r>
           </a:p>
         </p:txBody>
@@ -8627,7 +8621,7 @@
           <p:cNvPr id="3" name="Content Placeholder 2">
             <a:extLst>
               <a:ext uri="{FF2B5EF4-FFF2-40B4-BE49-F238E27FC236}">
-                <a16:creationId xmlns:a16="http://schemas.microsoft.com/office/drawing/2014/main" id="{2481800E-333E-4583-8BA7-172902B9D5BE}"/>
+                <a16:creationId xmlns:a16="http://schemas.microsoft.com/office/drawing/2014/main" id="{C6810E6B-3A54-4909-8404-4CFA1265C25F}"/>
               </a:ext>
             </a:extLst>
           </p:cNvPr>
@@ -8640,88 +8634,53 @@
         </p:nvSpPr>
         <p:spPr/>
         <p:txBody>
-          <a:bodyPr>
-            <a:normAutofit/>
-          </a:bodyPr>
-          <a:lstStyle/>
-          <a:p>
-            <a:r>
-              <a:rPr lang="en-US" dirty="0"/>
-              <a:t>A Review of the Model</a:t>
-            </a:r>
-          </a:p>
-          <a:p>
-            <a:pPr lvl="1"/>
-            <a:r>
-              <a:rPr lang="en-US" dirty="0"/>
-              <a:t>Mathematical Specification</a:t>
-            </a:r>
-          </a:p>
-          <a:p>
-            <a:pPr lvl="1"/>
-            <a:r>
-              <a:rPr lang="en-US" dirty="0"/>
-              <a:t>Model Intuition</a:t>
-            </a:r>
-          </a:p>
-          <a:p>
-            <a:r>
-              <a:rPr lang="en-US" dirty="0"/>
-              <a:t>Interpreting the Model</a:t>
-            </a:r>
-          </a:p>
-          <a:p>
-            <a:pPr lvl="1"/>
-            <a:r>
-              <a:rPr lang="en-US" dirty="0"/>
-              <a:t>Basic Neural Network</a:t>
-            </a:r>
-          </a:p>
-          <a:p>
-            <a:pPr lvl="1"/>
-            <a:r>
-              <a:rPr lang="en-US" dirty="0"/>
-              <a:t>Goodness of Fit Measures</a:t>
-            </a:r>
-          </a:p>
-          <a:p>
-            <a:pPr lvl="1"/>
-            <a:r>
-              <a:rPr lang="en-US" dirty="0"/>
-              <a:t>Understanding the Structure of the model via Trees</a:t>
-            </a:r>
-          </a:p>
-          <a:p>
-            <a:pPr lvl="1"/>
-            <a:r>
-              <a:rPr lang="en-US" dirty="0"/>
-              <a:t>Feature </a:t>
-            </a:r>
-            <a:r>
-              <a:rPr lang="en-US" dirty="0" err="1"/>
-              <a:t>Importances</a:t>
-            </a:r>
+          <a:bodyPr/>
+          <a:lstStyle/>
+          <a:p>
+            <a:r>
+              <a:rPr lang="en-US" dirty="0"/>
+              <a:t>ELI5</a:t>
+            </a:r>
+          </a:p>
+          <a:p>
             <a:endParaRPr lang="en-US" dirty="0"/>
           </a:p>
           <a:p>
-            <a:pPr lvl="1"/>
-            <a:r>
-              <a:rPr lang="en-US" dirty="0"/>
-              <a:t>Visual Interpretation of Features</a:t>
-            </a:r>
-          </a:p>
-          <a:p>
-            <a:pPr marL="457200" lvl="1" indent="0">
+            <a:r>
+              <a:rPr lang="en-US" dirty="0"/>
+              <a:t>Tree interpret</a:t>
+            </a:r>
+          </a:p>
+          <a:p>
+            <a:pPr marL="0" indent="0">
               <a:buNone/>
             </a:pPr>
             <a:endParaRPr lang="en-US" dirty="0"/>
           </a:p>
+          <a:p>
+            <a:r>
+              <a:rPr lang="en-US" dirty="0"/>
+              <a:t>LIME</a:t>
+            </a:r>
+          </a:p>
+          <a:p>
+            <a:pPr marL="0" indent="0">
+              <a:buNone/>
+            </a:pPr>
+            <a:endParaRPr lang="en-US" dirty="0"/>
+          </a:p>
+          <a:p>
+            <a:r>
+              <a:rPr lang="en-US" dirty="0"/>
+              <a:t>SHAP</a:t>
+            </a:r>
+          </a:p>
         </p:txBody>
       </p:sp>
     </p:spTree>
     <p:extLst>
       <p:ext uri="{BB962C8B-B14F-4D97-AF65-F5344CB8AC3E}">
-        <p14:creationId xmlns:p14="http://schemas.microsoft.com/office/powerpoint/2010/main" val="2236272509"/>
+        <p14:creationId xmlns:p14="http://schemas.microsoft.com/office/powerpoint/2010/main" val="1347163679"/>
       </p:ext>
     </p:extLst>
   </p:cSld>
@@ -8887,7 +8846,7 @@
           <p:cNvPr id="2" name="Title 1">
             <a:extLst>
               <a:ext uri="{FF2B5EF4-FFF2-40B4-BE49-F238E27FC236}">
-                <a16:creationId xmlns:a16="http://schemas.microsoft.com/office/drawing/2014/main" id="{4BB25B35-7D3E-49EF-8CCF-A7C8FD99EEB3}"/>
+                <a16:creationId xmlns:a16="http://schemas.microsoft.com/office/drawing/2014/main" id="{249E2AF6-5345-438A-8B7C-F5768527FBEB}"/>
               </a:ext>
             </a:extLst>
           </p:cNvPr>
@@ -8904,10 +8863,9 @@
           <a:lstStyle/>
           <a:p>
             <a:r>
-              <a:rPr lang="en-US" dirty="0" err="1"/>
-              <a:t>Shap</a:t>
-            </a:r>
-            <a:endParaRPr lang="en-US" dirty="0"/>
+              <a:rPr lang="en-US" dirty="0"/>
+              <a:t>ELI5 </a:t>
+            </a:r>
           </a:p>
         </p:txBody>
       </p:sp>
@@ -8916,7 +8874,7 @@
           <p:cNvPr id="3" name="Content Placeholder 2">
             <a:extLst>
               <a:ext uri="{FF2B5EF4-FFF2-40B4-BE49-F238E27FC236}">
-                <a16:creationId xmlns:a16="http://schemas.microsoft.com/office/drawing/2014/main" id="{937F4A35-EC79-4F1C-955C-38C883452BE4}"/>
+                <a16:creationId xmlns:a16="http://schemas.microsoft.com/office/drawing/2014/main" id="{F906FC2F-65FE-4F9E-A644-C26AFB8D3692}"/>
               </a:ext>
             </a:extLst>
           </p:cNvPr>
@@ -8933,22 +8891,8 @@
           <a:lstStyle/>
           <a:p>
             <a:r>
-              <a:rPr lang="en-US" dirty="0">
-                <a:hlinkClick r:id="rId2"/>
-              </a:rPr>
-              <a:t>https://medium.com/@gabrieltseng/interpreting-complex-models-with-shap-values-1c187db6ec83</a:t>
-            </a:r>
-            <a:r>
-              <a:rPr lang="en-US" dirty="0"/>
-              <a:t> - </a:t>
-            </a:r>
-            <a:r>
-              <a:rPr lang="en-US" dirty="0" err="1"/>
-              <a:t>shapley</a:t>
-            </a:r>
-            <a:r>
-              <a:rPr lang="en-US" dirty="0"/>
-              <a:t> scores explained</a:t>
+              <a:rPr lang="en-US" dirty="0"/>
+              <a:t>https://eli5.readthedocs.io/en/latest/</a:t>
             </a:r>
           </a:p>
         </p:txBody>
@@ -8956,7 +8900,7 @@
     </p:spTree>
     <p:extLst>
       <p:ext uri="{BB962C8B-B14F-4D97-AF65-F5344CB8AC3E}">
-        <p14:creationId xmlns:p14="http://schemas.microsoft.com/office/powerpoint/2010/main" val="4080665717"/>
+        <p14:creationId xmlns:p14="http://schemas.microsoft.com/office/powerpoint/2010/main" val="2765243870"/>
       </p:ext>
     </p:extLst>
   </p:cSld>
@@ -8988,7 +8932,7 @@
           <p:cNvPr id="2" name="Title 1">
             <a:extLst>
               <a:ext uri="{FF2B5EF4-FFF2-40B4-BE49-F238E27FC236}">
-                <a16:creationId xmlns:a16="http://schemas.microsoft.com/office/drawing/2014/main" id="{2AE0FCDC-A53C-4A3B-95DF-E4D73770D464}"/>
+                <a16:creationId xmlns:a16="http://schemas.microsoft.com/office/drawing/2014/main" id="{E975265C-EBBA-493B-8792-C6C2BF7623FC}"/>
               </a:ext>
             </a:extLst>
           </p:cNvPr>
@@ -9006,7 +8950,7 @@
           <a:p>
             <a:r>
               <a:rPr lang="en-US" dirty="0"/>
-              <a:t>Claim</a:t>
+              <a:t>Tree Interpreter – Random Forest</a:t>
             </a:r>
           </a:p>
         </p:txBody>
@@ -9016,7 +8960,7 @@
           <p:cNvPr id="3" name="Content Placeholder 2">
             <a:extLst>
               <a:ext uri="{FF2B5EF4-FFF2-40B4-BE49-F238E27FC236}">
-                <a16:creationId xmlns:a16="http://schemas.microsoft.com/office/drawing/2014/main" id="{4302E0AF-1822-41CF-8773-7E8F4223197C}"/>
+                <a16:creationId xmlns:a16="http://schemas.microsoft.com/office/drawing/2014/main" id="{0F2397EF-E267-4081-99B3-2CEDCCF12E38}"/>
               </a:ext>
             </a:extLst>
           </p:cNvPr>
@@ -9032,29 +8976,14 @@
           <a:bodyPr/>
           <a:lstStyle/>
           <a:p>
-            <a:r>
-              <a:rPr lang="en-US" dirty="0"/>
-              <a:t>Machine Learning is about introducing bias into a system</a:t>
-            </a:r>
-          </a:p>
-          <a:p>
-            <a:r>
-              <a:rPr lang="en-US" dirty="0"/>
-              <a:t>Therefore bias is necessary in some cases, but some bias is “bad”</a:t>
-            </a:r>
-          </a:p>
-          <a:p>
-            <a:r>
-              <a:rPr lang="en-US" dirty="0"/>
-              <a:t>It depends on the specifics of the system</a:t>
-            </a:r>
+            <a:endParaRPr lang="en-US"/>
           </a:p>
         </p:txBody>
       </p:sp>
     </p:spTree>
     <p:extLst>
       <p:ext uri="{BB962C8B-B14F-4D97-AF65-F5344CB8AC3E}">
-        <p14:creationId xmlns:p14="http://schemas.microsoft.com/office/powerpoint/2010/main" val="1487136551"/>
+        <p14:creationId xmlns:p14="http://schemas.microsoft.com/office/powerpoint/2010/main" val="957653442"/>
       </p:ext>
     </p:extLst>
   </p:cSld>
@@ -9086,7 +9015,7 @@
           <p:cNvPr id="2" name="Title 1">
             <a:extLst>
               <a:ext uri="{FF2B5EF4-FFF2-40B4-BE49-F238E27FC236}">
-                <a16:creationId xmlns:a16="http://schemas.microsoft.com/office/drawing/2014/main" id="{C08D19DC-0E10-4E5E-9B66-0D69A261FA9C}"/>
+                <a16:creationId xmlns:a16="http://schemas.microsoft.com/office/drawing/2014/main" id="{0B59D703-64C0-4D9E-893D-98154863E432}"/>
               </a:ext>
             </a:extLst>
           </p:cNvPr>
@@ -9104,7 +9033,7 @@
           <a:p>
             <a:r>
               <a:rPr lang="en-US" dirty="0"/>
-              <a:t>Example – “Good” Bias</a:t>
+              <a:t>Tree Interpreter – Gradient Boosted Trees</a:t>
             </a:r>
           </a:p>
         </p:txBody>
@@ -9114,7 +9043,7 @@
           <p:cNvPr id="3" name="Content Placeholder 2">
             <a:extLst>
               <a:ext uri="{FF2B5EF4-FFF2-40B4-BE49-F238E27FC236}">
-                <a16:creationId xmlns:a16="http://schemas.microsoft.com/office/drawing/2014/main" id="{BB5CC0DF-AA30-4E62-843F-2A606EC57345}"/>
+                <a16:creationId xmlns:a16="http://schemas.microsoft.com/office/drawing/2014/main" id="{DA2FD585-55E6-42ED-8C17-80BF5AEC3643}"/>
               </a:ext>
             </a:extLst>
           </p:cNvPr>
@@ -9127,76 +9056,17 @@
         </p:nvSpPr>
         <p:spPr/>
         <p:txBody>
-          <a:bodyPr>
-            <a:normAutofit/>
-          </a:bodyPr>
-          <a:lstStyle/>
-          <a:p>
-            <a:r>
-              <a:rPr lang="en-US" dirty="0"/>
-              <a:t>A marketing campaign for a vitamin specifically for biological women</a:t>
-            </a:r>
-          </a:p>
-          <a:p>
-            <a:r>
-              <a:rPr lang="en-US" dirty="0"/>
-              <a:t>How the machine learning works in this case:</a:t>
-            </a:r>
-          </a:p>
-          <a:p>
-            <a:pPr lvl="1"/>
-            <a:r>
-              <a:rPr lang="en-US" dirty="0"/>
-              <a:t>Get a bunch of demographic data from social media platforms, census, search engines</a:t>
-            </a:r>
-          </a:p>
-          <a:p>
-            <a:pPr lvl="1"/>
-            <a:r>
-              <a:rPr lang="en-US" dirty="0"/>
-              <a:t>Build a model from demographic information and market research to understand who is likely to buy said product</a:t>
-            </a:r>
-          </a:p>
-          <a:p>
-            <a:pPr lvl="1"/>
-            <a:r>
-              <a:rPr lang="en-US" dirty="0"/>
-              <a:t>Target that demographic with ads so they know about the product</a:t>
-            </a:r>
-          </a:p>
-          <a:p>
-            <a:pPr lvl="1"/>
-            <a:r>
-              <a:rPr lang="en-US" dirty="0"/>
-              <a:t>Introduce coupons to likely early users of said vitamin</a:t>
-            </a:r>
-          </a:p>
-          <a:p>
-            <a:pPr lvl="1"/>
-            <a:r>
-              <a:rPr lang="en-US" dirty="0"/>
-              <a:t>Chart effectiveness of marketing over time</a:t>
-            </a:r>
-          </a:p>
-          <a:p>
-            <a:r>
-              <a:rPr lang="en-US" dirty="0"/>
-              <a:t>Conclusion: </a:t>
-            </a:r>
-          </a:p>
-          <a:p>
-            <a:pPr lvl="1"/>
-            <a:r>
-              <a:rPr lang="en-US" dirty="0"/>
-              <a:t>We want to bias our campaign based on gender.  </a:t>
-            </a:r>
+          <a:bodyPr/>
+          <a:lstStyle/>
+          <a:p>
+            <a:endParaRPr lang="en-US"/>
           </a:p>
         </p:txBody>
       </p:sp>
     </p:spTree>
     <p:extLst>
       <p:ext uri="{BB962C8B-B14F-4D97-AF65-F5344CB8AC3E}">
-        <p14:creationId xmlns:p14="http://schemas.microsoft.com/office/powerpoint/2010/main" val="3896795189"/>
+        <p14:creationId xmlns:p14="http://schemas.microsoft.com/office/powerpoint/2010/main" val="675824134"/>
       </p:ext>
     </p:extLst>
   </p:cSld>
@@ -9228,7 +9098,7 @@
           <p:cNvPr id="2" name="Title 1">
             <a:extLst>
               <a:ext uri="{FF2B5EF4-FFF2-40B4-BE49-F238E27FC236}">
-                <a16:creationId xmlns:a16="http://schemas.microsoft.com/office/drawing/2014/main" id="{2DADA576-2C36-4A13-97C6-BD5F62C4D5F4}"/>
+                <a16:creationId xmlns:a16="http://schemas.microsoft.com/office/drawing/2014/main" id="{7DB2C8F6-B27F-4D92-AD80-7A678C697E36}"/>
               </a:ext>
             </a:extLst>
           </p:cNvPr>
@@ -9246,7 +9116,7 @@
           <a:p>
             <a:r>
               <a:rPr lang="en-US" dirty="0"/>
-              <a:t>Example – “Bad” Bias</a:t>
+              <a:t>Tree Interpreter – Neural Network</a:t>
             </a:r>
           </a:p>
         </p:txBody>
@@ -9256,7 +9126,7 @@
           <p:cNvPr id="3" name="Content Placeholder 2">
             <a:extLst>
               <a:ext uri="{FF2B5EF4-FFF2-40B4-BE49-F238E27FC236}">
-                <a16:creationId xmlns:a16="http://schemas.microsoft.com/office/drawing/2014/main" id="{AFF42118-EA71-40B7-B3A1-3071FEEEB9F4}"/>
+                <a16:creationId xmlns:a16="http://schemas.microsoft.com/office/drawing/2014/main" id="{5E64731C-864D-46A4-B9BA-C9FDBB137384}"/>
               </a:ext>
             </a:extLst>
           </p:cNvPr>
@@ -9269,91 +9139,17 @@
         </p:nvSpPr>
         <p:spPr/>
         <p:txBody>
-          <a:bodyPr>
-            <a:normAutofit fontScale="85000" lnSpcReduction="20000"/>
-          </a:bodyPr>
-          <a:lstStyle/>
-          <a:p>
-            <a:r>
-              <a:rPr lang="en-US" dirty="0"/>
-              <a:t>A bank is trying to decide who gets loaned money for college and at what interest rate to loan said money</a:t>
-            </a:r>
-          </a:p>
-          <a:p>
-            <a:r>
-              <a:rPr lang="en-US" dirty="0"/>
-              <a:t>How the machine learning might work:</a:t>
-            </a:r>
-          </a:p>
-          <a:p>
-            <a:pPr lvl="1"/>
-            <a:r>
-              <a:rPr lang="en-US" dirty="0"/>
-              <a:t>Classification of who gets a loan:</a:t>
-            </a:r>
-          </a:p>
-          <a:p>
-            <a:pPr lvl="2"/>
-            <a:r>
-              <a:rPr lang="en-US" dirty="0"/>
-              <a:t>Collect information like </a:t>
-            </a:r>
-            <a:r>
-              <a:rPr lang="en-US" dirty="0" err="1"/>
-              <a:t>zipcode</a:t>
-            </a:r>
-            <a:r>
-              <a:rPr lang="en-US" dirty="0"/>
-              <a:t>, parents income, whether parents went to college, GPA, overall cost of college student is attending, is student in state, is it a private or public school, is it a 2 or 4 year school</a:t>
-            </a:r>
-          </a:p>
-          <a:p>
-            <a:pPr lvl="1"/>
-            <a:r>
-              <a:rPr lang="en-US" dirty="0"/>
-              <a:t>Regression of what interest rate to charge:</a:t>
-            </a:r>
-          </a:p>
-          <a:p>
-            <a:pPr lvl="2"/>
-            <a:r>
-              <a:rPr lang="en-US" dirty="0"/>
-              <a:t>Collect information on passed borrowers, including default rate, repayment rate per year, and overall value of the loan to the bank</a:t>
-            </a:r>
-          </a:p>
-          <a:p>
-            <a:r>
-              <a:rPr lang="en-US" dirty="0"/>
-              <a:t>Conclusion:</a:t>
-            </a:r>
-          </a:p>
-          <a:p>
-            <a:pPr lvl="1"/>
-            <a:r>
-              <a:rPr lang="en-US" dirty="0"/>
-              <a:t>Because of redlining, the overall disparity in wages, and the lack of access to college in the past people in color are much less likely to receive loans</a:t>
-            </a:r>
-          </a:p>
-          <a:p>
-            <a:pPr lvl="1"/>
-            <a:r>
-              <a:rPr lang="en-US" dirty="0"/>
-              <a:t>If they do receive loans, the interest rate is likely to be much worse</a:t>
-            </a:r>
-          </a:p>
-          <a:p>
-            <a:pPr lvl="1"/>
-            <a:r>
-              <a:rPr lang="en-US" dirty="0"/>
-              <a:t>This limits the ability for People of Color to achieve the same level of wealth.  And overall creates disadvantage based on skin color and background.</a:t>
-            </a:r>
+          <a:bodyPr/>
+          <a:lstStyle/>
+          <a:p>
+            <a:endParaRPr lang="en-US"/>
           </a:p>
         </p:txBody>
       </p:sp>
     </p:spTree>
     <p:extLst>
       <p:ext uri="{BB962C8B-B14F-4D97-AF65-F5344CB8AC3E}">
-        <p14:creationId xmlns:p14="http://schemas.microsoft.com/office/powerpoint/2010/main" val="1093675172"/>
+        <p14:creationId xmlns:p14="http://schemas.microsoft.com/office/powerpoint/2010/main" val="1716396871"/>
       </p:ext>
     </p:extLst>
   </p:cSld>
@@ -9385,7 +9181,7 @@
           <p:cNvPr id="2" name="Title 1">
             <a:extLst>
               <a:ext uri="{FF2B5EF4-FFF2-40B4-BE49-F238E27FC236}">
-                <a16:creationId xmlns:a16="http://schemas.microsoft.com/office/drawing/2014/main" id="{E1E63240-3818-46FE-8B7F-3A24B070E3CF}"/>
+                <a16:creationId xmlns:a16="http://schemas.microsoft.com/office/drawing/2014/main" id="{55B20770-AF71-4338-A267-F640790BB137}"/>
               </a:ext>
             </a:extLst>
           </p:cNvPr>
@@ -9403,7 +9199,7 @@
           <a:p>
             <a:r>
               <a:rPr lang="en-US" dirty="0"/>
-              <a:t>A Thesis</a:t>
+              <a:t>LIME</a:t>
             </a:r>
           </a:p>
         </p:txBody>
@@ -9413,7 +9209,7 @@
           <p:cNvPr id="3" name="Content Placeholder 2">
             <a:extLst>
               <a:ext uri="{FF2B5EF4-FFF2-40B4-BE49-F238E27FC236}">
-                <a16:creationId xmlns:a16="http://schemas.microsoft.com/office/drawing/2014/main" id="{6DEDA7FC-1C11-4E83-84F8-964D890FB24C}"/>
+                <a16:creationId xmlns:a16="http://schemas.microsoft.com/office/drawing/2014/main" id="{605032D9-0994-41FE-ADC8-7BEEE6D0A994}"/>
               </a:ext>
             </a:extLst>
           </p:cNvPr>
@@ -9426,84 +9222,46 @@
         </p:nvSpPr>
         <p:spPr/>
         <p:txBody>
-          <a:bodyPr>
-            <a:normAutofit fontScale="85000" lnSpcReduction="20000"/>
-          </a:bodyPr>
-          <a:lstStyle/>
-          <a:p>
-            <a:r>
-              <a:rPr lang="en-US" dirty="0"/>
-              <a:t>Code is Policy</a:t>
-            </a:r>
-          </a:p>
-          <a:p>
-            <a:pPr lvl="1"/>
-            <a:r>
-              <a:rPr lang="en-US" dirty="0"/>
-              <a:t>When we (as data scientists) implement a statistical solution that automates some form of decision or helps a human make a choice, we are doing policy work.</a:t>
-            </a:r>
-          </a:p>
-          <a:p>
-            <a:pPr lvl="1"/>
-            <a:r>
-              <a:rPr lang="en-US" dirty="0"/>
-              <a:t>We are setting thought processes and patterns for billions of people</a:t>
-            </a:r>
-          </a:p>
-          <a:p>
-            <a:pPr lvl="1"/>
-            <a:r>
-              <a:rPr lang="en-US" dirty="0"/>
-              <a:t>When our data set bias “bad” bias, be that racism or sexism, then we are writing that policy into our algorithms</a:t>
-            </a:r>
-          </a:p>
-          <a:p>
-            <a:pPr lvl="1"/>
-            <a:r>
-              <a:rPr lang="en-US" dirty="0"/>
-              <a:t>The true danger is, these algorithms, if left uninterpreted will allow the “bad” bias to propagate in unforeseen and potentially dangerous ways.</a:t>
-            </a:r>
-          </a:p>
-          <a:p>
-            <a:r>
-              <a:rPr lang="en-US" dirty="0"/>
-              <a:t>Checks on Algorithmic Bias Are An Imperative</a:t>
-            </a:r>
-          </a:p>
-          <a:p>
-            <a:pPr lvl="1"/>
-            <a:r>
-              <a:rPr lang="en-US" dirty="0"/>
-              <a:t>If we treat interpretability and statistical techniques that uncover “bad” bias as policy mechanisms these things aren’t new at all.</a:t>
-            </a:r>
-          </a:p>
-          <a:p>
-            <a:pPr lvl="1"/>
-            <a:r>
-              <a:rPr lang="en-US" dirty="0"/>
-              <a:t>We’ve struck down racist laws and practices since the beginning of our democracy</a:t>
-            </a:r>
-          </a:p>
-          <a:p>
-            <a:pPr lvl="1"/>
-            <a:r>
-              <a:rPr lang="en-US" dirty="0"/>
-              <a:t>By treating checks on algorithmic bias in the same guise as any other policy check, such as affirmative action, algorithmic bias is merely a way of decoding automation, when it matters</a:t>
-            </a:r>
-          </a:p>
-          <a:p>
-            <a:pPr lvl="1"/>
-            <a:r>
-              <a:rPr lang="en-US" dirty="0"/>
-              <a:t>And taking companies to task when they fail to be fair and unbiased to all</a:t>
-            </a:r>
+          <a:bodyPr/>
+          <a:lstStyle/>
+          <a:p>
+            <a:r>
+              <a:rPr lang="en-US" dirty="0"/>
+              <a:t>https://www.oreilly.com/learning/introduction-to-local-interpretable-model-agnostic-explanations-lime</a:t>
+            </a:r>
+          </a:p>
+          <a:p>
+            <a:r>
+              <a:rPr lang="en-US" dirty="0"/>
+              <a:t>Classification: </a:t>
+            </a:r>
+            <a:r>
+              <a:rPr lang="en-US" dirty="0">
+                <a:hlinkClick r:id="rId2"/>
+              </a:rPr>
+              <a:t>https://marcotcr.github.io/lime/tutorials/Tutorial%20-%20continuous%20and%20categorical%20features.html</a:t>
+            </a:r>
+            <a:endParaRPr lang="en-US" dirty="0"/>
+          </a:p>
+          <a:p>
+            <a:r>
+              <a:rPr lang="en-US" dirty="0"/>
+              <a:t>Regression: </a:t>
+            </a:r>
+            <a:r>
+              <a:rPr lang="en-US" dirty="0">
+                <a:hlinkClick r:id="rId3"/>
+              </a:rPr>
+              <a:t>https://marcotcr.github.io/lime/tutorials/Using%2Blime%2Bfor%2Bregression.html</a:t>
+            </a:r>
+            <a:endParaRPr lang="en-US" dirty="0"/>
           </a:p>
         </p:txBody>
       </p:sp>
     </p:spTree>
     <p:extLst>
       <p:ext uri="{BB962C8B-B14F-4D97-AF65-F5344CB8AC3E}">
-        <p14:creationId xmlns:p14="http://schemas.microsoft.com/office/powerpoint/2010/main" val="1678398893"/>
+        <p14:creationId xmlns:p14="http://schemas.microsoft.com/office/powerpoint/2010/main" val="3454269299"/>
       </p:ext>
     </p:extLst>
   </p:cSld>
@@ -9535,7 +9293,7 @@
           <p:cNvPr id="2" name="Title 1">
             <a:extLst>
               <a:ext uri="{FF2B5EF4-FFF2-40B4-BE49-F238E27FC236}">
-                <a16:creationId xmlns:a16="http://schemas.microsoft.com/office/drawing/2014/main" id="{D106C52D-D05D-43C8-8208-74BE7DE83B3A}"/>
+                <a16:creationId xmlns:a16="http://schemas.microsoft.com/office/drawing/2014/main" id="{1A06F391-3023-44B8-A3BB-C88590DEA987}"/>
               </a:ext>
             </a:extLst>
           </p:cNvPr>
@@ -9546,14 +9304,19 @@
             <p:ph type="title"/>
           </p:nvPr>
         </p:nvSpPr>
-        <p:spPr/>
-        <p:txBody>
-          <a:bodyPr/>
-          <a:lstStyle/>
-          <a:p>
-            <a:r>
-              <a:rPr lang="en-US" dirty="0"/>
-              <a:t>Data Set</a:t>
+        <p:spPr>
+          <a:xfrm>
+            <a:off x="801288" y="513977"/>
+            <a:ext cx="10571998" cy="970450"/>
+          </a:xfrm>
+        </p:spPr>
+        <p:txBody>
+          <a:bodyPr/>
+          <a:lstStyle/>
+          <a:p>
+            <a:r>
+              <a:rPr lang="en-US" dirty="0"/>
+              <a:t>LIME – Random Forests</a:t>
             </a:r>
           </a:p>
         </p:txBody>
@@ -9563,7 +9326,7 @@
           <p:cNvPr id="3" name="Content Placeholder 2">
             <a:extLst>
               <a:ext uri="{FF2B5EF4-FFF2-40B4-BE49-F238E27FC236}">
-                <a16:creationId xmlns:a16="http://schemas.microsoft.com/office/drawing/2014/main" id="{82616642-4B4C-4BF4-BA88-95A3B49769E9}"/>
+                <a16:creationId xmlns:a16="http://schemas.microsoft.com/office/drawing/2014/main" id="{437E5BD0-D278-4E83-B6E5-004A0C9D8CF5}"/>
               </a:ext>
             </a:extLst>
           </p:cNvPr>
@@ -9579,57 +9342,374 @@
           <a:bodyPr/>
           <a:lstStyle/>
           <a:p>
-            <a:r>
-              <a:rPr lang="en-US" dirty="0"/>
-              <a:t>Loan data - </a:t>
-            </a:r>
+            <a:endParaRPr lang="en-US"/>
+          </a:p>
+        </p:txBody>
+      </p:sp>
+    </p:spTree>
+    <p:extLst>
+      <p:ext uri="{BB962C8B-B14F-4D97-AF65-F5344CB8AC3E}">
+        <p14:creationId xmlns:p14="http://schemas.microsoft.com/office/powerpoint/2010/main" val="4032091881"/>
+      </p:ext>
+    </p:extLst>
+  </p:cSld>
+  <p:clrMapOvr>
+    <a:masterClrMapping/>
+  </p:clrMapOvr>
+</p:sld>
+</file>
+
+<file path=ppt/slides/slide46.xml><?xml version="1.0" encoding="utf-8"?>
+<p:sld xmlns:a="http://schemas.openxmlformats.org/drawingml/2006/main" xmlns:r="http://schemas.openxmlformats.org/officeDocument/2006/relationships" xmlns:p="http://schemas.openxmlformats.org/presentationml/2006/main">
+  <p:cSld>
+    <p:spTree>
+      <p:nvGrpSpPr>
+        <p:cNvPr id="1" name=""/>
+        <p:cNvGrpSpPr/>
+        <p:nvPr/>
+      </p:nvGrpSpPr>
+      <p:grpSpPr>
+        <a:xfrm>
+          <a:off x="0" y="0"/>
+          <a:ext cx="0" cy="0"/>
+          <a:chOff x="0" y="0"/>
+          <a:chExt cx="0" cy="0"/>
+        </a:xfrm>
+      </p:grpSpPr>
+      <p:sp>
+        <p:nvSpPr>
+          <p:cNvPr id="2" name="Title 1">
+            <a:extLst>
+              <a:ext uri="{FF2B5EF4-FFF2-40B4-BE49-F238E27FC236}">
+                <a16:creationId xmlns:a16="http://schemas.microsoft.com/office/drawing/2014/main" id="{F8FCE436-B3DD-4287-894F-47ABF2DF0EC8}"/>
+              </a:ext>
+            </a:extLst>
+          </p:cNvPr>
+          <p:cNvSpPr>
+            <a:spLocks noGrp="1"/>
+          </p:cNvSpPr>
+          <p:nvPr>
+            <p:ph type="title"/>
+          </p:nvPr>
+        </p:nvSpPr>
+        <p:spPr/>
+        <p:txBody>
+          <a:bodyPr/>
+          <a:lstStyle/>
+          <a:p>
+            <a:r>
+              <a:rPr lang="en-US" dirty="0"/>
+              <a:t>LIME – Gradient Boosted Trees</a:t>
+            </a:r>
+          </a:p>
+        </p:txBody>
+      </p:sp>
+      <p:sp>
+        <p:nvSpPr>
+          <p:cNvPr id="3" name="Content Placeholder 2">
+            <a:extLst>
+              <a:ext uri="{FF2B5EF4-FFF2-40B4-BE49-F238E27FC236}">
+                <a16:creationId xmlns:a16="http://schemas.microsoft.com/office/drawing/2014/main" id="{29976226-C0F7-474C-B49C-468E1D06910B}"/>
+              </a:ext>
+            </a:extLst>
+          </p:cNvPr>
+          <p:cNvSpPr>
+            <a:spLocks noGrp="1"/>
+          </p:cNvSpPr>
+          <p:nvPr>
+            <p:ph idx="1"/>
+          </p:nvPr>
+        </p:nvSpPr>
+        <p:spPr/>
+        <p:txBody>
+          <a:bodyPr/>
+          <a:lstStyle/>
+          <a:p>
+            <a:endParaRPr lang="en-US"/>
+          </a:p>
+        </p:txBody>
+      </p:sp>
+    </p:spTree>
+    <p:extLst>
+      <p:ext uri="{BB962C8B-B14F-4D97-AF65-F5344CB8AC3E}">
+        <p14:creationId xmlns:p14="http://schemas.microsoft.com/office/powerpoint/2010/main" val="1413890860"/>
+      </p:ext>
+    </p:extLst>
+  </p:cSld>
+  <p:clrMapOvr>
+    <a:masterClrMapping/>
+  </p:clrMapOvr>
+</p:sld>
+</file>
+
+<file path=ppt/slides/slide47.xml><?xml version="1.0" encoding="utf-8"?>
+<p:sld xmlns:a="http://schemas.openxmlformats.org/drawingml/2006/main" xmlns:r="http://schemas.openxmlformats.org/officeDocument/2006/relationships" xmlns:p="http://schemas.openxmlformats.org/presentationml/2006/main">
+  <p:cSld>
+    <p:spTree>
+      <p:nvGrpSpPr>
+        <p:cNvPr id="1" name=""/>
+        <p:cNvGrpSpPr/>
+        <p:nvPr/>
+      </p:nvGrpSpPr>
+      <p:grpSpPr>
+        <a:xfrm>
+          <a:off x="0" y="0"/>
+          <a:ext cx="0" cy="0"/>
+          <a:chOff x="0" y="0"/>
+          <a:chExt cx="0" cy="0"/>
+        </a:xfrm>
+      </p:grpSpPr>
+      <p:sp>
+        <p:nvSpPr>
+          <p:cNvPr id="2" name="Title 1">
+            <a:extLst>
+              <a:ext uri="{FF2B5EF4-FFF2-40B4-BE49-F238E27FC236}">
+                <a16:creationId xmlns:a16="http://schemas.microsoft.com/office/drawing/2014/main" id="{A90D9468-DDDE-4D1E-A4B4-DB3E7826E433}"/>
+              </a:ext>
+            </a:extLst>
+          </p:cNvPr>
+          <p:cNvSpPr>
+            <a:spLocks noGrp="1"/>
+          </p:cNvSpPr>
+          <p:nvPr>
+            <p:ph type="title"/>
+          </p:nvPr>
+        </p:nvSpPr>
+        <p:spPr/>
+        <p:txBody>
+          <a:bodyPr/>
+          <a:lstStyle/>
+          <a:p>
+            <a:r>
+              <a:rPr lang="en-US" dirty="0"/>
+              <a:t>LIME – Neural Networks</a:t>
+            </a:r>
+          </a:p>
+        </p:txBody>
+      </p:sp>
+      <p:sp>
+        <p:nvSpPr>
+          <p:cNvPr id="3" name="Content Placeholder 2">
+            <a:extLst>
+              <a:ext uri="{FF2B5EF4-FFF2-40B4-BE49-F238E27FC236}">
+                <a16:creationId xmlns:a16="http://schemas.microsoft.com/office/drawing/2014/main" id="{8406B2FD-F655-4016-9CE7-1BB62289045D}"/>
+              </a:ext>
+            </a:extLst>
+          </p:cNvPr>
+          <p:cNvSpPr>
+            <a:spLocks noGrp="1"/>
+          </p:cNvSpPr>
+          <p:nvPr>
+            <p:ph idx="1"/>
+          </p:nvPr>
+        </p:nvSpPr>
+        <p:spPr/>
+        <p:txBody>
+          <a:bodyPr/>
+          <a:lstStyle/>
+          <a:p>
+            <a:endParaRPr lang="en-US"/>
+          </a:p>
+        </p:txBody>
+      </p:sp>
+    </p:spTree>
+    <p:extLst>
+      <p:ext uri="{BB962C8B-B14F-4D97-AF65-F5344CB8AC3E}">
+        <p14:creationId xmlns:p14="http://schemas.microsoft.com/office/powerpoint/2010/main" val="1642847425"/>
+      </p:ext>
+    </p:extLst>
+  </p:cSld>
+  <p:clrMapOvr>
+    <a:masterClrMapping/>
+  </p:clrMapOvr>
+</p:sld>
+</file>
+
+<file path=ppt/slides/slide48.xml><?xml version="1.0" encoding="utf-8"?>
+<p:sld xmlns:a="http://schemas.openxmlformats.org/drawingml/2006/main" xmlns:r="http://schemas.openxmlformats.org/officeDocument/2006/relationships" xmlns:p="http://schemas.openxmlformats.org/presentationml/2006/main">
+  <p:cSld>
+    <p:spTree>
+      <p:nvGrpSpPr>
+        <p:cNvPr id="1" name=""/>
+        <p:cNvGrpSpPr/>
+        <p:nvPr/>
+      </p:nvGrpSpPr>
+      <p:grpSpPr>
+        <a:xfrm>
+          <a:off x="0" y="0"/>
+          <a:ext cx="0" cy="0"/>
+          <a:chOff x="0" y="0"/>
+          <a:chExt cx="0" cy="0"/>
+        </a:xfrm>
+      </p:grpSpPr>
+      <p:sp>
+        <p:nvSpPr>
+          <p:cNvPr id="2" name="Title 1">
+            <a:extLst>
+              <a:ext uri="{FF2B5EF4-FFF2-40B4-BE49-F238E27FC236}">
+                <a16:creationId xmlns:a16="http://schemas.microsoft.com/office/drawing/2014/main" id="{4BB25B35-7D3E-49EF-8CCF-A7C8FD99EEB3}"/>
+              </a:ext>
+            </a:extLst>
+          </p:cNvPr>
+          <p:cNvSpPr>
+            <a:spLocks noGrp="1"/>
+          </p:cNvSpPr>
+          <p:nvPr>
+            <p:ph type="title"/>
+          </p:nvPr>
+        </p:nvSpPr>
+        <p:spPr/>
+        <p:txBody>
+          <a:bodyPr/>
+          <a:lstStyle/>
+          <a:p>
+            <a:r>
+              <a:rPr lang="en-US" dirty="0" err="1"/>
+              <a:t>Shap</a:t>
+            </a:r>
+            <a:endParaRPr lang="en-US" dirty="0"/>
+          </a:p>
+        </p:txBody>
+      </p:sp>
+      <p:sp>
+        <p:nvSpPr>
+          <p:cNvPr id="3" name="Content Placeholder 2">
+            <a:extLst>
+              <a:ext uri="{FF2B5EF4-FFF2-40B4-BE49-F238E27FC236}">
+                <a16:creationId xmlns:a16="http://schemas.microsoft.com/office/drawing/2014/main" id="{937F4A35-EC79-4F1C-955C-38C883452BE4}"/>
+              </a:ext>
+            </a:extLst>
+          </p:cNvPr>
+          <p:cNvSpPr>
+            <a:spLocks noGrp="1"/>
+          </p:cNvSpPr>
+          <p:nvPr>
+            <p:ph idx="1"/>
+          </p:nvPr>
+        </p:nvSpPr>
+        <p:spPr/>
+        <p:txBody>
+          <a:bodyPr/>
+          <a:lstStyle/>
+          <a:p>
             <a:r>
               <a:rPr lang="en-US" dirty="0">
                 <a:hlinkClick r:id="rId2"/>
               </a:rPr>
-              <a:t>https://www.kaggle.com/zhijinzhai/loandata</a:t>
-            </a:r>
-            <a:endParaRPr lang="en-US" dirty="0"/>
-          </a:p>
-          <a:p>
-            <a:pPr lvl="1"/>
-            <a:r>
-              <a:rPr lang="en-US" dirty="0"/>
-              <a:t>Because loan data was missing crucial columns, some of the data is simulated to show how one *might* do the analysis.</a:t>
-            </a:r>
-          </a:p>
-          <a:p>
-            <a:r>
-              <a:rPr lang="en-US" dirty="0"/>
-              <a:t>College Acceptance Data - </a:t>
-            </a:r>
-            <a:r>
-              <a:rPr lang="en-US" dirty="0">
-                <a:hlinkClick r:id="rId3"/>
-              </a:rPr>
-              <a:t>https://collegescorecard.ed.gov/data/documentation/</a:t>
-            </a:r>
-            <a:endParaRPr lang="en-US" dirty="0"/>
-          </a:p>
-          <a:p>
-            <a:r>
-              <a:rPr lang="en-US" dirty="0"/>
-              <a:t>Police Data - </a:t>
-            </a:r>
-            <a:r>
-              <a:rPr lang="en-US" dirty="0">
-                <a:hlinkClick r:id="rId4"/>
-              </a:rPr>
-              <a:t>https://www.policedatainitiative.org/datasets/</a:t>
-            </a:r>
-            <a:endParaRPr lang="en-US" dirty="0"/>
+              <a:t>https://medium.com/@gabrieltseng/interpreting-complex-models-with-shap-values-1c187db6ec83</a:t>
+            </a:r>
+            <a:r>
+              <a:rPr lang="en-US" dirty="0"/>
+              <a:t> - </a:t>
+            </a:r>
+            <a:r>
+              <a:rPr lang="en-US" dirty="0" err="1"/>
+              <a:t>shapley</a:t>
+            </a:r>
+            <a:r>
+              <a:rPr lang="en-US" dirty="0"/>
+              <a:t> scores explained</a:t>
+            </a:r>
+          </a:p>
+          <a:p>
+            <a:r>
+              <a:rPr lang="en-US" dirty="0"/>
+              <a:t>https://github.com/slundberg/shap</a:t>
+            </a:r>
           </a:p>
         </p:txBody>
       </p:sp>
     </p:spTree>
     <p:extLst>
       <p:ext uri="{BB962C8B-B14F-4D97-AF65-F5344CB8AC3E}">
-        <p14:creationId xmlns:p14="http://schemas.microsoft.com/office/powerpoint/2010/main" val="4070695895"/>
+        <p14:creationId xmlns:p14="http://schemas.microsoft.com/office/powerpoint/2010/main" val="4080665717"/>
+      </p:ext>
+    </p:extLst>
+  </p:cSld>
+  <p:clrMapOvr>
+    <a:masterClrMapping/>
+  </p:clrMapOvr>
+</p:sld>
+</file>
+
+<file path=ppt/slides/slide49.xml><?xml version="1.0" encoding="utf-8"?>
+<p:sld xmlns:a="http://schemas.openxmlformats.org/drawingml/2006/main" xmlns:r="http://schemas.openxmlformats.org/officeDocument/2006/relationships" xmlns:p="http://schemas.openxmlformats.org/presentationml/2006/main">
+  <p:cSld>
+    <p:spTree>
+      <p:nvGrpSpPr>
+        <p:cNvPr id="1" name=""/>
+        <p:cNvGrpSpPr/>
+        <p:nvPr/>
+      </p:nvGrpSpPr>
+      <p:grpSpPr>
+        <a:xfrm>
+          <a:off x="0" y="0"/>
+          <a:ext cx="0" cy="0"/>
+          <a:chOff x="0" y="0"/>
+          <a:chExt cx="0" cy="0"/>
+        </a:xfrm>
+      </p:grpSpPr>
+      <p:sp>
+        <p:nvSpPr>
+          <p:cNvPr id="2" name="Title 1">
+            <a:extLst>
+              <a:ext uri="{FF2B5EF4-FFF2-40B4-BE49-F238E27FC236}">
+                <a16:creationId xmlns:a16="http://schemas.microsoft.com/office/drawing/2014/main" id="{06104541-98EC-42B9-9BB3-5EB4273C7922}"/>
+              </a:ext>
+            </a:extLst>
+          </p:cNvPr>
+          <p:cNvSpPr>
+            <a:spLocks noGrp="1"/>
+          </p:cNvSpPr>
+          <p:nvPr>
+            <p:ph type="title"/>
+          </p:nvPr>
+        </p:nvSpPr>
+        <p:spPr/>
+        <p:txBody>
+          <a:bodyPr/>
+          <a:lstStyle/>
+          <a:p>
+            <a:r>
+              <a:rPr lang="en-US" dirty="0" err="1"/>
+              <a:t>Shap</a:t>
+            </a:r>
+            <a:r>
+              <a:rPr lang="en-US" dirty="0"/>
+              <a:t> – Random Forests</a:t>
+            </a:r>
+          </a:p>
+        </p:txBody>
+      </p:sp>
+      <p:sp>
+        <p:nvSpPr>
+          <p:cNvPr id="3" name="Content Placeholder 2">
+            <a:extLst>
+              <a:ext uri="{FF2B5EF4-FFF2-40B4-BE49-F238E27FC236}">
+                <a16:creationId xmlns:a16="http://schemas.microsoft.com/office/drawing/2014/main" id="{02AAA0AD-1402-41F3-8CA7-385FA4D482D3}"/>
+              </a:ext>
+            </a:extLst>
+          </p:cNvPr>
+          <p:cNvSpPr>
+            <a:spLocks noGrp="1"/>
+          </p:cNvSpPr>
+          <p:nvPr>
+            <p:ph idx="1"/>
+          </p:nvPr>
+        </p:nvSpPr>
+        <p:spPr/>
+        <p:txBody>
+          <a:bodyPr/>
+          <a:lstStyle/>
+          <a:p>
+            <a:endParaRPr lang="en-US"/>
+          </a:p>
+        </p:txBody>
+      </p:sp>
+    </p:spTree>
+    <p:extLst>
+      <p:ext uri="{BB962C8B-B14F-4D97-AF65-F5344CB8AC3E}">
+        <p14:creationId xmlns:p14="http://schemas.microsoft.com/office/powerpoint/2010/main" val="3318288909"/>
       </p:ext>
     </p:extLst>
   </p:cSld>
@@ -9726,6 +9806,1049 @@
 </p:sld>
 </file>
 
+<file path=ppt/slides/slide50.xml><?xml version="1.0" encoding="utf-8"?>
+<p:sld xmlns:a="http://schemas.openxmlformats.org/drawingml/2006/main" xmlns:r="http://schemas.openxmlformats.org/officeDocument/2006/relationships" xmlns:p="http://schemas.openxmlformats.org/presentationml/2006/main">
+  <p:cSld>
+    <p:spTree>
+      <p:nvGrpSpPr>
+        <p:cNvPr id="1" name=""/>
+        <p:cNvGrpSpPr/>
+        <p:nvPr/>
+      </p:nvGrpSpPr>
+      <p:grpSpPr>
+        <a:xfrm>
+          <a:off x="0" y="0"/>
+          <a:ext cx="0" cy="0"/>
+          <a:chOff x="0" y="0"/>
+          <a:chExt cx="0" cy="0"/>
+        </a:xfrm>
+      </p:grpSpPr>
+      <p:sp>
+        <p:nvSpPr>
+          <p:cNvPr id="2" name="Title 1">
+            <a:extLst>
+              <a:ext uri="{FF2B5EF4-FFF2-40B4-BE49-F238E27FC236}">
+                <a16:creationId xmlns:a16="http://schemas.microsoft.com/office/drawing/2014/main" id="{73AC2C7B-3943-4CEA-9615-404CC5B860B0}"/>
+              </a:ext>
+            </a:extLst>
+          </p:cNvPr>
+          <p:cNvSpPr>
+            <a:spLocks noGrp="1"/>
+          </p:cNvSpPr>
+          <p:nvPr>
+            <p:ph type="title"/>
+          </p:nvPr>
+        </p:nvSpPr>
+        <p:spPr/>
+        <p:txBody>
+          <a:bodyPr/>
+          <a:lstStyle/>
+          <a:p>
+            <a:r>
+              <a:rPr lang="en-US" dirty="0" err="1"/>
+              <a:t>Shap</a:t>
+            </a:r>
+            <a:r>
+              <a:rPr lang="en-US" dirty="0"/>
+              <a:t> – Gradient Boosted Trees</a:t>
+            </a:r>
+          </a:p>
+        </p:txBody>
+      </p:sp>
+      <p:sp>
+        <p:nvSpPr>
+          <p:cNvPr id="3" name="Content Placeholder 2">
+            <a:extLst>
+              <a:ext uri="{FF2B5EF4-FFF2-40B4-BE49-F238E27FC236}">
+                <a16:creationId xmlns:a16="http://schemas.microsoft.com/office/drawing/2014/main" id="{5598C874-388C-4C3C-A442-7A7FDCD73B31}"/>
+              </a:ext>
+            </a:extLst>
+          </p:cNvPr>
+          <p:cNvSpPr>
+            <a:spLocks noGrp="1"/>
+          </p:cNvSpPr>
+          <p:nvPr>
+            <p:ph idx="1"/>
+          </p:nvPr>
+        </p:nvSpPr>
+        <p:spPr/>
+        <p:txBody>
+          <a:bodyPr/>
+          <a:lstStyle/>
+          <a:p>
+            <a:endParaRPr lang="en-US"/>
+          </a:p>
+        </p:txBody>
+      </p:sp>
+    </p:spTree>
+    <p:extLst>
+      <p:ext uri="{BB962C8B-B14F-4D97-AF65-F5344CB8AC3E}">
+        <p14:creationId xmlns:p14="http://schemas.microsoft.com/office/powerpoint/2010/main" val="3641481844"/>
+      </p:ext>
+    </p:extLst>
+  </p:cSld>
+  <p:clrMapOvr>
+    <a:masterClrMapping/>
+  </p:clrMapOvr>
+</p:sld>
+</file>
+
+<file path=ppt/slides/slide51.xml><?xml version="1.0" encoding="utf-8"?>
+<p:sld xmlns:a="http://schemas.openxmlformats.org/drawingml/2006/main" xmlns:r="http://schemas.openxmlformats.org/officeDocument/2006/relationships" xmlns:p="http://schemas.openxmlformats.org/presentationml/2006/main">
+  <p:cSld>
+    <p:spTree>
+      <p:nvGrpSpPr>
+        <p:cNvPr id="1" name=""/>
+        <p:cNvGrpSpPr/>
+        <p:nvPr/>
+      </p:nvGrpSpPr>
+      <p:grpSpPr>
+        <a:xfrm>
+          <a:off x="0" y="0"/>
+          <a:ext cx="0" cy="0"/>
+          <a:chOff x="0" y="0"/>
+          <a:chExt cx="0" cy="0"/>
+        </a:xfrm>
+      </p:grpSpPr>
+      <p:sp>
+        <p:nvSpPr>
+          <p:cNvPr id="2" name="Title 1">
+            <a:extLst>
+              <a:ext uri="{FF2B5EF4-FFF2-40B4-BE49-F238E27FC236}">
+                <a16:creationId xmlns:a16="http://schemas.microsoft.com/office/drawing/2014/main" id="{EED4ABA2-F167-4779-BBFC-B3C27FAFA2E6}"/>
+              </a:ext>
+            </a:extLst>
+          </p:cNvPr>
+          <p:cNvSpPr>
+            <a:spLocks noGrp="1"/>
+          </p:cNvSpPr>
+          <p:nvPr>
+            <p:ph type="title"/>
+          </p:nvPr>
+        </p:nvSpPr>
+        <p:spPr/>
+        <p:txBody>
+          <a:bodyPr/>
+          <a:lstStyle/>
+          <a:p>
+            <a:r>
+              <a:rPr lang="en-US" dirty="0" err="1"/>
+              <a:t>Shap</a:t>
+            </a:r>
+            <a:r>
+              <a:rPr lang="en-US" dirty="0"/>
+              <a:t> – Neural Networks</a:t>
+            </a:r>
+          </a:p>
+        </p:txBody>
+      </p:sp>
+      <p:sp>
+        <p:nvSpPr>
+          <p:cNvPr id="3" name="Content Placeholder 2">
+            <a:extLst>
+              <a:ext uri="{FF2B5EF4-FFF2-40B4-BE49-F238E27FC236}">
+                <a16:creationId xmlns:a16="http://schemas.microsoft.com/office/drawing/2014/main" id="{F8A9905C-E29C-4EF8-A838-AA9E60FC9F1E}"/>
+              </a:ext>
+            </a:extLst>
+          </p:cNvPr>
+          <p:cNvSpPr>
+            <a:spLocks noGrp="1"/>
+          </p:cNvSpPr>
+          <p:nvPr>
+            <p:ph idx="1"/>
+          </p:nvPr>
+        </p:nvSpPr>
+        <p:spPr/>
+        <p:txBody>
+          <a:bodyPr/>
+          <a:lstStyle/>
+          <a:p>
+            <a:endParaRPr lang="en-US"/>
+          </a:p>
+        </p:txBody>
+      </p:sp>
+    </p:spTree>
+    <p:extLst>
+      <p:ext uri="{BB962C8B-B14F-4D97-AF65-F5344CB8AC3E}">
+        <p14:creationId xmlns:p14="http://schemas.microsoft.com/office/powerpoint/2010/main" val="799629839"/>
+      </p:ext>
+    </p:extLst>
+  </p:cSld>
+  <p:clrMapOvr>
+    <a:masterClrMapping/>
+  </p:clrMapOvr>
+</p:sld>
+</file>
+
+<file path=ppt/slides/slide52.xml><?xml version="1.0" encoding="utf-8"?>
+<p:sld xmlns:a="http://schemas.openxmlformats.org/drawingml/2006/main" xmlns:r="http://schemas.openxmlformats.org/officeDocument/2006/relationships" xmlns:p="http://schemas.openxmlformats.org/presentationml/2006/main">
+  <p:cSld>
+    <p:spTree>
+      <p:nvGrpSpPr>
+        <p:cNvPr id="1" name=""/>
+        <p:cNvGrpSpPr/>
+        <p:nvPr/>
+      </p:nvGrpSpPr>
+      <p:grpSpPr>
+        <a:xfrm>
+          <a:off x="0" y="0"/>
+          <a:ext cx="0" cy="0"/>
+          <a:chOff x="0" y="0"/>
+          <a:chExt cx="0" cy="0"/>
+        </a:xfrm>
+      </p:grpSpPr>
+      <p:sp>
+        <p:nvSpPr>
+          <p:cNvPr id="2" name="Title 1">
+            <a:extLst>
+              <a:ext uri="{FF2B5EF4-FFF2-40B4-BE49-F238E27FC236}">
+                <a16:creationId xmlns:a16="http://schemas.microsoft.com/office/drawing/2014/main" id="{2AE0FCDC-A53C-4A3B-95DF-E4D73770D464}"/>
+              </a:ext>
+            </a:extLst>
+          </p:cNvPr>
+          <p:cNvSpPr>
+            <a:spLocks noGrp="1"/>
+          </p:cNvSpPr>
+          <p:nvPr>
+            <p:ph type="title"/>
+          </p:nvPr>
+        </p:nvSpPr>
+        <p:spPr/>
+        <p:txBody>
+          <a:bodyPr/>
+          <a:lstStyle/>
+          <a:p>
+            <a:r>
+              <a:rPr lang="en-US" dirty="0"/>
+              <a:t>Claim</a:t>
+            </a:r>
+          </a:p>
+        </p:txBody>
+      </p:sp>
+      <p:sp>
+        <p:nvSpPr>
+          <p:cNvPr id="3" name="Content Placeholder 2">
+            <a:extLst>
+              <a:ext uri="{FF2B5EF4-FFF2-40B4-BE49-F238E27FC236}">
+                <a16:creationId xmlns:a16="http://schemas.microsoft.com/office/drawing/2014/main" id="{4302E0AF-1822-41CF-8773-7E8F4223197C}"/>
+              </a:ext>
+            </a:extLst>
+          </p:cNvPr>
+          <p:cNvSpPr>
+            <a:spLocks noGrp="1"/>
+          </p:cNvSpPr>
+          <p:nvPr>
+            <p:ph idx="1"/>
+          </p:nvPr>
+        </p:nvSpPr>
+        <p:spPr/>
+        <p:txBody>
+          <a:bodyPr/>
+          <a:lstStyle/>
+          <a:p>
+            <a:r>
+              <a:rPr lang="en-US" dirty="0"/>
+              <a:t>Machine Learning is about introducing bias into a system</a:t>
+            </a:r>
+          </a:p>
+          <a:p>
+            <a:r>
+              <a:rPr lang="en-US" dirty="0"/>
+              <a:t>Therefore bias is necessary in some cases, but some bias is “bad”</a:t>
+            </a:r>
+          </a:p>
+          <a:p>
+            <a:r>
+              <a:rPr lang="en-US" dirty="0"/>
+              <a:t>It depends on the specifics of the system</a:t>
+            </a:r>
+          </a:p>
+        </p:txBody>
+      </p:sp>
+    </p:spTree>
+    <p:extLst>
+      <p:ext uri="{BB962C8B-B14F-4D97-AF65-F5344CB8AC3E}">
+        <p14:creationId xmlns:p14="http://schemas.microsoft.com/office/powerpoint/2010/main" val="1487136551"/>
+      </p:ext>
+    </p:extLst>
+  </p:cSld>
+  <p:clrMapOvr>
+    <a:masterClrMapping/>
+  </p:clrMapOvr>
+</p:sld>
+</file>
+
+<file path=ppt/slides/slide53.xml><?xml version="1.0" encoding="utf-8"?>
+<p:sld xmlns:a="http://schemas.openxmlformats.org/drawingml/2006/main" xmlns:r="http://schemas.openxmlformats.org/officeDocument/2006/relationships" xmlns:p="http://schemas.openxmlformats.org/presentationml/2006/main">
+  <p:cSld>
+    <p:spTree>
+      <p:nvGrpSpPr>
+        <p:cNvPr id="1" name=""/>
+        <p:cNvGrpSpPr/>
+        <p:nvPr/>
+      </p:nvGrpSpPr>
+      <p:grpSpPr>
+        <a:xfrm>
+          <a:off x="0" y="0"/>
+          <a:ext cx="0" cy="0"/>
+          <a:chOff x="0" y="0"/>
+          <a:chExt cx="0" cy="0"/>
+        </a:xfrm>
+      </p:grpSpPr>
+      <p:sp>
+        <p:nvSpPr>
+          <p:cNvPr id="2" name="Title 1">
+            <a:extLst>
+              <a:ext uri="{FF2B5EF4-FFF2-40B4-BE49-F238E27FC236}">
+                <a16:creationId xmlns:a16="http://schemas.microsoft.com/office/drawing/2014/main" id="{C08D19DC-0E10-4E5E-9B66-0D69A261FA9C}"/>
+              </a:ext>
+            </a:extLst>
+          </p:cNvPr>
+          <p:cNvSpPr>
+            <a:spLocks noGrp="1"/>
+          </p:cNvSpPr>
+          <p:nvPr>
+            <p:ph type="title"/>
+          </p:nvPr>
+        </p:nvSpPr>
+        <p:spPr/>
+        <p:txBody>
+          <a:bodyPr/>
+          <a:lstStyle/>
+          <a:p>
+            <a:r>
+              <a:rPr lang="en-US" dirty="0"/>
+              <a:t>Example – “Good” Bias</a:t>
+            </a:r>
+          </a:p>
+        </p:txBody>
+      </p:sp>
+      <p:sp>
+        <p:nvSpPr>
+          <p:cNvPr id="3" name="Content Placeholder 2">
+            <a:extLst>
+              <a:ext uri="{FF2B5EF4-FFF2-40B4-BE49-F238E27FC236}">
+                <a16:creationId xmlns:a16="http://schemas.microsoft.com/office/drawing/2014/main" id="{BB5CC0DF-AA30-4E62-843F-2A606EC57345}"/>
+              </a:ext>
+            </a:extLst>
+          </p:cNvPr>
+          <p:cNvSpPr>
+            <a:spLocks noGrp="1"/>
+          </p:cNvSpPr>
+          <p:nvPr>
+            <p:ph idx="1"/>
+          </p:nvPr>
+        </p:nvSpPr>
+        <p:spPr/>
+        <p:txBody>
+          <a:bodyPr>
+            <a:normAutofit/>
+          </a:bodyPr>
+          <a:lstStyle/>
+          <a:p>
+            <a:r>
+              <a:rPr lang="en-US" dirty="0"/>
+              <a:t>A marketing campaign for a vitamin specifically for biological women</a:t>
+            </a:r>
+          </a:p>
+          <a:p>
+            <a:r>
+              <a:rPr lang="en-US" dirty="0"/>
+              <a:t>How the machine learning works in this case:</a:t>
+            </a:r>
+          </a:p>
+          <a:p>
+            <a:pPr lvl="1"/>
+            <a:r>
+              <a:rPr lang="en-US" dirty="0"/>
+              <a:t>Get a bunch of demographic data from social media platforms, census, search engines</a:t>
+            </a:r>
+          </a:p>
+          <a:p>
+            <a:pPr lvl="1"/>
+            <a:r>
+              <a:rPr lang="en-US" dirty="0"/>
+              <a:t>Build a model from demographic information and market research to understand who is likely to buy said product</a:t>
+            </a:r>
+          </a:p>
+          <a:p>
+            <a:pPr lvl="1"/>
+            <a:r>
+              <a:rPr lang="en-US" dirty="0"/>
+              <a:t>Target that demographic with ads so they know about the product</a:t>
+            </a:r>
+          </a:p>
+          <a:p>
+            <a:pPr lvl="1"/>
+            <a:r>
+              <a:rPr lang="en-US" dirty="0"/>
+              <a:t>Introduce coupons to likely early users of said vitamin</a:t>
+            </a:r>
+          </a:p>
+          <a:p>
+            <a:pPr lvl="1"/>
+            <a:r>
+              <a:rPr lang="en-US" dirty="0"/>
+              <a:t>Chart effectiveness of marketing over time</a:t>
+            </a:r>
+          </a:p>
+          <a:p>
+            <a:r>
+              <a:rPr lang="en-US" dirty="0"/>
+              <a:t>Conclusion: </a:t>
+            </a:r>
+          </a:p>
+          <a:p>
+            <a:pPr lvl="1"/>
+            <a:r>
+              <a:rPr lang="en-US" dirty="0"/>
+              <a:t>We want to bias our campaign based on gender.  </a:t>
+            </a:r>
+          </a:p>
+        </p:txBody>
+      </p:sp>
+    </p:spTree>
+    <p:extLst>
+      <p:ext uri="{BB962C8B-B14F-4D97-AF65-F5344CB8AC3E}">
+        <p14:creationId xmlns:p14="http://schemas.microsoft.com/office/powerpoint/2010/main" val="3896795189"/>
+      </p:ext>
+    </p:extLst>
+  </p:cSld>
+  <p:clrMapOvr>
+    <a:masterClrMapping/>
+  </p:clrMapOvr>
+</p:sld>
+</file>
+
+<file path=ppt/slides/slide54.xml><?xml version="1.0" encoding="utf-8"?>
+<p:sld xmlns:a="http://schemas.openxmlformats.org/drawingml/2006/main" xmlns:r="http://schemas.openxmlformats.org/officeDocument/2006/relationships" xmlns:p="http://schemas.openxmlformats.org/presentationml/2006/main">
+  <p:cSld>
+    <p:spTree>
+      <p:nvGrpSpPr>
+        <p:cNvPr id="1" name=""/>
+        <p:cNvGrpSpPr/>
+        <p:nvPr/>
+      </p:nvGrpSpPr>
+      <p:grpSpPr>
+        <a:xfrm>
+          <a:off x="0" y="0"/>
+          <a:ext cx="0" cy="0"/>
+          <a:chOff x="0" y="0"/>
+          <a:chExt cx="0" cy="0"/>
+        </a:xfrm>
+      </p:grpSpPr>
+      <p:sp>
+        <p:nvSpPr>
+          <p:cNvPr id="2" name="Title 1">
+            <a:extLst>
+              <a:ext uri="{FF2B5EF4-FFF2-40B4-BE49-F238E27FC236}">
+                <a16:creationId xmlns:a16="http://schemas.microsoft.com/office/drawing/2014/main" id="{2DADA576-2C36-4A13-97C6-BD5F62C4D5F4}"/>
+              </a:ext>
+            </a:extLst>
+          </p:cNvPr>
+          <p:cNvSpPr>
+            <a:spLocks noGrp="1"/>
+          </p:cNvSpPr>
+          <p:nvPr>
+            <p:ph type="title"/>
+          </p:nvPr>
+        </p:nvSpPr>
+        <p:spPr/>
+        <p:txBody>
+          <a:bodyPr/>
+          <a:lstStyle/>
+          <a:p>
+            <a:r>
+              <a:rPr lang="en-US" dirty="0"/>
+              <a:t>Example – “Bad” Bias</a:t>
+            </a:r>
+          </a:p>
+        </p:txBody>
+      </p:sp>
+      <p:sp>
+        <p:nvSpPr>
+          <p:cNvPr id="3" name="Content Placeholder 2">
+            <a:extLst>
+              <a:ext uri="{FF2B5EF4-FFF2-40B4-BE49-F238E27FC236}">
+                <a16:creationId xmlns:a16="http://schemas.microsoft.com/office/drawing/2014/main" id="{AFF42118-EA71-40B7-B3A1-3071FEEEB9F4}"/>
+              </a:ext>
+            </a:extLst>
+          </p:cNvPr>
+          <p:cNvSpPr>
+            <a:spLocks noGrp="1"/>
+          </p:cNvSpPr>
+          <p:nvPr>
+            <p:ph idx="1"/>
+          </p:nvPr>
+        </p:nvSpPr>
+        <p:spPr/>
+        <p:txBody>
+          <a:bodyPr>
+            <a:normAutofit fontScale="85000" lnSpcReduction="20000"/>
+          </a:bodyPr>
+          <a:lstStyle/>
+          <a:p>
+            <a:r>
+              <a:rPr lang="en-US" dirty="0"/>
+              <a:t>A bank is trying to decide who gets loaned money for college and at what interest rate to loan said money</a:t>
+            </a:r>
+          </a:p>
+          <a:p>
+            <a:r>
+              <a:rPr lang="en-US" dirty="0"/>
+              <a:t>How the machine learning might work:</a:t>
+            </a:r>
+          </a:p>
+          <a:p>
+            <a:pPr lvl="1"/>
+            <a:r>
+              <a:rPr lang="en-US" dirty="0"/>
+              <a:t>Classification of who gets a loan:</a:t>
+            </a:r>
+          </a:p>
+          <a:p>
+            <a:pPr lvl="2"/>
+            <a:r>
+              <a:rPr lang="en-US" dirty="0"/>
+              <a:t>Collect information like </a:t>
+            </a:r>
+            <a:r>
+              <a:rPr lang="en-US" dirty="0" err="1"/>
+              <a:t>zipcode</a:t>
+            </a:r>
+            <a:r>
+              <a:rPr lang="en-US" dirty="0"/>
+              <a:t>, parents income, whether parents went to college, GPA, overall cost of college student is attending, is student in state, is it a private or public school, is it a 2 or 4 year school</a:t>
+            </a:r>
+          </a:p>
+          <a:p>
+            <a:pPr lvl="1"/>
+            <a:r>
+              <a:rPr lang="en-US" dirty="0"/>
+              <a:t>Regression of what interest rate to charge:</a:t>
+            </a:r>
+          </a:p>
+          <a:p>
+            <a:pPr lvl="2"/>
+            <a:r>
+              <a:rPr lang="en-US" dirty="0"/>
+              <a:t>Collect information on passed borrowers, including default rate, repayment rate per year, and overall value of the loan to the bank</a:t>
+            </a:r>
+          </a:p>
+          <a:p>
+            <a:r>
+              <a:rPr lang="en-US" dirty="0"/>
+              <a:t>Conclusion:</a:t>
+            </a:r>
+          </a:p>
+          <a:p>
+            <a:pPr lvl="1"/>
+            <a:r>
+              <a:rPr lang="en-US" dirty="0"/>
+              <a:t>Because of redlining, the overall disparity in wages, and the lack of access to college in the past people in color are much less likely to receive loans</a:t>
+            </a:r>
+          </a:p>
+          <a:p>
+            <a:pPr lvl="1"/>
+            <a:r>
+              <a:rPr lang="en-US" dirty="0"/>
+              <a:t>If they do receive loans, the interest rate is likely to be much worse</a:t>
+            </a:r>
+          </a:p>
+          <a:p>
+            <a:pPr lvl="1"/>
+            <a:r>
+              <a:rPr lang="en-US" dirty="0"/>
+              <a:t>This limits the ability for People of Color to achieve the same level of wealth.  And overall creates disadvantage based on skin color and background.</a:t>
+            </a:r>
+          </a:p>
+        </p:txBody>
+      </p:sp>
+    </p:spTree>
+    <p:extLst>
+      <p:ext uri="{BB962C8B-B14F-4D97-AF65-F5344CB8AC3E}">
+        <p14:creationId xmlns:p14="http://schemas.microsoft.com/office/powerpoint/2010/main" val="1093675172"/>
+      </p:ext>
+    </p:extLst>
+  </p:cSld>
+  <p:clrMapOvr>
+    <a:masterClrMapping/>
+  </p:clrMapOvr>
+</p:sld>
+</file>
+
+<file path=ppt/slides/slide55.xml><?xml version="1.0" encoding="utf-8"?>
+<p:sld xmlns:a="http://schemas.openxmlformats.org/drawingml/2006/main" xmlns:r="http://schemas.openxmlformats.org/officeDocument/2006/relationships" xmlns:p="http://schemas.openxmlformats.org/presentationml/2006/main">
+  <p:cSld>
+    <p:spTree>
+      <p:nvGrpSpPr>
+        <p:cNvPr id="1" name=""/>
+        <p:cNvGrpSpPr/>
+        <p:nvPr/>
+      </p:nvGrpSpPr>
+      <p:grpSpPr>
+        <a:xfrm>
+          <a:off x="0" y="0"/>
+          <a:ext cx="0" cy="0"/>
+          <a:chOff x="0" y="0"/>
+          <a:chExt cx="0" cy="0"/>
+        </a:xfrm>
+      </p:grpSpPr>
+      <p:sp>
+        <p:nvSpPr>
+          <p:cNvPr id="2" name="Title 1">
+            <a:extLst>
+              <a:ext uri="{FF2B5EF4-FFF2-40B4-BE49-F238E27FC236}">
+                <a16:creationId xmlns:a16="http://schemas.microsoft.com/office/drawing/2014/main" id="{E1E63240-3818-46FE-8B7F-3A24B070E3CF}"/>
+              </a:ext>
+            </a:extLst>
+          </p:cNvPr>
+          <p:cNvSpPr>
+            <a:spLocks noGrp="1"/>
+          </p:cNvSpPr>
+          <p:nvPr>
+            <p:ph type="title"/>
+          </p:nvPr>
+        </p:nvSpPr>
+        <p:spPr/>
+        <p:txBody>
+          <a:bodyPr/>
+          <a:lstStyle/>
+          <a:p>
+            <a:r>
+              <a:rPr lang="en-US" dirty="0"/>
+              <a:t>A Thesis</a:t>
+            </a:r>
+          </a:p>
+        </p:txBody>
+      </p:sp>
+      <p:sp>
+        <p:nvSpPr>
+          <p:cNvPr id="3" name="Content Placeholder 2">
+            <a:extLst>
+              <a:ext uri="{FF2B5EF4-FFF2-40B4-BE49-F238E27FC236}">
+                <a16:creationId xmlns:a16="http://schemas.microsoft.com/office/drawing/2014/main" id="{6DEDA7FC-1C11-4E83-84F8-964D890FB24C}"/>
+              </a:ext>
+            </a:extLst>
+          </p:cNvPr>
+          <p:cNvSpPr>
+            <a:spLocks noGrp="1"/>
+          </p:cNvSpPr>
+          <p:nvPr>
+            <p:ph idx="1"/>
+          </p:nvPr>
+        </p:nvSpPr>
+        <p:spPr/>
+        <p:txBody>
+          <a:bodyPr>
+            <a:normAutofit fontScale="85000" lnSpcReduction="20000"/>
+          </a:bodyPr>
+          <a:lstStyle/>
+          <a:p>
+            <a:r>
+              <a:rPr lang="en-US" dirty="0"/>
+              <a:t>Code is Policy</a:t>
+            </a:r>
+          </a:p>
+          <a:p>
+            <a:pPr lvl="1"/>
+            <a:r>
+              <a:rPr lang="en-US" dirty="0"/>
+              <a:t>When we (as data scientists) implement a statistical solution that automates some form of decision or helps a human make a choice, we are doing policy work.</a:t>
+            </a:r>
+          </a:p>
+          <a:p>
+            <a:pPr lvl="1"/>
+            <a:r>
+              <a:rPr lang="en-US" dirty="0"/>
+              <a:t>We are setting thought processes and patterns for billions of people</a:t>
+            </a:r>
+          </a:p>
+          <a:p>
+            <a:pPr lvl="1"/>
+            <a:r>
+              <a:rPr lang="en-US" dirty="0"/>
+              <a:t>When our data set bias “bad” bias, be that racism or sexism, then we are writing that policy into our algorithms</a:t>
+            </a:r>
+          </a:p>
+          <a:p>
+            <a:pPr lvl="1"/>
+            <a:r>
+              <a:rPr lang="en-US" dirty="0"/>
+              <a:t>The true danger is, these algorithms, if left uninterpreted will allow the “bad” bias to propagate in unforeseen and potentially dangerous ways.</a:t>
+            </a:r>
+          </a:p>
+          <a:p>
+            <a:r>
+              <a:rPr lang="en-US" dirty="0"/>
+              <a:t>Checks on Algorithmic Bias Are An Imperative</a:t>
+            </a:r>
+          </a:p>
+          <a:p>
+            <a:pPr lvl="1"/>
+            <a:r>
+              <a:rPr lang="en-US" dirty="0"/>
+              <a:t>If we treat interpretability and statistical techniques that uncover “bad” bias as policy mechanisms these things aren’t new at all.</a:t>
+            </a:r>
+          </a:p>
+          <a:p>
+            <a:pPr lvl="1"/>
+            <a:r>
+              <a:rPr lang="en-US" dirty="0"/>
+              <a:t>We’ve struck down racist laws and practices since the beginning of our democracy</a:t>
+            </a:r>
+          </a:p>
+          <a:p>
+            <a:pPr lvl="1"/>
+            <a:r>
+              <a:rPr lang="en-US" dirty="0"/>
+              <a:t>By treating checks on algorithmic bias in the same guise as any other policy check, such as affirmative action, algorithmic bias is merely a way of decoding automation, when it matters</a:t>
+            </a:r>
+          </a:p>
+          <a:p>
+            <a:pPr lvl="1"/>
+            <a:r>
+              <a:rPr lang="en-US" dirty="0"/>
+              <a:t>And taking companies to task when they fail to be fair and unbiased to all</a:t>
+            </a:r>
+          </a:p>
+        </p:txBody>
+      </p:sp>
+    </p:spTree>
+    <p:extLst>
+      <p:ext uri="{BB962C8B-B14F-4D97-AF65-F5344CB8AC3E}">
+        <p14:creationId xmlns:p14="http://schemas.microsoft.com/office/powerpoint/2010/main" val="1678398893"/>
+      </p:ext>
+    </p:extLst>
+  </p:cSld>
+  <p:clrMapOvr>
+    <a:masterClrMapping/>
+  </p:clrMapOvr>
+</p:sld>
+</file>
+
+<file path=ppt/slides/slide56.xml><?xml version="1.0" encoding="utf-8"?>
+<p:sld xmlns:a="http://schemas.openxmlformats.org/drawingml/2006/main" xmlns:r="http://schemas.openxmlformats.org/officeDocument/2006/relationships" xmlns:p="http://schemas.openxmlformats.org/presentationml/2006/main">
+  <p:cSld>
+    <p:spTree>
+      <p:nvGrpSpPr>
+        <p:cNvPr id="1" name=""/>
+        <p:cNvGrpSpPr/>
+        <p:nvPr/>
+      </p:nvGrpSpPr>
+      <p:grpSpPr>
+        <a:xfrm>
+          <a:off x="0" y="0"/>
+          <a:ext cx="0" cy="0"/>
+          <a:chOff x="0" y="0"/>
+          <a:chExt cx="0" cy="0"/>
+        </a:xfrm>
+      </p:grpSpPr>
+      <p:sp>
+        <p:nvSpPr>
+          <p:cNvPr id="2" name="Title 1">
+            <a:extLst>
+              <a:ext uri="{FF2B5EF4-FFF2-40B4-BE49-F238E27FC236}">
+                <a16:creationId xmlns:a16="http://schemas.microsoft.com/office/drawing/2014/main" id="{D106C52D-D05D-43C8-8208-74BE7DE83B3A}"/>
+              </a:ext>
+            </a:extLst>
+          </p:cNvPr>
+          <p:cNvSpPr>
+            <a:spLocks noGrp="1"/>
+          </p:cNvSpPr>
+          <p:nvPr>
+            <p:ph type="title"/>
+          </p:nvPr>
+        </p:nvSpPr>
+        <p:spPr/>
+        <p:txBody>
+          <a:bodyPr/>
+          <a:lstStyle/>
+          <a:p>
+            <a:r>
+              <a:rPr lang="en-US" dirty="0"/>
+              <a:t>Data Set</a:t>
+            </a:r>
+          </a:p>
+        </p:txBody>
+      </p:sp>
+      <p:sp>
+        <p:nvSpPr>
+          <p:cNvPr id="3" name="Content Placeholder 2">
+            <a:extLst>
+              <a:ext uri="{FF2B5EF4-FFF2-40B4-BE49-F238E27FC236}">
+                <a16:creationId xmlns:a16="http://schemas.microsoft.com/office/drawing/2014/main" id="{82616642-4B4C-4BF4-BA88-95A3B49769E9}"/>
+              </a:ext>
+            </a:extLst>
+          </p:cNvPr>
+          <p:cNvSpPr>
+            <a:spLocks noGrp="1"/>
+          </p:cNvSpPr>
+          <p:nvPr>
+            <p:ph idx="1"/>
+          </p:nvPr>
+        </p:nvSpPr>
+        <p:spPr/>
+        <p:txBody>
+          <a:bodyPr/>
+          <a:lstStyle/>
+          <a:p>
+            <a:r>
+              <a:rPr lang="en-US" dirty="0"/>
+              <a:t>Loan data - </a:t>
+            </a:r>
+            <a:r>
+              <a:rPr lang="en-US" dirty="0">
+                <a:hlinkClick r:id="rId2"/>
+              </a:rPr>
+              <a:t>https://www.kaggle.com/zhijinzhai/loandata</a:t>
+            </a:r>
+            <a:endParaRPr lang="en-US" dirty="0"/>
+          </a:p>
+          <a:p>
+            <a:pPr lvl="1"/>
+            <a:r>
+              <a:rPr lang="en-US" dirty="0"/>
+              <a:t>Because loan data was missing crucial columns, some of the data is simulated to show how one *might* do the analysis.</a:t>
+            </a:r>
+          </a:p>
+          <a:p>
+            <a:r>
+              <a:rPr lang="en-US" dirty="0"/>
+              <a:t>College Acceptance Data - </a:t>
+            </a:r>
+            <a:r>
+              <a:rPr lang="en-US" dirty="0">
+                <a:hlinkClick r:id="rId3"/>
+              </a:rPr>
+              <a:t>https://collegescorecard.ed.gov/data/documentation/</a:t>
+            </a:r>
+            <a:endParaRPr lang="en-US" dirty="0"/>
+          </a:p>
+          <a:p>
+            <a:r>
+              <a:rPr lang="en-US" dirty="0"/>
+              <a:t>Police Data - </a:t>
+            </a:r>
+            <a:r>
+              <a:rPr lang="en-US" dirty="0">
+                <a:hlinkClick r:id="rId4"/>
+              </a:rPr>
+              <a:t>https://www.policedatainitiative.org/datasets/</a:t>
+            </a:r>
+            <a:endParaRPr lang="en-US" dirty="0"/>
+          </a:p>
+        </p:txBody>
+      </p:sp>
+    </p:spTree>
+    <p:extLst>
+      <p:ext uri="{BB962C8B-B14F-4D97-AF65-F5344CB8AC3E}">
+        <p14:creationId xmlns:p14="http://schemas.microsoft.com/office/powerpoint/2010/main" val="4070695895"/>
+      </p:ext>
+    </p:extLst>
+  </p:cSld>
+  <p:clrMapOvr>
+    <a:masterClrMapping/>
+  </p:clrMapOvr>
+</p:sld>
+</file>
+
+<file path=ppt/slides/slide57.xml><?xml version="1.0" encoding="utf-8"?>
+<p:sld xmlns:a="http://schemas.openxmlformats.org/drawingml/2006/main" xmlns:r="http://schemas.openxmlformats.org/officeDocument/2006/relationships" xmlns:p="http://schemas.openxmlformats.org/presentationml/2006/main">
+  <p:cSld>
+    <p:spTree>
+      <p:nvGrpSpPr>
+        <p:cNvPr id="1" name=""/>
+        <p:cNvGrpSpPr/>
+        <p:nvPr/>
+      </p:nvGrpSpPr>
+      <p:grpSpPr>
+        <a:xfrm>
+          <a:off x="0" y="0"/>
+          <a:ext cx="0" cy="0"/>
+          <a:chOff x="0" y="0"/>
+          <a:chExt cx="0" cy="0"/>
+        </a:xfrm>
+      </p:grpSpPr>
+      <p:sp>
+        <p:nvSpPr>
+          <p:cNvPr id="2" name="Title 1">
+            <a:extLst>
+              <a:ext uri="{FF2B5EF4-FFF2-40B4-BE49-F238E27FC236}">
+                <a16:creationId xmlns:a16="http://schemas.microsoft.com/office/drawing/2014/main" id="{2B8B476A-FFF5-4FD1-8711-6CB55FF37652}"/>
+              </a:ext>
+            </a:extLst>
+          </p:cNvPr>
+          <p:cNvSpPr>
+            <a:spLocks noGrp="1"/>
+          </p:cNvSpPr>
+          <p:nvPr>
+            <p:ph type="title"/>
+          </p:nvPr>
+        </p:nvSpPr>
+        <p:spPr/>
+        <p:txBody>
+          <a:bodyPr/>
+          <a:lstStyle/>
+          <a:p>
+            <a:r>
+              <a:rPr lang="en-US" dirty="0"/>
+              <a:t>Further reading</a:t>
+            </a:r>
+          </a:p>
+        </p:txBody>
+      </p:sp>
+      <p:sp>
+        <p:nvSpPr>
+          <p:cNvPr id="3" name="Content Placeholder 2">
+            <a:extLst>
+              <a:ext uri="{FF2B5EF4-FFF2-40B4-BE49-F238E27FC236}">
+                <a16:creationId xmlns:a16="http://schemas.microsoft.com/office/drawing/2014/main" id="{A5E72798-3481-4110-A39A-6FB72D5E3130}"/>
+              </a:ext>
+            </a:extLst>
+          </p:cNvPr>
+          <p:cNvSpPr>
+            <a:spLocks noGrp="1"/>
+          </p:cNvSpPr>
+          <p:nvPr>
+            <p:ph idx="1"/>
+          </p:nvPr>
+        </p:nvSpPr>
+        <p:spPr/>
+        <p:txBody>
+          <a:bodyPr/>
+          <a:lstStyle/>
+          <a:p>
+            <a:r>
+              <a:rPr lang="en-US" dirty="0"/>
+              <a:t>https://github.com/miguelgfierro/sciblog_support/blob/master/Dimensionality_Reduction_with_TSNE/dimensionality_reduction.ipynb</a:t>
+            </a:r>
+          </a:p>
+        </p:txBody>
+      </p:sp>
+    </p:spTree>
+    <p:extLst>
+      <p:ext uri="{BB962C8B-B14F-4D97-AF65-F5344CB8AC3E}">
+        <p14:creationId xmlns:p14="http://schemas.microsoft.com/office/powerpoint/2010/main" val="62467168"/>
+      </p:ext>
+    </p:extLst>
+  </p:cSld>
+  <p:clrMapOvr>
+    <a:masterClrMapping/>
+  </p:clrMapOvr>
+</p:sld>
+</file>
+
+<file path=ppt/slides/slide58.xml><?xml version="1.0" encoding="utf-8"?>
+<p:sld xmlns:a="http://schemas.openxmlformats.org/drawingml/2006/main" xmlns:r="http://schemas.openxmlformats.org/officeDocument/2006/relationships" xmlns:p="http://schemas.openxmlformats.org/presentationml/2006/main">
+  <p:cSld>
+    <p:spTree>
+      <p:nvGrpSpPr>
+        <p:cNvPr id="1" name=""/>
+        <p:cNvGrpSpPr/>
+        <p:nvPr/>
+      </p:nvGrpSpPr>
+      <p:grpSpPr>
+        <a:xfrm>
+          <a:off x="0" y="0"/>
+          <a:ext cx="0" cy="0"/>
+          <a:chOff x="0" y="0"/>
+          <a:chExt cx="0" cy="0"/>
+        </a:xfrm>
+      </p:grpSpPr>
+      <p:sp>
+        <p:nvSpPr>
+          <p:cNvPr id="2" name="Title 1">
+            <a:extLst>
+              <a:ext uri="{FF2B5EF4-FFF2-40B4-BE49-F238E27FC236}">
+                <a16:creationId xmlns:a16="http://schemas.microsoft.com/office/drawing/2014/main" id="{B6EAC65A-AF66-4F02-A8BB-8F785D497431}"/>
+              </a:ext>
+            </a:extLst>
+          </p:cNvPr>
+          <p:cNvSpPr>
+            <a:spLocks noGrp="1"/>
+          </p:cNvSpPr>
+          <p:nvPr>
+            <p:ph type="title"/>
+          </p:nvPr>
+        </p:nvSpPr>
+        <p:spPr/>
+        <p:txBody>
+          <a:bodyPr/>
+          <a:lstStyle/>
+          <a:p>
+            <a:r>
+              <a:rPr lang="en-US" dirty="0"/>
+              <a:t>Further Datasets</a:t>
+            </a:r>
+          </a:p>
+        </p:txBody>
+      </p:sp>
+      <p:sp>
+        <p:nvSpPr>
+          <p:cNvPr id="3" name="Content Placeholder 2">
+            <a:extLst>
+              <a:ext uri="{FF2B5EF4-FFF2-40B4-BE49-F238E27FC236}">
+                <a16:creationId xmlns:a16="http://schemas.microsoft.com/office/drawing/2014/main" id="{676BA0AE-EAE5-4626-B2D1-960F15B0FE84}"/>
+              </a:ext>
+            </a:extLst>
+          </p:cNvPr>
+          <p:cNvSpPr>
+            <a:spLocks noGrp="1"/>
+          </p:cNvSpPr>
+          <p:nvPr>
+            <p:ph idx="1"/>
+          </p:nvPr>
+        </p:nvSpPr>
+        <p:spPr/>
+        <p:txBody>
+          <a:bodyPr/>
+          <a:lstStyle/>
+          <a:p>
+            <a:r>
+              <a:rPr lang="en-US" dirty="0">
+                <a:hlinkClick r:id="rId2"/>
+              </a:rPr>
+              <a:t>https://www.kaggle.com/wsj/college-salaries#salaries-by-region.csv</a:t>
+            </a:r>
+            <a:endParaRPr lang="en-US" dirty="0"/>
+          </a:p>
+          <a:p>
+            <a:r>
+              <a:rPr lang="en-US" dirty="0">
+                <a:hlinkClick r:id="rId3"/>
+              </a:rPr>
+              <a:t>https://www.kaggle.com/new-york-city/ny-police-civilian-encounters-leading-to-complaint</a:t>
+            </a:r>
+            <a:endParaRPr lang="en-US" dirty="0"/>
+          </a:p>
+          <a:p>
+            <a:r>
+              <a:rPr lang="en-US" dirty="0">
+                <a:hlinkClick r:id="rId4"/>
+              </a:rPr>
+              <a:t>https://www.kaggle.com/wsj/college-salaries</a:t>
+            </a:r>
+            <a:endParaRPr lang="en-US" dirty="0"/>
+          </a:p>
+          <a:p>
+            <a:endParaRPr lang="en-US" dirty="0"/>
+          </a:p>
+        </p:txBody>
+      </p:sp>
+    </p:spTree>
+    <p:extLst>
+      <p:ext uri="{BB962C8B-B14F-4D97-AF65-F5344CB8AC3E}">
+        <p14:creationId xmlns:p14="http://schemas.microsoft.com/office/powerpoint/2010/main" val="2417144204"/>
+      </p:ext>
+    </p:extLst>
+  </p:cSld>
+  <p:clrMapOvr>
+    <a:masterClrMapping/>
+  </p:clrMapOvr>
+</p:sld>
+</file>
+
 <file path=ppt/slides/slide6.xml><?xml version="1.0" encoding="utf-8"?>
 <p:sld xmlns:a="http://schemas.openxmlformats.org/drawingml/2006/main" xmlns:r="http://schemas.openxmlformats.org/officeDocument/2006/relationships" xmlns:p="http://schemas.openxmlformats.org/presentationml/2006/main">
   <p:cSld>
@@ -9771,8 +10894,8 @@
           </a:p>
         </p:txBody>
       </p:sp>
-      <mc:AlternateContent xmlns:mc="http://schemas.openxmlformats.org/markup-compatibility/2006">
-        <mc:Choice xmlns:a14="http://schemas.microsoft.com/office/drawing/2010/main" Requires="a14">
+      <mc:AlternateContent xmlns:mc="http://schemas.openxmlformats.org/markup-compatibility/2006" xmlns:a14="http://schemas.microsoft.com/office/drawing/2010/main">
+        <mc:Choice Requires="a14">
           <p:sp>
             <p:nvSpPr>
               <p:cNvPr id="3" name="Content Placeholder 2">
@@ -9805,7 +10928,7 @@
                     <m:sSub>
                       <m:sSubPr>
                         <m:ctrlPr>
-                          <a:rPr lang="en-US" smtClean="0">
+                          <a:rPr lang="en-US" i="1" smtClean="0">
                             <a:latin typeface="Cambria Math" panose="02040503050406030204" pitchFamily="18" charset="0"/>
                           </a:rPr>
                         </m:ctrlPr>
@@ -9880,7 +11003,7 @@
                 <a:pPr lvl="1"/>
                 <a:r>
                   <a:rPr lang="en-US" dirty="0"/>
-                  <a:t>Random Sampling</a:t>
+                  <a:t>Random Sampling (look this up)</a:t>
                 </a:r>
               </a:p>
               <a:p>
@@ -9908,7 +11031,7 @@
                     <m:sSup>
                       <m:sSupPr>
                         <m:ctrlPr>
-                          <a:rPr lang="en-US" dirty="0" smtClean="0">
+                          <a:rPr lang="en-US" i="1" dirty="0" smtClean="0">
                             <a:latin typeface="Cambria Math" panose="02040503050406030204" pitchFamily="18" charset="0"/>
                           </a:rPr>
                         </m:ctrlPr>
@@ -9948,7 +11071,7 @@
                     <m:sSub>
                       <m:sSubPr>
                         <m:ctrlPr>
-                          <a:rPr lang="en-US" dirty="0" smtClean="0">
+                          <a:rPr lang="en-US" i="1" dirty="0" smtClean="0">
                             <a:latin typeface="Cambria Math" panose="02040503050406030204" pitchFamily="18" charset="0"/>
                           </a:rPr>
                         </m:ctrlPr>
@@ -9981,7 +11104,7 @@
                     <m:sSub>
                       <m:sSubPr>
                         <m:ctrlPr>
-                          <a:rPr lang="en-US" dirty="0" smtClean="0">
+                          <a:rPr lang="en-US" i="1" dirty="0" smtClean="0">
                             <a:latin typeface="Cambria Math" panose="02040503050406030204" pitchFamily="18" charset="0"/>
                           </a:rPr>
                         </m:ctrlPr>
@@ -10018,7 +11141,7 @@
                     <m:sSup>
                       <m:sSupPr>
                         <m:ctrlPr>
-                          <a:rPr lang="en-US" dirty="0" smtClean="0">
+                          <a:rPr lang="en-US" i="1" dirty="0" smtClean="0">
                             <a:latin typeface="Cambria Math" panose="02040503050406030204" pitchFamily="18" charset="0"/>
                           </a:rPr>
                         </m:ctrlPr>
@@ -10061,7 +11184,7 @@
             </p:txBody>
           </p:sp>
         </mc:Choice>
-        <mc:Fallback>
+        <mc:Fallback xmlns="">
           <p:sp>
             <p:nvSpPr>
               <p:cNvPr id="3" name="Content Placeholder 2">
@@ -10080,7 +11203,7 @@
             </p:nvSpPr>
             <p:spPr>
               <a:blipFill>
-                <a:blip r:embed="rId2"/>
+                <a:blip r:embed="rId5"/>
                 <a:stretch>
                   <a:fillRect/>
                 </a:stretch>
@@ -10184,7 +11307,7 @@
           <a:p>
             <a:r>
               <a:rPr lang="en-US" dirty="0"/>
-              <a:t>The goal of this analysis is to determine if loans are racially biased.  We will assess this question in two ways:</a:t>
+              <a:t>The goal of this analysis is to determine if loans are gender biased.  We will assess this question in two ways:</a:t>
             </a:r>
           </a:p>
           <a:p>

--- a/Understanding Bias Via Interpretability.pptx
+++ b/Understanding Bias Via Interpretability.pptx
@@ -63,6 +63,7 @@
     <p:sldId id="300" r:id="rId57"/>
     <p:sldId id="316" r:id="rId58"/>
     <p:sldId id="329" r:id="rId59"/>
+    <p:sldId id="330" r:id="rId60"/>
   </p:sldIdLst>
   <p:sldSz cx="12192000" cy="6858000"/>
   <p:notesSz cx="6858000" cy="9144000"/>
@@ -7887,7 +7888,22 @@
           <a:bodyPr/>
           <a:lstStyle/>
           <a:p>
-            <a:endParaRPr lang="en-US"/>
+            <a:r>
+              <a:rPr lang="en-US" dirty="0"/>
+              <a:t>Not a statistical test – therefore we don’t know how much to trust the feature importance</a:t>
+            </a:r>
+          </a:p>
+          <a:p>
+            <a:r>
+              <a:rPr lang="en-US" dirty="0"/>
+              <a:t>Must by couched in the semantics of what we are talking about!!!</a:t>
+            </a:r>
+          </a:p>
+          <a:p>
+            <a:r>
+              <a:rPr lang="en-US" dirty="0"/>
+              <a:t>Is often blindly accepted despite not considering the semantics!!!!</a:t>
+            </a:r>
           </a:p>
         </p:txBody>
       </p:sp>
@@ -7971,8 +7987,25 @@
           <a:lstStyle/>
           <a:p>
             <a:r>
-              <a:rPr lang="en-US" dirty="0"/>
+              <a:rPr lang="en-US" dirty="0">
+                <a:hlinkClick r:id="rId2"/>
+              </a:rPr>
               <a:t>https://scikit-learn.org/stable/modules/generated/sklearn.tree.export_graphviz.html</a:t>
+            </a:r>
+            <a:endParaRPr lang="en-US" dirty="0"/>
+          </a:p>
+          <a:p>
+            <a:r>
+              <a:rPr lang="en-US" dirty="0"/>
+              <a:t>See </a:t>
+            </a:r>
+            <a:r>
+              <a:rPr lang="en-US" dirty="0" err="1"/>
+              <a:t>jupyter</a:t>
+            </a:r>
+            <a:r>
+              <a:rPr lang="en-US" dirty="0"/>
+              <a:t> notebook</a:t>
             </a:r>
           </a:p>
         </p:txBody>
@@ -8976,7 +9009,7 @@
           <a:bodyPr/>
           <a:lstStyle/>
           <a:p>
-            <a:endParaRPr lang="en-US"/>
+            <a:endParaRPr lang="en-US" dirty="0"/>
           </a:p>
         </p:txBody>
       </p:sp>
@@ -10615,28 +10648,8 @@
           <a:p>
             <a:r>
               <a:rPr lang="en-US" dirty="0"/>
-              <a:t>College Acceptance Data - </a:t>
-            </a:r>
-            <a:r>
-              <a:rPr lang="en-US" dirty="0">
-                <a:hlinkClick r:id="rId3"/>
-              </a:rPr>
-              <a:t>https://collegescorecard.ed.gov/data/documentation/</a:t>
-            </a:r>
-            <a:endParaRPr lang="en-US" dirty="0"/>
-          </a:p>
-          <a:p>
-            <a:r>
-              <a:rPr lang="en-US" dirty="0"/>
-              <a:t>Police Data - </a:t>
-            </a:r>
-            <a:r>
-              <a:rPr lang="en-US" dirty="0">
-                <a:hlinkClick r:id="rId4"/>
-              </a:rPr>
-              <a:t>https://www.policedatainitiative.org/datasets/</a:t>
-            </a:r>
-            <a:endParaRPr lang="en-US" dirty="0"/>
+              <a:t>Police Shootings - https://www.kaggle.com/washingtonpost/police-shootings</a:t>
+            </a:r>
           </a:p>
         </p:txBody>
       </p:sp>
@@ -10720,9 +10733,33 @@
           <a:lstStyle/>
           <a:p>
             <a:r>
-              <a:rPr lang="en-US" dirty="0"/>
+              <a:rPr lang="en-US" dirty="0">
+                <a:hlinkClick r:id="rId2"/>
+              </a:rPr>
               <a:t>https://github.com/miguelgfierro/sciblog_support/blob/master/Dimensionality_Reduction_with_TSNE/dimensionality_reduction.ipynb</a:t>
             </a:r>
+            <a:endParaRPr lang="en-US" dirty="0"/>
+          </a:p>
+          <a:p>
+            <a:r>
+              <a:rPr lang="en-US" dirty="0">
+                <a:hlinkClick r:id="rId3"/>
+              </a:rPr>
+              <a:t>http://savvastjortjoglou.com/intrepretable-machine-learning-nfl-combine.html</a:t>
+            </a:r>
+            <a:endParaRPr lang="en-US" dirty="0"/>
+          </a:p>
+          <a:p>
+            <a:r>
+              <a:rPr lang="en-US" dirty="0">
+                <a:hlinkClick r:id="rId4"/>
+              </a:rPr>
+              <a:t>https://towardsdatascience.com/interpretable-machine-learning-with-xgboost-9ec80d148d27</a:t>
+            </a:r>
+            <a:endParaRPr lang="en-US" dirty="0"/>
+          </a:p>
+          <a:p>
+            <a:endParaRPr lang="en-US" dirty="0"/>
           </a:p>
         </p:txBody>
       </p:sp>
@@ -10809,7 +10846,7 @@
               <a:rPr lang="en-US" dirty="0">
                 <a:hlinkClick r:id="rId2"/>
               </a:rPr>
-              <a:t>https://www.kaggle.com/wsj/college-salaries#salaries-by-region.csv</a:t>
+              <a:t>https://www.kaggle.com/new-york-city/ny-police-civilian-encounters-leading-to-complaint</a:t>
             </a:r>
             <a:endParaRPr lang="en-US" dirty="0"/>
           </a:p>
@@ -10818,16 +10855,33 @@
               <a:rPr lang="en-US" dirty="0">
                 <a:hlinkClick r:id="rId3"/>
               </a:rPr>
-              <a:t>https://www.kaggle.com/new-york-city/ny-police-civilian-encounters-leading-to-complaint</a:t>
+              <a:t>https://www.kaggle.com/wsj/college-salaries</a:t>
             </a:r>
             <a:endParaRPr lang="en-US" dirty="0"/>
           </a:p>
           <a:p>
+            <a:r>
+              <a:rPr lang="en-US" dirty="0"/>
+              <a:t>College Acceptance Data - </a:t>
+            </a:r>
             <a:r>
               <a:rPr lang="en-US" dirty="0">
                 <a:hlinkClick r:id="rId4"/>
               </a:rPr>
-              <a:t>https://www.kaggle.com/wsj/college-salaries</a:t>
+              <a:t>https://collegescorecard.ed.gov/data/documentation/</a:t>
+            </a:r>
+            <a:endParaRPr lang="en-US" dirty="0"/>
+          </a:p>
+          <a:p>
+            <a:r>
+              <a:rPr lang="en-US" dirty="0"/>
+              <a:t>Police Data - </a:t>
+            </a:r>
+            <a:r>
+              <a:rPr lang="en-US" dirty="0">
+                <a:hlinkClick r:id="rId5"/>
+              </a:rPr>
+              <a:t>https://www.policedatainitiative.org/datasets/</a:t>
             </a:r>
             <a:endParaRPr lang="en-US" dirty="0"/>
           </a:p>
@@ -10840,6 +10894,92 @@
     <p:extLst>
       <p:ext uri="{BB962C8B-B14F-4D97-AF65-F5344CB8AC3E}">
         <p14:creationId xmlns:p14="http://schemas.microsoft.com/office/powerpoint/2010/main" val="2417144204"/>
+      </p:ext>
+    </p:extLst>
+  </p:cSld>
+  <p:clrMapOvr>
+    <a:masterClrMapping/>
+  </p:clrMapOvr>
+</p:sld>
+</file>
+
+<file path=ppt/slides/slide59.xml><?xml version="1.0" encoding="utf-8"?>
+<p:sld xmlns:a="http://schemas.openxmlformats.org/drawingml/2006/main" xmlns:r="http://schemas.openxmlformats.org/officeDocument/2006/relationships" xmlns:p="http://schemas.openxmlformats.org/presentationml/2006/main">
+  <p:cSld>
+    <p:spTree>
+      <p:nvGrpSpPr>
+        <p:cNvPr id="1" name=""/>
+        <p:cNvGrpSpPr/>
+        <p:nvPr/>
+      </p:nvGrpSpPr>
+      <p:grpSpPr>
+        <a:xfrm>
+          <a:off x="0" y="0"/>
+          <a:ext cx="0" cy="0"/>
+          <a:chOff x="0" y="0"/>
+          <a:chExt cx="0" cy="0"/>
+        </a:xfrm>
+      </p:grpSpPr>
+      <p:sp>
+        <p:nvSpPr>
+          <p:cNvPr id="2" name="Title 1">
+            <a:extLst>
+              <a:ext uri="{FF2B5EF4-FFF2-40B4-BE49-F238E27FC236}">
+                <a16:creationId xmlns:a16="http://schemas.microsoft.com/office/drawing/2014/main" id="{EBAE2C6D-ACC3-47F1-96A4-50C8FF5506CA}"/>
+              </a:ext>
+            </a:extLst>
+          </p:cNvPr>
+          <p:cNvSpPr>
+            <a:spLocks noGrp="1"/>
+          </p:cNvSpPr>
+          <p:nvPr>
+            <p:ph type="title"/>
+          </p:nvPr>
+        </p:nvSpPr>
+        <p:spPr/>
+        <p:txBody>
+          <a:bodyPr/>
+          <a:lstStyle/>
+          <a:p>
+            <a:r>
+              <a:rPr lang="en-US" dirty="0"/>
+              <a:t>Dangers</a:t>
+            </a:r>
+          </a:p>
+        </p:txBody>
+      </p:sp>
+      <p:sp>
+        <p:nvSpPr>
+          <p:cNvPr id="3" name="Content Placeholder 2">
+            <a:extLst>
+              <a:ext uri="{FF2B5EF4-FFF2-40B4-BE49-F238E27FC236}">
+                <a16:creationId xmlns:a16="http://schemas.microsoft.com/office/drawing/2014/main" id="{0762CDE2-3434-4E76-A478-3ED2CDCC53A5}"/>
+              </a:ext>
+            </a:extLst>
+          </p:cNvPr>
+          <p:cNvSpPr>
+            <a:spLocks noGrp="1"/>
+          </p:cNvSpPr>
+          <p:nvPr>
+            <p:ph idx="1"/>
+          </p:nvPr>
+        </p:nvSpPr>
+        <p:spPr/>
+        <p:txBody>
+          <a:bodyPr/>
+          <a:lstStyle/>
+          <a:p>
+            <a:r>
+              <a:rPr lang="en-US" dirty="0"/>
+              <a:t>https://stackoverflow.com/questions/48909418/lime-vs-treeinterpreter-for-interpreting-decision-tree</a:t>
+            </a:r>
+          </a:p>
+        </p:txBody>
+      </p:sp>
+    </p:spTree>
+    <p:extLst>
+      <p:ext uri="{BB962C8B-B14F-4D97-AF65-F5344CB8AC3E}">
+        <p14:creationId xmlns:p14="http://schemas.microsoft.com/office/powerpoint/2010/main" val="3034066987"/>
       </p:ext>
     </p:extLst>
   </p:cSld>
@@ -10894,8 +11034,8 @@
           </a:p>
         </p:txBody>
       </p:sp>
-      <mc:AlternateContent xmlns:mc="http://schemas.openxmlformats.org/markup-compatibility/2006" xmlns:a14="http://schemas.microsoft.com/office/drawing/2010/main">
-        <mc:Choice Requires="a14">
+      <mc:AlternateContent xmlns:mc="http://schemas.openxmlformats.org/markup-compatibility/2006">
+        <mc:Choice xmlns:a14="http://schemas.microsoft.com/office/drawing/2010/main" Requires="a14">
           <p:sp>
             <p:nvSpPr>
               <p:cNvPr id="3" name="Content Placeholder 2">
@@ -11003,7 +11143,7 @@
                 <a:pPr lvl="1"/>
                 <a:r>
                   <a:rPr lang="en-US" dirty="0"/>
-                  <a:t>Random Sampling (look this up)</a:t>
+                  <a:t>Random Sampling </a:t>
                 </a:r>
               </a:p>
               <a:p>
@@ -11184,7 +11324,7 @@
             </p:txBody>
           </p:sp>
         </mc:Choice>
-        <mc:Fallback xmlns="">
+        <mc:Fallback>
           <p:sp>
             <p:nvSpPr>
               <p:cNvPr id="3" name="Content Placeholder 2">
@@ -11203,7 +11343,7 @@
             </p:nvSpPr>
             <p:spPr>
               <a:blipFill>
-                <a:blip r:embed="rId5"/>
+                <a:blip r:embed="rId2"/>
                 <a:stretch>
                   <a:fillRect/>
                 </a:stretch>
